--- a/Python性能分析.pptx
+++ b/Python性能分析.pptx
@@ -5,19 +5,26 @@
     <p:sldMasterId id="2147483648" r:id="rId1"/>
   </p:sldMasterIdLst>
   <p:notesMasterIdLst>
-    <p:notesMasterId r:id="rId12"/>
+    <p:notesMasterId r:id="rId19"/>
   </p:notesMasterIdLst>
   <p:sldIdLst>
     <p:sldId id="256" r:id="rId2"/>
-    <p:sldId id="259" r:id="rId3"/>
-    <p:sldId id="262" r:id="rId4"/>
-    <p:sldId id="261" r:id="rId5"/>
-    <p:sldId id="263" r:id="rId6"/>
-    <p:sldId id="266" r:id="rId7"/>
-    <p:sldId id="264" r:id="rId8"/>
-    <p:sldId id="265" r:id="rId9"/>
-    <p:sldId id="257" r:id="rId10"/>
-    <p:sldId id="260" r:id="rId11"/>
+    <p:sldId id="269" r:id="rId3"/>
+    <p:sldId id="267" r:id="rId4"/>
+    <p:sldId id="268" r:id="rId5"/>
+    <p:sldId id="259" r:id="rId6"/>
+    <p:sldId id="262" r:id="rId7"/>
+    <p:sldId id="261" r:id="rId8"/>
+    <p:sldId id="270" r:id="rId9"/>
+    <p:sldId id="263" r:id="rId10"/>
+    <p:sldId id="266" r:id="rId11"/>
+    <p:sldId id="264" r:id="rId12"/>
+    <p:sldId id="265" r:id="rId13"/>
+    <p:sldId id="257" r:id="rId14"/>
+    <p:sldId id="271" r:id="rId15"/>
+    <p:sldId id="272" r:id="rId16"/>
+    <p:sldId id="273" r:id="rId17"/>
+    <p:sldId id="260" r:id="rId18"/>
   </p:sldIdLst>
   <p:sldSz cx="12192000" cy="6858000"/>
   <p:notesSz cx="6858000" cy="9144000"/>
@@ -116,6 +123,22 @@
       </a:defRPr>
     </a:lvl9pPr>
   </p:defaultTextStyle>
+  <p:extLst>
+    <p:ext uri="{EFAFB233-063F-42B5-8137-9DF3F51BA10A}">
+      <p15:sldGuideLst xmlns:p15="http://schemas.microsoft.com/office/powerpoint/2012/main">
+        <p15:guide id="1" orient="horz" pos="2160">
+          <p15:clr>
+            <a:srgbClr val="A4A3A4"/>
+          </p15:clr>
+        </p15:guide>
+        <p15:guide id="2" pos="3840">
+          <p15:clr>
+            <a:srgbClr val="A4A3A4"/>
+          </p15:clr>
+        </p15:guide>
+      </p15:sldGuideLst>
+    </p:ext>
+  </p:extLst>
 </p:presentation>
 </file>
 
@@ -202,7 +225,7 @@
             <a:fld id="{3BD94665-9F95-4CC4-B1BB-D58E69B9FBC1}" type="datetimeFigureOut">
               <a:rPr lang="zh-CN" altLang="en-US" smtClean="0"/>
               <a:pPr/>
-              <a:t>2017/4/30</a:t>
+              <a:t>2017/5/4</a:t>
             </a:fld>
             <a:endParaRPr lang="zh-CN" altLang="en-US"/>
           </a:p>
@@ -371,7 +394,7 @@
     </p:spTree>
     <p:extLst>
       <p:ext uri="{BB962C8B-B14F-4D97-AF65-F5344CB8AC3E}">
-        <p14:creationId xmlns="" xmlns:p14="http://schemas.microsoft.com/office/powerpoint/2010/main" val="719086914"/>
+        <p14:creationId xmlns:p14="http://schemas.microsoft.com/office/powerpoint/2010/main" val="719086914"/>
       </p:ext>
     </p:extLst>
   </p:cSld>
@@ -515,31 +538,6 @@
           <a:bodyPr/>
           <a:lstStyle/>
           <a:p>
-            <a:r>
-              <a:rPr lang="en-US" altLang="zh-CN" dirty="0" smtClean="0"/>
-              <a:t>https://www.huyng.com/posts/python-performance-analysis</a:t>
-            </a:r>
-          </a:p>
-          <a:p>
-            <a:r>
-              <a:rPr lang="en-US" altLang="zh-CN" dirty="0" smtClean="0"/>
-              <a:t>http</a:t>
-            </a:r>
-            <a:r>
-              <a:rPr lang="en-US" altLang="zh-CN" smtClean="0"/>
-              <a:t>://</a:t>
-            </a:r>
-            <a:r>
-              <a:rPr lang="en-US" altLang="zh-CN" smtClean="0"/>
-              <a:t>stackoverflow.com/questions/582336/how-can-you-profile-a-python-script</a:t>
-            </a:r>
-            <a:endParaRPr lang="en-US" altLang="zh-CN" dirty="0" smtClean="0"/>
-          </a:p>
-          <a:p>
-            <a:r>
-              <a:rPr lang="en-US" altLang="zh-CN" dirty="0" smtClean="0"/>
-              <a:t>https://www.oschina.net/translate/python-performance-analysis</a:t>
-            </a:r>
             <a:endParaRPr lang="zh-CN" altLang="en-US" dirty="0"/>
           </a:p>
         </p:txBody>
@@ -571,7 +569,632 @@
     </p:spTree>
     <p:extLst>
       <p:ext uri="{BB962C8B-B14F-4D97-AF65-F5344CB8AC3E}">
-        <p14:creationId xmlns="" xmlns:p14="http://schemas.microsoft.com/office/powerpoint/2010/main" val="1953568185"/>
+        <p14:creationId xmlns:p14="http://schemas.microsoft.com/office/powerpoint/2010/main" val="2434580596"/>
+      </p:ext>
+    </p:extLst>
+  </p:cSld>
+  <p:clrMapOvr>
+    <a:masterClrMapping/>
+  </p:clrMapOvr>
+</p:notes>
+</file>
+
+<file path=ppt/notesSlides/notesSlide10.xml><?xml version="1.0" encoding="utf-8"?>
+<p:notes xmlns:a="http://schemas.openxmlformats.org/drawingml/2006/main" xmlns:r="http://schemas.openxmlformats.org/officeDocument/2006/relationships" xmlns:p="http://schemas.openxmlformats.org/presentationml/2006/main">
+  <p:cSld>
+    <p:spTree>
+      <p:nvGrpSpPr>
+        <p:cNvPr id="1" name=""/>
+        <p:cNvGrpSpPr/>
+        <p:nvPr/>
+      </p:nvGrpSpPr>
+      <p:grpSpPr>
+        <a:xfrm>
+          <a:off x="0" y="0"/>
+          <a:ext cx="0" cy="0"/>
+          <a:chOff x="0" y="0"/>
+          <a:chExt cx="0" cy="0"/>
+        </a:xfrm>
+      </p:grpSpPr>
+      <p:sp>
+        <p:nvSpPr>
+          <p:cNvPr id="2" name="幻灯片图像占位符 1"/>
+          <p:cNvSpPr>
+            <a:spLocks noGrp="1" noRot="1" noChangeAspect="1"/>
+          </p:cNvSpPr>
+          <p:nvPr>
+            <p:ph type="sldImg"/>
+          </p:nvPr>
+        </p:nvSpPr>
+        <p:spPr/>
+      </p:sp>
+      <p:sp>
+        <p:nvSpPr>
+          <p:cNvPr id="3" name="备注占位符 2"/>
+          <p:cNvSpPr>
+            <a:spLocks noGrp="1"/>
+          </p:cNvSpPr>
+          <p:nvPr>
+            <p:ph type="body" idx="1"/>
+          </p:nvPr>
+        </p:nvSpPr>
+        <p:spPr/>
+        <p:txBody>
+          <a:bodyPr>
+            <a:normAutofit/>
+          </a:bodyPr>
+          <a:lstStyle/>
+          <a:p>
+            <a:endParaRPr lang="zh-CN" altLang="en-US" dirty="0"/>
+          </a:p>
+        </p:txBody>
+      </p:sp>
+      <p:sp>
+        <p:nvSpPr>
+          <p:cNvPr id="4" name="灯片编号占位符 3"/>
+          <p:cNvSpPr>
+            <a:spLocks noGrp="1"/>
+          </p:cNvSpPr>
+          <p:nvPr>
+            <p:ph type="sldNum" sz="quarter" idx="10"/>
+          </p:nvPr>
+        </p:nvSpPr>
+        <p:spPr/>
+        <p:txBody>
+          <a:bodyPr/>
+          <a:lstStyle/>
+          <a:p>
+            <a:fld id="{9E38AC0D-68B1-4EDB-AEAF-75E0301BA95A}" type="slidenum">
+              <a:rPr lang="zh-CN" altLang="en-US" smtClean="0"/>
+              <a:pPr/>
+              <a:t>11</a:t>
+            </a:fld>
+            <a:endParaRPr lang="zh-CN" altLang="en-US"/>
+          </a:p>
+        </p:txBody>
+      </p:sp>
+    </p:spTree>
+    <p:extLst>
+      <p:ext uri="{BB962C8B-B14F-4D97-AF65-F5344CB8AC3E}">
+        <p14:creationId xmlns:p14="http://schemas.microsoft.com/office/powerpoint/2010/main" val="2538709608"/>
+      </p:ext>
+    </p:extLst>
+  </p:cSld>
+  <p:clrMapOvr>
+    <a:masterClrMapping/>
+  </p:clrMapOvr>
+</p:notes>
+</file>
+
+<file path=ppt/notesSlides/notesSlide11.xml><?xml version="1.0" encoding="utf-8"?>
+<p:notes xmlns:a="http://schemas.openxmlformats.org/drawingml/2006/main" xmlns:r="http://schemas.openxmlformats.org/officeDocument/2006/relationships" xmlns:p="http://schemas.openxmlformats.org/presentationml/2006/main">
+  <p:cSld>
+    <p:spTree>
+      <p:nvGrpSpPr>
+        <p:cNvPr id="1" name=""/>
+        <p:cNvGrpSpPr/>
+        <p:nvPr/>
+      </p:nvGrpSpPr>
+      <p:grpSpPr>
+        <a:xfrm>
+          <a:off x="0" y="0"/>
+          <a:ext cx="0" cy="0"/>
+          <a:chOff x="0" y="0"/>
+          <a:chExt cx="0" cy="0"/>
+        </a:xfrm>
+      </p:grpSpPr>
+      <p:sp>
+        <p:nvSpPr>
+          <p:cNvPr id="2" name="幻灯片图像占位符 1"/>
+          <p:cNvSpPr>
+            <a:spLocks noGrp="1" noRot="1" noChangeAspect="1"/>
+          </p:cNvSpPr>
+          <p:nvPr>
+            <p:ph type="sldImg"/>
+          </p:nvPr>
+        </p:nvSpPr>
+        <p:spPr/>
+      </p:sp>
+      <p:sp>
+        <p:nvSpPr>
+          <p:cNvPr id="3" name="备注占位符 2"/>
+          <p:cNvSpPr>
+            <a:spLocks noGrp="1"/>
+          </p:cNvSpPr>
+          <p:nvPr>
+            <p:ph type="body" idx="1"/>
+          </p:nvPr>
+        </p:nvSpPr>
+        <p:spPr/>
+        <p:txBody>
+          <a:bodyPr>
+            <a:normAutofit/>
+          </a:bodyPr>
+          <a:lstStyle/>
+          <a:p>
+            <a:endParaRPr lang="zh-CN" altLang="en-US" dirty="0"/>
+          </a:p>
+        </p:txBody>
+      </p:sp>
+      <p:sp>
+        <p:nvSpPr>
+          <p:cNvPr id="4" name="灯片编号占位符 3"/>
+          <p:cNvSpPr>
+            <a:spLocks noGrp="1"/>
+          </p:cNvSpPr>
+          <p:nvPr>
+            <p:ph type="sldNum" sz="quarter" idx="10"/>
+          </p:nvPr>
+        </p:nvSpPr>
+        <p:spPr/>
+        <p:txBody>
+          <a:bodyPr/>
+          <a:lstStyle/>
+          <a:p>
+            <a:fld id="{9E38AC0D-68B1-4EDB-AEAF-75E0301BA95A}" type="slidenum">
+              <a:rPr lang="zh-CN" altLang="en-US" smtClean="0"/>
+              <a:pPr/>
+              <a:t>12</a:t>
+            </a:fld>
+            <a:endParaRPr lang="zh-CN" altLang="en-US"/>
+          </a:p>
+        </p:txBody>
+      </p:sp>
+    </p:spTree>
+    <p:extLst>
+      <p:ext uri="{BB962C8B-B14F-4D97-AF65-F5344CB8AC3E}">
+        <p14:creationId xmlns:p14="http://schemas.microsoft.com/office/powerpoint/2010/main" val="167666265"/>
+      </p:ext>
+    </p:extLst>
+  </p:cSld>
+  <p:clrMapOvr>
+    <a:masterClrMapping/>
+  </p:clrMapOvr>
+</p:notes>
+</file>
+
+<file path=ppt/notesSlides/notesSlide12.xml><?xml version="1.0" encoding="utf-8"?>
+<p:notes xmlns:a="http://schemas.openxmlformats.org/drawingml/2006/main" xmlns:r="http://schemas.openxmlformats.org/officeDocument/2006/relationships" xmlns:p="http://schemas.openxmlformats.org/presentationml/2006/main">
+  <p:cSld>
+    <p:spTree>
+      <p:nvGrpSpPr>
+        <p:cNvPr id="1" name=""/>
+        <p:cNvGrpSpPr/>
+        <p:nvPr/>
+      </p:nvGrpSpPr>
+      <p:grpSpPr>
+        <a:xfrm>
+          <a:off x="0" y="0"/>
+          <a:ext cx="0" cy="0"/>
+          <a:chOff x="0" y="0"/>
+          <a:chExt cx="0" cy="0"/>
+        </a:xfrm>
+      </p:grpSpPr>
+      <p:sp>
+        <p:nvSpPr>
+          <p:cNvPr id="2" name="幻灯片图像占位符 1"/>
+          <p:cNvSpPr>
+            <a:spLocks noGrp="1" noRot="1" noChangeAspect="1"/>
+          </p:cNvSpPr>
+          <p:nvPr>
+            <p:ph type="sldImg"/>
+          </p:nvPr>
+        </p:nvSpPr>
+        <p:spPr/>
+      </p:sp>
+      <p:sp>
+        <p:nvSpPr>
+          <p:cNvPr id="3" name="备注占位符 2"/>
+          <p:cNvSpPr>
+            <a:spLocks noGrp="1"/>
+          </p:cNvSpPr>
+          <p:nvPr>
+            <p:ph type="body" idx="1"/>
+          </p:nvPr>
+        </p:nvSpPr>
+        <p:spPr/>
+        <p:txBody>
+          <a:bodyPr/>
+          <a:lstStyle/>
+          <a:p>
+            <a:r>
+              <a:rPr lang="en-US" altLang="zh-CN" dirty="0" smtClean="0"/>
+              <a:t>https://www.huyng.com/posts/python-performance-analysis</a:t>
+            </a:r>
+          </a:p>
+          <a:p>
+            <a:r>
+              <a:rPr lang="en-US" altLang="zh-CN" dirty="0" smtClean="0"/>
+              <a:t>http://stackoverflow.com/questions/582336/how-can-you-profile-a-python-script</a:t>
+            </a:r>
+            <a:endParaRPr lang="zh-CN" altLang="en-US" dirty="0"/>
+          </a:p>
+        </p:txBody>
+      </p:sp>
+      <p:sp>
+        <p:nvSpPr>
+          <p:cNvPr id="4" name="灯片编号占位符 3"/>
+          <p:cNvSpPr>
+            <a:spLocks noGrp="1"/>
+          </p:cNvSpPr>
+          <p:nvPr>
+            <p:ph type="sldNum" sz="quarter" idx="10"/>
+          </p:nvPr>
+        </p:nvSpPr>
+        <p:spPr/>
+        <p:txBody>
+          <a:bodyPr/>
+          <a:lstStyle/>
+          <a:p>
+            <a:fld id="{9E38AC0D-68B1-4EDB-AEAF-75E0301BA95A}" type="slidenum">
+              <a:rPr lang="zh-CN" altLang="en-US" smtClean="0"/>
+              <a:pPr/>
+              <a:t>13</a:t>
+            </a:fld>
+            <a:endParaRPr lang="zh-CN" altLang="en-US"/>
+          </a:p>
+        </p:txBody>
+      </p:sp>
+    </p:spTree>
+    <p:extLst>
+      <p:ext uri="{BB962C8B-B14F-4D97-AF65-F5344CB8AC3E}">
+        <p14:creationId xmlns:p14="http://schemas.microsoft.com/office/powerpoint/2010/main" val="1953568185"/>
+      </p:ext>
+    </p:extLst>
+  </p:cSld>
+  <p:clrMapOvr>
+    <a:masterClrMapping/>
+  </p:clrMapOvr>
+</p:notes>
+</file>
+
+<file path=ppt/notesSlides/notesSlide13.xml><?xml version="1.0" encoding="utf-8"?>
+<p:notes xmlns:a="http://schemas.openxmlformats.org/drawingml/2006/main" xmlns:r="http://schemas.openxmlformats.org/officeDocument/2006/relationships" xmlns:p="http://schemas.openxmlformats.org/presentationml/2006/main">
+  <p:cSld>
+    <p:spTree>
+      <p:nvGrpSpPr>
+        <p:cNvPr id="1" name=""/>
+        <p:cNvGrpSpPr/>
+        <p:nvPr/>
+      </p:nvGrpSpPr>
+      <p:grpSpPr>
+        <a:xfrm>
+          <a:off x="0" y="0"/>
+          <a:ext cx="0" cy="0"/>
+          <a:chOff x="0" y="0"/>
+          <a:chExt cx="0" cy="0"/>
+        </a:xfrm>
+      </p:grpSpPr>
+      <p:sp>
+        <p:nvSpPr>
+          <p:cNvPr id="2" name="幻灯片图像占位符 1"/>
+          <p:cNvSpPr>
+            <a:spLocks noGrp="1" noRot="1" noChangeAspect="1"/>
+          </p:cNvSpPr>
+          <p:nvPr>
+            <p:ph type="sldImg"/>
+          </p:nvPr>
+        </p:nvSpPr>
+        <p:spPr/>
+      </p:sp>
+      <p:sp>
+        <p:nvSpPr>
+          <p:cNvPr id="3" name="备注占位符 2"/>
+          <p:cNvSpPr>
+            <a:spLocks noGrp="1"/>
+          </p:cNvSpPr>
+          <p:nvPr>
+            <p:ph type="body" idx="1"/>
+          </p:nvPr>
+        </p:nvSpPr>
+        <p:spPr/>
+        <p:txBody>
+          <a:bodyPr>
+            <a:normAutofit/>
+          </a:bodyPr>
+          <a:lstStyle/>
+          <a:p>
+            <a:endParaRPr lang="zh-CN" altLang="en-US" dirty="0"/>
+          </a:p>
+        </p:txBody>
+      </p:sp>
+      <p:sp>
+        <p:nvSpPr>
+          <p:cNvPr id="4" name="灯片编号占位符 3"/>
+          <p:cNvSpPr>
+            <a:spLocks noGrp="1"/>
+          </p:cNvSpPr>
+          <p:nvPr>
+            <p:ph type="sldNum" sz="quarter" idx="10"/>
+          </p:nvPr>
+        </p:nvSpPr>
+        <p:spPr/>
+        <p:txBody>
+          <a:bodyPr/>
+          <a:lstStyle/>
+          <a:p>
+            <a:fld id="{9E38AC0D-68B1-4EDB-AEAF-75E0301BA95A}" type="slidenum">
+              <a:rPr lang="zh-CN" altLang="en-US" smtClean="0"/>
+              <a:pPr/>
+              <a:t>14</a:t>
+            </a:fld>
+            <a:endParaRPr lang="zh-CN" altLang="en-US"/>
+          </a:p>
+        </p:txBody>
+      </p:sp>
+    </p:spTree>
+    <p:extLst>
+      <p:ext uri="{BB962C8B-B14F-4D97-AF65-F5344CB8AC3E}">
+        <p14:creationId xmlns:p14="http://schemas.microsoft.com/office/powerpoint/2010/main" val="2167600798"/>
+      </p:ext>
+    </p:extLst>
+  </p:cSld>
+  <p:clrMapOvr>
+    <a:masterClrMapping/>
+  </p:clrMapOvr>
+</p:notes>
+</file>
+
+<file path=ppt/notesSlides/notesSlide14.xml><?xml version="1.0" encoding="utf-8"?>
+<p:notes xmlns:a="http://schemas.openxmlformats.org/drawingml/2006/main" xmlns:r="http://schemas.openxmlformats.org/officeDocument/2006/relationships" xmlns:p="http://schemas.openxmlformats.org/presentationml/2006/main">
+  <p:cSld>
+    <p:spTree>
+      <p:nvGrpSpPr>
+        <p:cNvPr id="1" name=""/>
+        <p:cNvGrpSpPr/>
+        <p:nvPr/>
+      </p:nvGrpSpPr>
+      <p:grpSpPr>
+        <a:xfrm>
+          <a:off x="0" y="0"/>
+          <a:ext cx="0" cy="0"/>
+          <a:chOff x="0" y="0"/>
+          <a:chExt cx="0" cy="0"/>
+        </a:xfrm>
+      </p:grpSpPr>
+      <p:sp>
+        <p:nvSpPr>
+          <p:cNvPr id="2" name="幻灯片图像占位符 1"/>
+          <p:cNvSpPr>
+            <a:spLocks noGrp="1" noRot="1" noChangeAspect="1"/>
+          </p:cNvSpPr>
+          <p:nvPr>
+            <p:ph type="sldImg"/>
+          </p:nvPr>
+        </p:nvSpPr>
+        <p:spPr/>
+      </p:sp>
+      <p:sp>
+        <p:nvSpPr>
+          <p:cNvPr id="3" name="备注占位符 2"/>
+          <p:cNvSpPr>
+            <a:spLocks noGrp="1"/>
+          </p:cNvSpPr>
+          <p:nvPr>
+            <p:ph type="body" idx="1"/>
+          </p:nvPr>
+        </p:nvSpPr>
+        <p:spPr/>
+        <p:txBody>
+          <a:bodyPr>
+            <a:normAutofit/>
+          </a:bodyPr>
+          <a:lstStyle/>
+          <a:p>
+            <a:endParaRPr lang="zh-CN" altLang="en-US" dirty="0"/>
+          </a:p>
+        </p:txBody>
+      </p:sp>
+      <p:sp>
+        <p:nvSpPr>
+          <p:cNvPr id="4" name="灯片编号占位符 3"/>
+          <p:cNvSpPr>
+            <a:spLocks noGrp="1"/>
+          </p:cNvSpPr>
+          <p:nvPr>
+            <p:ph type="sldNum" sz="quarter" idx="10"/>
+          </p:nvPr>
+        </p:nvSpPr>
+        <p:spPr/>
+        <p:txBody>
+          <a:bodyPr/>
+          <a:lstStyle/>
+          <a:p>
+            <a:fld id="{9E38AC0D-68B1-4EDB-AEAF-75E0301BA95A}" type="slidenum">
+              <a:rPr lang="zh-CN" altLang="en-US" smtClean="0"/>
+              <a:pPr/>
+              <a:t>15</a:t>
+            </a:fld>
+            <a:endParaRPr lang="zh-CN" altLang="en-US"/>
+          </a:p>
+        </p:txBody>
+      </p:sp>
+    </p:spTree>
+    <p:extLst>
+      <p:ext uri="{BB962C8B-B14F-4D97-AF65-F5344CB8AC3E}">
+        <p14:creationId xmlns:p14="http://schemas.microsoft.com/office/powerpoint/2010/main" val="2440141104"/>
+      </p:ext>
+    </p:extLst>
+  </p:cSld>
+  <p:clrMapOvr>
+    <a:masterClrMapping/>
+  </p:clrMapOvr>
+</p:notes>
+</file>
+
+<file path=ppt/notesSlides/notesSlide15.xml><?xml version="1.0" encoding="utf-8"?>
+<p:notes xmlns:a="http://schemas.openxmlformats.org/drawingml/2006/main" xmlns:r="http://schemas.openxmlformats.org/officeDocument/2006/relationships" xmlns:p="http://schemas.openxmlformats.org/presentationml/2006/main">
+  <p:cSld>
+    <p:spTree>
+      <p:nvGrpSpPr>
+        <p:cNvPr id="1" name=""/>
+        <p:cNvGrpSpPr/>
+        <p:nvPr/>
+      </p:nvGrpSpPr>
+      <p:grpSpPr>
+        <a:xfrm>
+          <a:off x="0" y="0"/>
+          <a:ext cx="0" cy="0"/>
+          <a:chOff x="0" y="0"/>
+          <a:chExt cx="0" cy="0"/>
+        </a:xfrm>
+      </p:grpSpPr>
+      <p:sp>
+        <p:nvSpPr>
+          <p:cNvPr id="2" name="幻灯片图像占位符 1"/>
+          <p:cNvSpPr>
+            <a:spLocks noGrp="1" noRot="1" noChangeAspect="1"/>
+          </p:cNvSpPr>
+          <p:nvPr>
+            <p:ph type="sldImg"/>
+          </p:nvPr>
+        </p:nvSpPr>
+        <p:spPr/>
+      </p:sp>
+      <p:sp>
+        <p:nvSpPr>
+          <p:cNvPr id="3" name="备注占位符 2"/>
+          <p:cNvSpPr>
+            <a:spLocks noGrp="1"/>
+          </p:cNvSpPr>
+          <p:nvPr>
+            <p:ph type="body" idx="1"/>
+          </p:nvPr>
+        </p:nvSpPr>
+        <p:spPr/>
+        <p:txBody>
+          <a:bodyPr>
+            <a:normAutofit/>
+          </a:bodyPr>
+          <a:lstStyle/>
+          <a:p>
+            <a:endParaRPr lang="zh-CN" altLang="en-US" dirty="0"/>
+          </a:p>
+        </p:txBody>
+      </p:sp>
+      <p:sp>
+        <p:nvSpPr>
+          <p:cNvPr id="4" name="灯片编号占位符 3"/>
+          <p:cNvSpPr>
+            <a:spLocks noGrp="1"/>
+          </p:cNvSpPr>
+          <p:nvPr>
+            <p:ph type="sldNum" sz="quarter" idx="10"/>
+          </p:nvPr>
+        </p:nvSpPr>
+        <p:spPr/>
+        <p:txBody>
+          <a:bodyPr/>
+          <a:lstStyle/>
+          <a:p>
+            <a:fld id="{9E38AC0D-68B1-4EDB-AEAF-75E0301BA95A}" type="slidenum">
+              <a:rPr lang="zh-CN" altLang="en-US" smtClean="0"/>
+              <a:pPr/>
+              <a:t>16</a:t>
+            </a:fld>
+            <a:endParaRPr lang="zh-CN" altLang="en-US"/>
+          </a:p>
+        </p:txBody>
+      </p:sp>
+    </p:spTree>
+    <p:extLst>
+      <p:ext uri="{BB962C8B-B14F-4D97-AF65-F5344CB8AC3E}">
+        <p14:creationId xmlns:p14="http://schemas.microsoft.com/office/powerpoint/2010/main" val="2361632125"/>
+      </p:ext>
+    </p:extLst>
+  </p:cSld>
+  <p:clrMapOvr>
+    <a:masterClrMapping/>
+  </p:clrMapOvr>
+</p:notes>
+</file>
+
+<file path=ppt/notesSlides/notesSlide16.xml><?xml version="1.0" encoding="utf-8"?>
+<p:notes xmlns:a="http://schemas.openxmlformats.org/drawingml/2006/main" xmlns:r="http://schemas.openxmlformats.org/officeDocument/2006/relationships" xmlns:p="http://schemas.openxmlformats.org/presentationml/2006/main">
+  <p:cSld>
+    <p:spTree>
+      <p:nvGrpSpPr>
+        <p:cNvPr id="1" name=""/>
+        <p:cNvGrpSpPr/>
+        <p:nvPr/>
+      </p:nvGrpSpPr>
+      <p:grpSpPr>
+        <a:xfrm>
+          <a:off x="0" y="0"/>
+          <a:ext cx="0" cy="0"/>
+          <a:chOff x="0" y="0"/>
+          <a:chExt cx="0" cy="0"/>
+        </a:xfrm>
+      </p:grpSpPr>
+      <p:sp>
+        <p:nvSpPr>
+          <p:cNvPr id="2" name="幻灯片图像占位符 1"/>
+          <p:cNvSpPr>
+            <a:spLocks noGrp="1" noRot="1" noChangeAspect="1"/>
+          </p:cNvSpPr>
+          <p:nvPr>
+            <p:ph type="sldImg"/>
+          </p:nvPr>
+        </p:nvSpPr>
+        <p:spPr/>
+      </p:sp>
+      <p:sp>
+        <p:nvSpPr>
+          <p:cNvPr id="3" name="备注占位符 2"/>
+          <p:cNvSpPr>
+            <a:spLocks noGrp="1"/>
+          </p:cNvSpPr>
+          <p:nvPr>
+            <p:ph type="body" idx="1"/>
+          </p:nvPr>
+        </p:nvSpPr>
+        <p:spPr/>
+        <p:txBody>
+          <a:bodyPr/>
+          <a:lstStyle/>
+          <a:p>
+            <a:r>
+              <a:rPr lang="en-US" altLang="zh-CN" dirty="0" smtClean="0"/>
+              <a:t>https://www.huyng.com/posts/python-performance-analysis</a:t>
+            </a:r>
+          </a:p>
+          <a:p>
+            <a:r>
+              <a:rPr lang="en-US" altLang="zh-CN" dirty="0" smtClean="0"/>
+              <a:t>http://stackoverflow.com/questions/582336/how-can-you-profile-a-python-script</a:t>
+            </a:r>
+            <a:endParaRPr lang="zh-CN" altLang="en-US" dirty="0"/>
+          </a:p>
+        </p:txBody>
+      </p:sp>
+      <p:sp>
+        <p:nvSpPr>
+          <p:cNvPr id="4" name="灯片编号占位符 3"/>
+          <p:cNvSpPr>
+            <a:spLocks noGrp="1"/>
+          </p:cNvSpPr>
+          <p:nvPr>
+            <p:ph type="sldNum" sz="quarter" idx="10"/>
+          </p:nvPr>
+        </p:nvSpPr>
+        <p:spPr/>
+        <p:txBody>
+          <a:bodyPr/>
+          <a:lstStyle/>
+          <a:p>
+            <a:fld id="{9E38AC0D-68B1-4EDB-AEAF-75E0301BA95A}" type="slidenum">
+              <a:rPr lang="zh-CN" altLang="en-US" smtClean="0"/>
+              <a:pPr/>
+              <a:t>17</a:t>
+            </a:fld>
+            <a:endParaRPr lang="zh-CN" altLang="en-US"/>
+          </a:p>
+        </p:txBody>
+      </p:sp>
+    </p:spTree>
+    <p:extLst>
+      <p:ext uri="{BB962C8B-B14F-4D97-AF65-F5344CB8AC3E}">
+        <p14:creationId xmlns:p14="http://schemas.microsoft.com/office/powerpoint/2010/main" val="1953568185"/>
       </p:ext>
     </p:extLst>
   </p:cSld>
@@ -622,9 +1245,7 @@
         </p:nvSpPr>
         <p:spPr/>
         <p:txBody>
-          <a:bodyPr>
-            <a:normAutofit/>
-          </a:bodyPr>
+          <a:bodyPr/>
           <a:lstStyle/>
           <a:p>
             <a:endParaRPr lang="zh-CN" altLang="en-US" dirty="0"/>
@@ -656,6 +1277,11 @@
         </p:txBody>
       </p:sp>
     </p:spTree>
+    <p:extLst>
+      <p:ext uri="{BB962C8B-B14F-4D97-AF65-F5344CB8AC3E}">
+        <p14:creationId xmlns:p14="http://schemas.microsoft.com/office/powerpoint/2010/main" val="4237125443"/>
+      </p:ext>
+    </p:extLst>
   </p:cSld>
   <p:clrMapOvr>
     <a:masterClrMapping/>
@@ -704,9 +1330,7 @@
         </p:nvSpPr>
         <p:spPr/>
         <p:txBody>
-          <a:bodyPr>
-            <a:normAutofit/>
-          </a:bodyPr>
+          <a:bodyPr/>
           <a:lstStyle/>
           <a:p>
             <a:endParaRPr lang="zh-CN" altLang="en-US" dirty="0"/>
@@ -738,6 +1362,11 @@
         </p:txBody>
       </p:sp>
     </p:spTree>
+    <p:extLst>
+      <p:ext uri="{BB962C8B-B14F-4D97-AF65-F5344CB8AC3E}">
+        <p14:creationId xmlns:p14="http://schemas.microsoft.com/office/powerpoint/2010/main" val="985551777"/>
+      </p:ext>
+    </p:extLst>
   </p:cSld>
   <p:clrMapOvr>
     <a:masterClrMapping/>
@@ -786,11 +1415,25 @@
         </p:nvSpPr>
         <p:spPr/>
         <p:txBody>
-          <a:bodyPr>
-            <a:normAutofit/>
-          </a:bodyPr>
-          <a:lstStyle/>
-          <a:p>
+          <a:bodyPr/>
+          <a:lstStyle/>
+          <a:p>
+            <a:r>
+              <a:rPr lang="en-US" altLang="zh-CN" dirty="0" smtClean="0"/>
+              <a:t>https://www.huyng.com/posts/python-performance-analysis</a:t>
+            </a:r>
+          </a:p>
+          <a:p>
+            <a:r>
+              <a:rPr lang="en-US" altLang="zh-CN" dirty="0" smtClean="0"/>
+              <a:t>http://stackoverflow.com/questions/582336/how-can-you-profile-a-python-script</a:t>
+            </a:r>
+          </a:p>
+          <a:p>
+            <a:r>
+              <a:rPr lang="en-US" altLang="zh-CN" dirty="0" smtClean="0"/>
+              <a:t>https://www.oschina.net/translate/python-performance-analysis</a:t>
+            </a:r>
             <a:endParaRPr lang="zh-CN" altLang="en-US" dirty="0"/>
           </a:p>
         </p:txBody>
@@ -820,6 +1463,11 @@
         </p:txBody>
       </p:sp>
     </p:spTree>
+    <p:extLst>
+      <p:ext uri="{BB962C8B-B14F-4D97-AF65-F5344CB8AC3E}">
+        <p14:creationId xmlns:p14="http://schemas.microsoft.com/office/powerpoint/2010/main" val="1953568185"/>
+      </p:ext>
+    </p:extLst>
   </p:cSld>
   <p:clrMapOvr>
     <a:masterClrMapping/>
@@ -873,116 +1521,6 @@
           </a:bodyPr>
           <a:lstStyle/>
           <a:p>
-            <a:r>
-              <a:rPr lang="en-US" altLang="zh-CN" dirty="0" err="1" smtClean="0"/>
-              <a:t>ncalls</a:t>
-            </a:r>
-            <a:r>
-              <a:rPr lang="zh-CN" altLang="en-US" dirty="0" smtClean="0"/>
-              <a:t>：表示函数调用的次数；</a:t>
-            </a:r>
-          </a:p>
-          <a:p>
-            <a:r>
-              <a:rPr lang="en-US" altLang="zh-CN" dirty="0" err="1" smtClean="0"/>
-              <a:t>tottime</a:t>
-            </a:r>
-            <a:r>
-              <a:rPr lang="zh-CN" altLang="en-US" dirty="0" smtClean="0"/>
-              <a:t>：表示指定函数的总的运行时间，除掉函数中调用子函数的运行时间；</a:t>
-            </a:r>
-          </a:p>
-          <a:p>
-            <a:r>
-              <a:rPr lang="en-US" altLang="zh-CN" dirty="0" err="1" smtClean="0"/>
-              <a:t>percall</a:t>
-            </a:r>
-            <a:r>
-              <a:rPr lang="zh-CN" altLang="en-US" dirty="0" smtClean="0"/>
-              <a:t>：（第一个</a:t>
-            </a:r>
-            <a:r>
-              <a:rPr lang="en-US" altLang="zh-CN" dirty="0" err="1" smtClean="0"/>
-              <a:t>percall</a:t>
-            </a:r>
-            <a:r>
-              <a:rPr lang="zh-CN" altLang="en-US" dirty="0" smtClean="0"/>
-              <a:t>）等于 </a:t>
-            </a:r>
-            <a:r>
-              <a:rPr lang="en-US" altLang="zh-CN" dirty="0" err="1" smtClean="0"/>
-              <a:t>tottime</a:t>
-            </a:r>
-            <a:r>
-              <a:rPr lang="en-US" altLang="zh-CN" dirty="0" smtClean="0"/>
-              <a:t>/</a:t>
-            </a:r>
-            <a:r>
-              <a:rPr lang="en-US" altLang="zh-CN" dirty="0" err="1" smtClean="0"/>
-              <a:t>ncalls</a:t>
-            </a:r>
-            <a:r>
-              <a:rPr lang="zh-CN" altLang="en-US" dirty="0" smtClean="0"/>
-              <a:t>；</a:t>
-            </a:r>
-          </a:p>
-          <a:p>
-            <a:r>
-              <a:rPr lang="en-US" altLang="zh-CN" dirty="0" err="1" smtClean="0"/>
-              <a:t>cumtime</a:t>
-            </a:r>
-            <a:r>
-              <a:rPr lang="zh-CN" altLang="en-US" dirty="0" smtClean="0"/>
-              <a:t>：表示该函数及其所有子函数的调用运行的时间，即函数开始调用到返回的时间；</a:t>
-            </a:r>
-          </a:p>
-          <a:p>
-            <a:r>
-              <a:rPr lang="en-US" altLang="zh-CN" dirty="0" err="1" smtClean="0"/>
-              <a:t>percall</a:t>
-            </a:r>
-            <a:r>
-              <a:rPr lang="zh-CN" altLang="en-US" dirty="0" smtClean="0"/>
-              <a:t>：（第二个</a:t>
-            </a:r>
-            <a:r>
-              <a:rPr lang="en-US" altLang="zh-CN" dirty="0" err="1" smtClean="0"/>
-              <a:t>percall</a:t>
-            </a:r>
-            <a:r>
-              <a:rPr lang="zh-CN" altLang="en-US" dirty="0" smtClean="0"/>
-              <a:t>）即函数运行一次的平均时间，等于 </a:t>
-            </a:r>
-            <a:r>
-              <a:rPr lang="en-US" altLang="zh-CN" dirty="0" err="1" smtClean="0"/>
-              <a:t>cumtime</a:t>
-            </a:r>
-            <a:r>
-              <a:rPr lang="en-US" altLang="zh-CN" dirty="0" smtClean="0"/>
-              <a:t>/</a:t>
-            </a:r>
-            <a:r>
-              <a:rPr lang="en-US" altLang="zh-CN" dirty="0" err="1" smtClean="0"/>
-              <a:t>ncalls</a:t>
-            </a:r>
-            <a:r>
-              <a:rPr lang="zh-CN" altLang="en-US" dirty="0" smtClean="0"/>
-              <a:t>；</a:t>
-            </a:r>
-          </a:p>
-          <a:p>
-            <a:r>
-              <a:rPr lang="en-US" altLang="zh-CN" dirty="0" err="1" smtClean="0"/>
-              <a:t>filename:lineno</a:t>
-            </a:r>
-            <a:r>
-              <a:rPr lang="en-US" altLang="zh-CN" dirty="0" smtClean="0"/>
-              <a:t>(function)</a:t>
-            </a:r>
-            <a:r>
-              <a:rPr lang="zh-CN" altLang="en-US" dirty="0" smtClean="0"/>
-              <a:t>：每个函数调用的具体信息；</a:t>
-            </a:r>
             <a:endParaRPr lang="zh-CN" altLang="en-US" dirty="0"/>
           </a:p>
         </p:txBody>
@@ -1012,6 +1550,11 @@
         </p:txBody>
       </p:sp>
     </p:spTree>
+    <p:extLst>
+      <p:ext uri="{BB962C8B-B14F-4D97-AF65-F5344CB8AC3E}">
+        <p14:creationId xmlns:p14="http://schemas.microsoft.com/office/powerpoint/2010/main" val="2618602933"/>
+      </p:ext>
+    </p:extLst>
   </p:cSld>
   <p:clrMapOvr>
     <a:masterClrMapping/>
@@ -1094,6 +1637,11 @@
         </p:txBody>
       </p:sp>
     </p:spTree>
+    <p:extLst>
+      <p:ext uri="{BB962C8B-B14F-4D97-AF65-F5344CB8AC3E}">
+        <p14:creationId xmlns:p14="http://schemas.microsoft.com/office/powerpoint/2010/main" val="3368611267"/>
+      </p:ext>
+    </p:extLst>
   </p:cSld>
   <p:clrMapOvr>
     <a:masterClrMapping/>
@@ -1176,6 +1724,11 @@
         </p:txBody>
       </p:sp>
     </p:spTree>
+    <p:extLst>
+      <p:ext uri="{BB962C8B-B14F-4D97-AF65-F5344CB8AC3E}">
+        <p14:creationId xmlns:p14="http://schemas.microsoft.com/office/powerpoint/2010/main" val="2499860701"/>
+      </p:ext>
+    </p:extLst>
   </p:cSld>
   <p:clrMapOvr>
     <a:masterClrMapping/>
@@ -1224,19 +1777,11 @@
         </p:nvSpPr>
         <p:spPr/>
         <p:txBody>
-          <a:bodyPr/>
-          <a:lstStyle/>
-          <a:p>
-            <a:r>
-              <a:rPr lang="en-US" altLang="zh-CN" dirty="0" smtClean="0"/>
-              <a:t>https://www.huyng.com/posts/python-performance-analysis</a:t>
-            </a:r>
-          </a:p>
-          <a:p>
-            <a:r>
-              <a:rPr lang="en-US" altLang="zh-CN" dirty="0" smtClean="0"/>
-              <a:t>http://stackoverflow.com/questions/582336/how-can-you-profile-a-python-script</a:t>
-            </a:r>
+          <a:bodyPr>
+            <a:normAutofit/>
+          </a:bodyPr>
+          <a:lstStyle/>
+          <a:p>
             <a:endParaRPr lang="zh-CN" altLang="en-US" dirty="0"/>
           </a:p>
         </p:txBody>
@@ -1268,7 +1813,7 @@
     </p:spTree>
     <p:extLst>
       <p:ext uri="{BB962C8B-B14F-4D97-AF65-F5344CB8AC3E}">
-        <p14:creationId xmlns="" xmlns:p14="http://schemas.microsoft.com/office/powerpoint/2010/main" val="1953568185"/>
+        <p14:creationId xmlns:p14="http://schemas.microsoft.com/office/powerpoint/2010/main" val="1516109306"/>
       </p:ext>
     </p:extLst>
   </p:cSld>
@@ -1319,18 +1864,120 @@
         </p:nvSpPr>
         <p:spPr/>
         <p:txBody>
-          <a:bodyPr/>
-          <a:lstStyle/>
-          <a:p>
+          <a:bodyPr>
+            <a:normAutofit/>
+          </a:bodyPr>
+          <a:lstStyle/>
+          <a:p>
+            <a:r>
+              <a:rPr lang="en-US" altLang="zh-CN" dirty="0" err="1" smtClean="0"/>
+              <a:t>ncalls</a:t>
+            </a:r>
+            <a:r>
+              <a:rPr lang="zh-CN" altLang="en-US" dirty="0" smtClean="0"/>
+              <a:t>：表示函数调用的次数；</a:t>
+            </a:r>
+          </a:p>
+          <a:p>
+            <a:r>
+              <a:rPr lang="en-US" altLang="zh-CN" dirty="0" err="1" smtClean="0"/>
+              <a:t>tottime</a:t>
+            </a:r>
+            <a:r>
+              <a:rPr lang="zh-CN" altLang="en-US" dirty="0" smtClean="0"/>
+              <a:t>：表示指定函数的总的运行时间，除掉函数中调用子函数的运行时间；</a:t>
+            </a:r>
+          </a:p>
+          <a:p>
+            <a:r>
+              <a:rPr lang="en-US" altLang="zh-CN" dirty="0" err="1" smtClean="0"/>
+              <a:t>percall</a:t>
+            </a:r>
+            <a:r>
+              <a:rPr lang="zh-CN" altLang="en-US" dirty="0" smtClean="0"/>
+              <a:t>：（第一个</a:t>
+            </a:r>
+            <a:r>
+              <a:rPr lang="en-US" altLang="zh-CN" dirty="0" err="1" smtClean="0"/>
+              <a:t>percall</a:t>
+            </a:r>
+            <a:r>
+              <a:rPr lang="zh-CN" altLang="en-US" dirty="0" smtClean="0"/>
+              <a:t>）等于 </a:t>
+            </a:r>
+            <a:r>
+              <a:rPr lang="en-US" altLang="zh-CN" dirty="0" err="1" smtClean="0"/>
+              <a:t>tottime</a:t>
+            </a:r>
             <a:r>
               <a:rPr lang="en-US" altLang="zh-CN" dirty="0" smtClean="0"/>
-              <a:t>https://www.huyng.com/posts/python-performance-analysis</a:t>
-            </a:r>
-          </a:p>
-          <a:p>
+              <a:t>/</a:t>
+            </a:r>
+            <a:r>
+              <a:rPr lang="en-US" altLang="zh-CN" dirty="0" err="1" smtClean="0"/>
+              <a:t>ncalls</a:t>
+            </a:r>
+            <a:r>
+              <a:rPr lang="zh-CN" altLang="en-US" dirty="0" smtClean="0"/>
+              <a:t>；</a:t>
+            </a:r>
+          </a:p>
+          <a:p>
+            <a:r>
+              <a:rPr lang="en-US" altLang="zh-CN" dirty="0" err="1" smtClean="0"/>
+              <a:t>cumtime</a:t>
+            </a:r>
+            <a:r>
+              <a:rPr lang="zh-CN" altLang="en-US" dirty="0" smtClean="0"/>
+              <a:t>：表示该函数及其所有子函数的调用运行的时间，即函数开始调用到返回的时间；</a:t>
+            </a:r>
+          </a:p>
+          <a:p>
+            <a:r>
+              <a:rPr lang="en-US" altLang="zh-CN" dirty="0" err="1" smtClean="0"/>
+              <a:t>percall</a:t>
+            </a:r>
+            <a:r>
+              <a:rPr lang="zh-CN" altLang="en-US" dirty="0" smtClean="0"/>
+              <a:t>：（第二个</a:t>
+            </a:r>
+            <a:r>
+              <a:rPr lang="en-US" altLang="zh-CN" dirty="0" err="1" smtClean="0"/>
+              <a:t>percall</a:t>
+            </a:r>
+            <a:r>
+              <a:rPr lang="zh-CN" altLang="en-US" dirty="0" smtClean="0"/>
+              <a:t>）即函数运行一次的平均时间，等于 </a:t>
+            </a:r>
+            <a:r>
+              <a:rPr lang="en-US" altLang="zh-CN" dirty="0" err="1" smtClean="0"/>
+              <a:t>cumtime</a:t>
+            </a:r>
             <a:r>
               <a:rPr lang="en-US" altLang="zh-CN" dirty="0" smtClean="0"/>
-              <a:t>http://stackoverflow.com/questions/582336/how-can-you-profile-a-python-script</a:t>
+              <a:t>/</a:t>
+            </a:r>
+            <a:r>
+              <a:rPr lang="en-US" altLang="zh-CN" dirty="0" err="1" smtClean="0"/>
+              <a:t>ncalls</a:t>
+            </a:r>
+            <a:r>
+              <a:rPr lang="zh-CN" altLang="en-US" dirty="0" smtClean="0"/>
+              <a:t>；</a:t>
+            </a:r>
+          </a:p>
+          <a:p>
+            <a:r>
+              <a:rPr lang="en-US" altLang="zh-CN" dirty="0" err="1" smtClean="0"/>
+              <a:t>filename:lineno</a:t>
+            </a:r>
+            <a:r>
+              <a:rPr lang="en-US" altLang="zh-CN" dirty="0" smtClean="0"/>
+              <a:t>(function)</a:t>
+            </a:r>
+            <a:r>
+              <a:rPr lang="zh-CN" altLang="en-US" dirty="0" smtClean="0"/>
+              <a:t>：每个函数调用的具体信息；</a:t>
             </a:r>
             <a:endParaRPr lang="zh-CN" altLang="en-US" dirty="0"/>
           </a:p>
@@ -1363,7 +2010,7 @@
     </p:spTree>
     <p:extLst>
       <p:ext uri="{BB962C8B-B14F-4D97-AF65-F5344CB8AC3E}">
-        <p14:creationId xmlns="" xmlns:p14="http://schemas.microsoft.com/office/powerpoint/2010/main" val="1953568185"/>
+        <p14:creationId xmlns:p14="http://schemas.microsoft.com/office/powerpoint/2010/main" val="2675695479"/>
       </p:ext>
     </p:extLst>
   </p:cSld>
@@ -1505,7 +2152,7 @@
             <a:fld id="{347AC4D8-88AE-49C2-97D3-274E6E79B2FB}" type="datetimeFigureOut">
               <a:rPr lang="zh-CN" altLang="en-US" smtClean="0"/>
               <a:pPr/>
-              <a:t>2017/4/30</a:t>
+              <a:t>2017/5/4</a:t>
             </a:fld>
             <a:endParaRPr lang="zh-CN" altLang="en-US"/>
           </a:p>
@@ -1557,7 +2204,7 @@
     </p:spTree>
     <p:extLst>
       <p:ext uri="{BB962C8B-B14F-4D97-AF65-F5344CB8AC3E}">
-        <p14:creationId xmlns="" xmlns:p14="http://schemas.microsoft.com/office/powerpoint/2010/main" val="2641462432"/>
+        <p14:creationId xmlns:p14="http://schemas.microsoft.com/office/powerpoint/2010/main" val="2641462432"/>
       </p:ext>
     </p:extLst>
   </p:cSld>
@@ -1677,7 +2324,7 @@
             <a:fld id="{347AC4D8-88AE-49C2-97D3-274E6E79B2FB}" type="datetimeFigureOut">
               <a:rPr lang="zh-CN" altLang="en-US" smtClean="0"/>
               <a:pPr/>
-              <a:t>2017/4/30</a:t>
+              <a:t>2017/5/4</a:t>
             </a:fld>
             <a:endParaRPr lang="zh-CN" altLang="en-US"/>
           </a:p>
@@ -1729,7 +2376,7 @@
     </p:spTree>
     <p:extLst>
       <p:ext uri="{BB962C8B-B14F-4D97-AF65-F5344CB8AC3E}">
-        <p14:creationId xmlns="" xmlns:p14="http://schemas.microsoft.com/office/powerpoint/2010/main" val="1530104706"/>
+        <p14:creationId xmlns:p14="http://schemas.microsoft.com/office/powerpoint/2010/main" val="1530104706"/>
       </p:ext>
     </p:extLst>
   </p:cSld>
@@ -1859,7 +2506,7 @@
             <a:fld id="{347AC4D8-88AE-49C2-97D3-274E6E79B2FB}" type="datetimeFigureOut">
               <a:rPr lang="zh-CN" altLang="en-US" smtClean="0"/>
               <a:pPr/>
-              <a:t>2017/4/30</a:t>
+              <a:t>2017/5/4</a:t>
             </a:fld>
             <a:endParaRPr lang="zh-CN" altLang="en-US"/>
           </a:p>
@@ -1911,7 +2558,7 @@
     </p:spTree>
     <p:extLst>
       <p:ext uri="{BB962C8B-B14F-4D97-AF65-F5344CB8AC3E}">
-        <p14:creationId xmlns="" xmlns:p14="http://schemas.microsoft.com/office/powerpoint/2010/main" val="3660039821"/>
+        <p14:creationId xmlns:p14="http://schemas.microsoft.com/office/powerpoint/2010/main" val="3660039821"/>
       </p:ext>
     </p:extLst>
   </p:cSld>
@@ -2031,7 +2678,7 @@
             <a:fld id="{347AC4D8-88AE-49C2-97D3-274E6E79B2FB}" type="datetimeFigureOut">
               <a:rPr lang="zh-CN" altLang="en-US" smtClean="0"/>
               <a:pPr/>
-              <a:t>2017/4/30</a:t>
+              <a:t>2017/5/4</a:t>
             </a:fld>
             <a:endParaRPr lang="zh-CN" altLang="en-US"/>
           </a:p>
@@ -2083,7 +2730,7 @@
     </p:spTree>
     <p:extLst>
       <p:ext uri="{BB962C8B-B14F-4D97-AF65-F5344CB8AC3E}">
-        <p14:creationId xmlns="" xmlns:p14="http://schemas.microsoft.com/office/powerpoint/2010/main" val="486035128"/>
+        <p14:creationId xmlns:p14="http://schemas.microsoft.com/office/powerpoint/2010/main" val="486035128"/>
       </p:ext>
     </p:extLst>
   </p:cSld>
@@ -2279,7 +2926,7 @@
             <a:fld id="{347AC4D8-88AE-49C2-97D3-274E6E79B2FB}" type="datetimeFigureOut">
               <a:rPr lang="zh-CN" altLang="en-US" smtClean="0"/>
               <a:pPr/>
-              <a:t>2017/4/30</a:t>
+              <a:t>2017/5/4</a:t>
             </a:fld>
             <a:endParaRPr lang="zh-CN" altLang="en-US"/>
           </a:p>
@@ -2331,7 +2978,7 @@
     </p:spTree>
     <p:extLst>
       <p:ext uri="{BB962C8B-B14F-4D97-AF65-F5344CB8AC3E}">
-        <p14:creationId xmlns="" xmlns:p14="http://schemas.microsoft.com/office/powerpoint/2010/main" val="2169951886"/>
+        <p14:creationId xmlns:p14="http://schemas.microsoft.com/office/powerpoint/2010/main" val="2169951886"/>
       </p:ext>
     </p:extLst>
   </p:cSld>
@@ -2513,7 +3160,7 @@
             <a:fld id="{347AC4D8-88AE-49C2-97D3-274E6E79B2FB}" type="datetimeFigureOut">
               <a:rPr lang="zh-CN" altLang="en-US" smtClean="0"/>
               <a:pPr/>
-              <a:t>2017/4/30</a:t>
+              <a:t>2017/5/4</a:t>
             </a:fld>
             <a:endParaRPr lang="zh-CN" altLang="en-US"/>
           </a:p>
@@ -2565,7 +3212,7 @@
     </p:spTree>
     <p:extLst>
       <p:ext uri="{BB962C8B-B14F-4D97-AF65-F5344CB8AC3E}">
-        <p14:creationId xmlns="" xmlns:p14="http://schemas.microsoft.com/office/powerpoint/2010/main" val="3490386955"/>
+        <p14:creationId xmlns:p14="http://schemas.microsoft.com/office/powerpoint/2010/main" val="3490386955"/>
       </p:ext>
     </p:extLst>
   </p:cSld>
@@ -2882,7 +3529,7 @@
             <a:fld id="{347AC4D8-88AE-49C2-97D3-274E6E79B2FB}" type="datetimeFigureOut">
               <a:rPr lang="zh-CN" altLang="en-US" smtClean="0"/>
               <a:pPr/>
-              <a:t>2017/4/30</a:t>
+              <a:t>2017/5/4</a:t>
             </a:fld>
             <a:endParaRPr lang="zh-CN" altLang="en-US"/>
           </a:p>
@@ -2934,7 +3581,7 @@
     </p:spTree>
     <p:extLst>
       <p:ext uri="{BB962C8B-B14F-4D97-AF65-F5344CB8AC3E}">
-        <p14:creationId xmlns="" xmlns:p14="http://schemas.microsoft.com/office/powerpoint/2010/main" val="252731743"/>
+        <p14:creationId xmlns:p14="http://schemas.microsoft.com/office/powerpoint/2010/main" val="252731743"/>
       </p:ext>
     </p:extLst>
   </p:cSld>
@@ -3002,7 +3649,7 @@
             <a:fld id="{347AC4D8-88AE-49C2-97D3-274E6E79B2FB}" type="datetimeFigureOut">
               <a:rPr lang="zh-CN" altLang="en-US" smtClean="0"/>
               <a:pPr/>
-              <a:t>2017/4/30</a:t>
+              <a:t>2017/5/4</a:t>
             </a:fld>
             <a:endParaRPr lang="zh-CN" altLang="en-US"/>
           </a:p>
@@ -3054,7 +3701,7 @@
     </p:spTree>
     <p:extLst>
       <p:ext uri="{BB962C8B-B14F-4D97-AF65-F5344CB8AC3E}">
-        <p14:creationId xmlns="" xmlns:p14="http://schemas.microsoft.com/office/powerpoint/2010/main" val="3911575822"/>
+        <p14:creationId xmlns:p14="http://schemas.microsoft.com/office/powerpoint/2010/main" val="3911575822"/>
       </p:ext>
     </p:extLst>
   </p:cSld>
@@ -3099,7 +3746,7 @@
             <a:fld id="{347AC4D8-88AE-49C2-97D3-274E6E79B2FB}" type="datetimeFigureOut">
               <a:rPr lang="zh-CN" altLang="en-US" smtClean="0"/>
               <a:pPr/>
-              <a:t>2017/4/30</a:t>
+              <a:t>2017/5/4</a:t>
             </a:fld>
             <a:endParaRPr lang="zh-CN" altLang="en-US"/>
           </a:p>
@@ -3151,7 +3798,7 @@
     </p:spTree>
     <p:extLst>
       <p:ext uri="{BB962C8B-B14F-4D97-AF65-F5344CB8AC3E}">
-        <p14:creationId xmlns="" xmlns:p14="http://schemas.microsoft.com/office/powerpoint/2010/main" val="1533495862"/>
+        <p14:creationId xmlns:p14="http://schemas.microsoft.com/office/powerpoint/2010/main" val="1533495862"/>
       </p:ext>
     </p:extLst>
   </p:cSld>
@@ -3378,7 +4025,7 @@
             <a:fld id="{347AC4D8-88AE-49C2-97D3-274E6E79B2FB}" type="datetimeFigureOut">
               <a:rPr lang="zh-CN" altLang="en-US" smtClean="0"/>
               <a:pPr/>
-              <a:t>2017/4/30</a:t>
+              <a:t>2017/5/4</a:t>
             </a:fld>
             <a:endParaRPr lang="zh-CN" altLang="en-US"/>
           </a:p>
@@ -3430,7 +4077,7 @@
     </p:spTree>
     <p:extLst>
       <p:ext uri="{BB962C8B-B14F-4D97-AF65-F5344CB8AC3E}">
-        <p14:creationId xmlns="" xmlns:p14="http://schemas.microsoft.com/office/powerpoint/2010/main" val="1620997982"/>
+        <p14:creationId xmlns:p14="http://schemas.microsoft.com/office/powerpoint/2010/main" val="1620997982"/>
       </p:ext>
     </p:extLst>
   </p:cSld>
@@ -3633,7 +4280,7 @@
             <a:fld id="{347AC4D8-88AE-49C2-97D3-274E6E79B2FB}" type="datetimeFigureOut">
               <a:rPr lang="zh-CN" altLang="en-US" smtClean="0"/>
               <a:pPr/>
-              <a:t>2017/4/30</a:t>
+              <a:t>2017/5/4</a:t>
             </a:fld>
             <a:endParaRPr lang="zh-CN" altLang="en-US"/>
           </a:p>
@@ -3685,7 +4332,7 @@
     </p:spTree>
     <p:extLst>
       <p:ext uri="{BB962C8B-B14F-4D97-AF65-F5344CB8AC3E}">
-        <p14:creationId xmlns="" xmlns:p14="http://schemas.microsoft.com/office/powerpoint/2010/main" val="2634566572"/>
+        <p14:creationId xmlns:p14="http://schemas.microsoft.com/office/powerpoint/2010/main" val="2634566572"/>
       </p:ext>
     </p:extLst>
   </p:cSld>
@@ -3848,7 +4495,7 @@
             <a:fld id="{347AC4D8-88AE-49C2-97D3-274E6E79B2FB}" type="datetimeFigureOut">
               <a:rPr lang="zh-CN" altLang="en-US" smtClean="0"/>
               <a:pPr/>
-              <a:t>2017/4/30</a:t>
+              <a:t>2017/5/4</a:t>
             </a:fld>
             <a:endParaRPr lang="zh-CN" altLang="en-US"/>
           </a:p>
@@ -3936,7 +4583,7 @@
     </p:spTree>
     <p:extLst>
       <p:ext uri="{BB962C8B-B14F-4D97-AF65-F5344CB8AC3E}">
-        <p14:creationId xmlns="" xmlns:p14="http://schemas.microsoft.com/office/powerpoint/2010/main" val="2038165024"/>
+        <p14:creationId xmlns:p14="http://schemas.microsoft.com/office/powerpoint/2010/main" val="2038165024"/>
       </p:ext>
     </p:extLst>
   </p:cSld>
@@ -4339,7 +4986,7 @@
                 <a:ea typeface="微软雅黑" panose="020B0503020204020204" pitchFamily="34" charset="-122"/>
               </a:rPr>
               <a:pPr/>
-              <a:t>2017/4/30</a:t>
+              <a:t>2017/5/4</a:t>
             </a:fld>
             <a:endParaRPr lang="zh-CN" altLang="en-US" dirty="0">
               <a:latin typeface="微软雅黑" panose="020B0503020204020204" pitchFamily="34" charset="-122"/>
@@ -4351,7 +4998,7 @@
     </p:spTree>
     <p:extLst>
       <p:ext uri="{BB962C8B-B14F-4D97-AF65-F5344CB8AC3E}">
-        <p14:creationId xmlns="" xmlns:p14="http://schemas.microsoft.com/office/powerpoint/2010/main" val="83066235"/>
+        <p14:creationId xmlns:p14="http://schemas.microsoft.com/office/powerpoint/2010/main" val="83066235"/>
       </p:ext>
     </p:extLst>
   </p:cSld>
@@ -4380,6 +5027,621 @@
       </p:grpSpPr>
       <p:sp>
         <p:nvSpPr>
+          <p:cNvPr id="2" name="标题 1"/>
+          <p:cNvSpPr>
+            <a:spLocks noGrp="1"/>
+          </p:cNvSpPr>
+          <p:nvPr>
+            <p:ph type="title"/>
+          </p:nvPr>
+        </p:nvSpPr>
+        <p:spPr/>
+        <p:txBody>
+          <a:bodyPr/>
+          <a:lstStyle/>
+          <a:p>
+            <a:pPr marL="742950" indent="-742950">
+              <a:buFont typeface="+mj-lt"/>
+              <a:buAutoNum type="arabicPeriod" startAt="4"/>
+            </a:pPr>
+            <a:r>
+              <a:rPr lang="en-US" altLang="zh-CN" dirty="0" smtClean="0">
+                <a:latin typeface="微软雅黑" pitchFamily="34" charset="-122"/>
+                <a:ea typeface="微软雅黑" pitchFamily="34" charset="-122"/>
+              </a:rPr>
+              <a:t>Python</a:t>
+            </a:r>
+            <a:r>
+              <a:rPr lang="zh-CN" altLang="en-US" dirty="0" smtClean="0">
+                <a:latin typeface="微软雅黑" pitchFamily="34" charset="-122"/>
+                <a:ea typeface="微软雅黑" pitchFamily="34" charset="-122"/>
+              </a:rPr>
+              <a:t>模块</a:t>
+            </a:r>
+            <a:r>
+              <a:rPr lang="en-US" altLang="zh-CN" dirty="0" err="1" smtClean="0">
+                <a:latin typeface="微软雅黑" pitchFamily="34" charset="-122"/>
+                <a:ea typeface="微软雅黑" pitchFamily="34" charset="-122"/>
+              </a:rPr>
+              <a:t>cProfile</a:t>
+            </a:r>
+            <a:endParaRPr lang="en-US" altLang="zh-CN" dirty="0" smtClean="0">
+              <a:latin typeface="微软雅黑" pitchFamily="34" charset="-122"/>
+              <a:ea typeface="微软雅黑" pitchFamily="34" charset="-122"/>
+            </a:endParaRPr>
+          </a:p>
+        </p:txBody>
+      </p:sp>
+      <p:pic>
+        <p:nvPicPr>
+          <p:cNvPr id="2050" name="Picture 2" descr="F:\Codes\python性能优化\pics\cProfile.png"/>
+          <p:cNvPicPr>
+            <a:picLocks noChangeAspect="1" noChangeArrowheads="1"/>
+          </p:cNvPicPr>
+          <p:nvPr/>
+        </p:nvPicPr>
+        <p:blipFill>
+          <a:blip r:embed="rId3"/>
+          <a:srcRect/>
+          <a:stretch>
+            <a:fillRect/>
+          </a:stretch>
+        </p:blipFill>
+        <p:spPr bwMode="auto">
+          <a:xfrm>
+            <a:off x="719137" y="1662112"/>
+            <a:ext cx="10982518" cy="4761548"/>
+          </a:xfrm>
+          <a:prstGeom prst="rect">
+            <a:avLst/>
+          </a:prstGeom>
+          <a:noFill/>
+        </p:spPr>
+      </p:pic>
+    </p:spTree>
+    <p:extLst>
+      <p:ext uri="{BB962C8B-B14F-4D97-AF65-F5344CB8AC3E}">
+        <p14:creationId xmlns:p14="http://schemas.microsoft.com/office/powerpoint/2010/main" val="2177919496"/>
+      </p:ext>
+    </p:extLst>
+  </p:cSld>
+  <p:clrMapOvr>
+    <a:masterClrMapping/>
+  </p:clrMapOvr>
+  <p:timing>
+    <p:tnLst>
+      <p:par>
+        <p:cTn id="1" dur="indefinite" restart="never" nodeType="tmRoot"/>
+      </p:par>
+    </p:tnLst>
+  </p:timing>
+</p:sld>
+</file>
+
+<file path=ppt/slides/slide11.xml><?xml version="1.0" encoding="utf-8"?>
+<p:sld xmlns:a="http://schemas.openxmlformats.org/drawingml/2006/main" xmlns:r="http://schemas.openxmlformats.org/officeDocument/2006/relationships" xmlns:p="http://schemas.openxmlformats.org/presentationml/2006/main">
+  <p:cSld>
+    <p:spTree>
+      <p:nvGrpSpPr>
+        <p:cNvPr id="1" name=""/>
+        <p:cNvGrpSpPr/>
+        <p:nvPr/>
+      </p:nvGrpSpPr>
+      <p:grpSpPr>
+        <a:xfrm>
+          <a:off x="0" y="0"/>
+          <a:ext cx="0" cy="0"/>
+          <a:chOff x="0" y="0"/>
+          <a:chExt cx="0" cy="0"/>
+        </a:xfrm>
+      </p:grpSpPr>
+      <p:sp>
+        <p:nvSpPr>
+          <p:cNvPr id="2" name="标题 1"/>
+          <p:cNvSpPr>
+            <a:spLocks noGrp="1"/>
+          </p:cNvSpPr>
+          <p:nvPr>
+            <p:ph type="title"/>
+          </p:nvPr>
+        </p:nvSpPr>
+        <p:spPr/>
+        <p:txBody>
+          <a:bodyPr/>
+          <a:lstStyle/>
+          <a:p>
+            <a:pPr marL="742950" indent="-742950">
+              <a:buFont typeface="+mj-lt"/>
+              <a:buAutoNum type="arabicPeriod" startAt="5"/>
+            </a:pPr>
+            <a:r>
+              <a:rPr lang="en-US" altLang="zh-CN" dirty="0" smtClean="0">
+                <a:latin typeface="微软雅黑" pitchFamily="34" charset="-122"/>
+                <a:ea typeface="微软雅黑" pitchFamily="34" charset="-122"/>
+              </a:rPr>
+              <a:t>Python</a:t>
+            </a:r>
+            <a:r>
+              <a:rPr lang="zh-CN" altLang="en-US" dirty="0" smtClean="0">
+                <a:latin typeface="微软雅黑" pitchFamily="34" charset="-122"/>
+                <a:ea typeface="微软雅黑" pitchFamily="34" charset="-122"/>
+              </a:rPr>
+              <a:t>第三方模块</a:t>
+            </a:r>
+            <a:r>
+              <a:rPr lang="en-US" altLang="zh-CN" dirty="0" err="1" smtClean="0">
+                <a:latin typeface="微软雅黑" pitchFamily="34" charset="-122"/>
+                <a:ea typeface="微软雅黑" pitchFamily="34" charset="-122"/>
+              </a:rPr>
+              <a:t>line_profiler</a:t>
+            </a:r>
+            <a:endParaRPr lang="en-US" altLang="zh-CN" dirty="0" smtClean="0">
+              <a:latin typeface="微软雅黑" pitchFamily="34" charset="-122"/>
+              <a:ea typeface="微软雅黑" pitchFamily="34" charset="-122"/>
+            </a:endParaRPr>
+          </a:p>
+        </p:txBody>
+      </p:sp>
+      <p:sp>
+        <p:nvSpPr>
+          <p:cNvPr id="11" name="内容占位符 6"/>
+          <p:cNvSpPr>
+            <a:spLocks noGrp="1"/>
+          </p:cNvSpPr>
+          <p:nvPr>
+            <p:ph idx="1"/>
+          </p:nvPr>
+        </p:nvSpPr>
+        <p:spPr>
+          <a:xfrm>
+            <a:off x="838200" y="1825625"/>
+            <a:ext cx="10515600" cy="4351338"/>
+          </a:xfrm>
+        </p:spPr>
+        <p:txBody>
+          <a:bodyPr>
+            <a:normAutofit/>
+          </a:bodyPr>
+          <a:lstStyle/>
+          <a:p>
+            <a:pPr marL="514350" indent="-514350">
+              <a:lnSpc>
+                <a:spcPct val="150000"/>
+              </a:lnSpc>
+              <a:buNone/>
+            </a:pPr>
+            <a:r>
+              <a:rPr lang="zh-CN" altLang="en-US" sz="3200" dirty="0" smtClean="0">
+                <a:latin typeface="微软雅黑" pitchFamily="34" charset="-122"/>
+                <a:ea typeface="微软雅黑" pitchFamily="34" charset="-122"/>
+              </a:rPr>
+              <a:t>使用</a:t>
+            </a:r>
+            <a:r>
+              <a:rPr lang="en-US" altLang="zh-CN" sz="3200" dirty="0" smtClean="0">
+                <a:latin typeface="微软雅黑" pitchFamily="34" charset="-122"/>
+                <a:ea typeface="微软雅黑" pitchFamily="34" charset="-122"/>
+              </a:rPr>
+              <a:t>pip</a:t>
+            </a:r>
+            <a:r>
+              <a:rPr lang="zh-CN" altLang="en-US" sz="3200" dirty="0" smtClean="0">
+                <a:latin typeface="微软雅黑" pitchFamily="34" charset="-122"/>
+                <a:ea typeface="微软雅黑" pitchFamily="34" charset="-122"/>
+              </a:rPr>
+              <a:t>安装，</a:t>
+            </a:r>
+            <a:r>
+              <a:rPr lang="en-US" altLang="zh-CN" sz="3200" dirty="0" err="1" smtClean="0">
+                <a:latin typeface="微软雅黑" pitchFamily="34" charset="-122"/>
+                <a:ea typeface="微软雅黑" pitchFamily="34" charset="-122"/>
+              </a:rPr>
+              <a:t>linux</a:t>
+            </a:r>
+            <a:r>
+              <a:rPr lang="zh-CN" altLang="en-US" sz="3200" dirty="0" smtClean="0">
+                <a:latin typeface="微软雅黑" pitchFamily="34" charset="-122"/>
+                <a:ea typeface="微软雅黑" pitchFamily="34" charset="-122"/>
+              </a:rPr>
+              <a:t>直接</a:t>
+            </a:r>
+            <a:r>
+              <a:rPr lang="en-US" altLang="zh-CN" sz="3200" dirty="0" smtClean="0">
+                <a:latin typeface="微软雅黑" pitchFamily="34" charset="-122"/>
+                <a:ea typeface="微软雅黑" pitchFamily="34" charset="-122"/>
+              </a:rPr>
+              <a:t>pip  install  </a:t>
+            </a:r>
+            <a:r>
+              <a:rPr lang="en-US" altLang="zh-CN" sz="3200" dirty="0" err="1" smtClean="0">
+                <a:latin typeface="微软雅黑" pitchFamily="34" charset="-122"/>
+                <a:ea typeface="微软雅黑" pitchFamily="34" charset="-122"/>
+              </a:rPr>
+              <a:t>line_profiler</a:t>
+            </a:r>
+            <a:endParaRPr lang="en-US" altLang="zh-CN" sz="3200" dirty="0" smtClean="0">
+              <a:latin typeface="微软雅黑" pitchFamily="34" charset="-122"/>
+              <a:ea typeface="微软雅黑" pitchFamily="34" charset="-122"/>
+            </a:endParaRPr>
+          </a:p>
+          <a:p>
+            <a:pPr marL="514350" indent="-514350">
+              <a:lnSpc>
+                <a:spcPct val="150000"/>
+              </a:lnSpc>
+              <a:buNone/>
+            </a:pPr>
+            <a:r>
+              <a:rPr lang="en-US" altLang="zh-CN" sz="3200" dirty="0" smtClean="0">
+                <a:latin typeface="微软雅黑" pitchFamily="34" charset="-122"/>
+                <a:ea typeface="微软雅黑" pitchFamily="34" charset="-122"/>
+              </a:rPr>
+              <a:t>Windows</a:t>
+            </a:r>
+            <a:r>
+              <a:rPr lang="zh-CN" altLang="en-US" sz="3200" dirty="0" smtClean="0">
+                <a:latin typeface="微软雅黑" pitchFamily="34" charset="-122"/>
+                <a:ea typeface="微软雅黑" pitchFamily="34" charset="-122"/>
+              </a:rPr>
+              <a:t>下依赖</a:t>
+            </a:r>
+            <a:r>
+              <a:rPr lang="en-US" altLang="zh-CN" sz="3200" dirty="0" smtClean="0">
+                <a:latin typeface="微软雅黑" pitchFamily="34" charset="-122"/>
+                <a:ea typeface="微软雅黑" pitchFamily="34" charset="-122"/>
+              </a:rPr>
+              <a:t>VS</a:t>
+            </a:r>
+            <a:r>
+              <a:rPr lang="zh-CN" altLang="en-US" sz="3200" dirty="0" smtClean="0">
+                <a:latin typeface="微软雅黑" pitchFamily="34" charset="-122"/>
+                <a:ea typeface="微软雅黑" pitchFamily="34" charset="-122"/>
+              </a:rPr>
+              <a:t>编译，可能需要调整环境变量</a:t>
+            </a:r>
+            <a:endParaRPr lang="en-US" altLang="zh-CN" sz="3200" dirty="0" smtClean="0">
+              <a:latin typeface="微软雅黑" pitchFamily="34" charset="-122"/>
+              <a:ea typeface="微软雅黑" pitchFamily="34" charset="-122"/>
+            </a:endParaRPr>
+          </a:p>
+          <a:p>
+            <a:pPr marL="514350" indent="-514350">
+              <a:lnSpc>
+                <a:spcPct val="150000"/>
+              </a:lnSpc>
+              <a:buNone/>
+            </a:pPr>
+            <a:r>
+              <a:rPr lang="en-US" altLang="zh-CN" sz="3200" dirty="0" smtClean="0">
+                <a:latin typeface="微软雅黑" pitchFamily="34" charset="-122"/>
+                <a:ea typeface="微软雅黑" pitchFamily="34" charset="-122"/>
+              </a:rPr>
+              <a:t>VS90COMNTOOLS</a:t>
+            </a:r>
+          </a:p>
+          <a:p>
+            <a:pPr marL="514350" indent="-514350">
+              <a:lnSpc>
+                <a:spcPct val="150000"/>
+              </a:lnSpc>
+              <a:buNone/>
+            </a:pPr>
+            <a:r>
+              <a:rPr lang="en-US" altLang="zh-CN" sz="3200" dirty="0" smtClean="0">
+                <a:latin typeface="微软雅黑" pitchFamily="34" charset="-122"/>
+                <a:ea typeface="微软雅黑" pitchFamily="34" charset="-122"/>
+              </a:rPr>
+              <a:t>C:\Program Files (x86)\Microsoft Visual Studio 11.0\Common7\Tools </a:t>
+            </a:r>
+            <a:endParaRPr lang="zh-CN" altLang="en-US" sz="3200" dirty="0">
+              <a:latin typeface="微软雅黑" pitchFamily="34" charset="-122"/>
+              <a:ea typeface="微软雅黑" pitchFamily="34" charset="-122"/>
+            </a:endParaRPr>
+          </a:p>
+        </p:txBody>
+      </p:sp>
+    </p:spTree>
+    <p:extLst>
+      <p:ext uri="{BB962C8B-B14F-4D97-AF65-F5344CB8AC3E}">
+        <p14:creationId xmlns:p14="http://schemas.microsoft.com/office/powerpoint/2010/main" val="2177919496"/>
+      </p:ext>
+    </p:extLst>
+  </p:cSld>
+  <p:clrMapOvr>
+    <a:masterClrMapping/>
+  </p:clrMapOvr>
+  <p:timing>
+    <p:tnLst>
+      <p:par>
+        <p:cTn id="1" dur="indefinite" restart="never" nodeType="tmRoot"/>
+      </p:par>
+    </p:tnLst>
+  </p:timing>
+</p:sld>
+</file>
+
+<file path=ppt/slides/slide12.xml><?xml version="1.0" encoding="utf-8"?>
+<p:sld xmlns:a="http://schemas.openxmlformats.org/drawingml/2006/main" xmlns:r="http://schemas.openxmlformats.org/officeDocument/2006/relationships" xmlns:p="http://schemas.openxmlformats.org/presentationml/2006/main">
+  <p:cSld>
+    <p:spTree>
+      <p:nvGrpSpPr>
+        <p:cNvPr id="1" name=""/>
+        <p:cNvGrpSpPr/>
+        <p:nvPr/>
+      </p:nvGrpSpPr>
+      <p:grpSpPr>
+        <a:xfrm>
+          <a:off x="0" y="0"/>
+          <a:ext cx="0" cy="0"/>
+          <a:chOff x="0" y="0"/>
+          <a:chExt cx="0" cy="0"/>
+        </a:xfrm>
+      </p:grpSpPr>
+      <p:sp>
+        <p:nvSpPr>
+          <p:cNvPr id="2" name="标题 1"/>
+          <p:cNvSpPr>
+            <a:spLocks noGrp="1"/>
+          </p:cNvSpPr>
+          <p:nvPr>
+            <p:ph type="title"/>
+          </p:nvPr>
+        </p:nvSpPr>
+        <p:spPr/>
+        <p:txBody>
+          <a:bodyPr/>
+          <a:lstStyle/>
+          <a:p>
+            <a:pPr marL="742950" indent="-742950">
+              <a:buFont typeface="+mj-lt"/>
+              <a:buAutoNum type="arabicPeriod" startAt="5"/>
+            </a:pPr>
+            <a:r>
+              <a:rPr lang="en-US" altLang="zh-CN" dirty="0" smtClean="0">
+                <a:latin typeface="微软雅黑" pitchFamily="34" charset="-122"/>
+                <a:ea typeface="微软雅黑" pitchFamily="34" charset="-122"/>
+              </a:rPr>
+              <a:t>Python</a:t>
+            </a:r>
+            <a:r>
+              <a:rPr lang="zh-CN" altLang="en-US" dirty="0" smtClean="0">
+                <a:latin typeface="微软雅黑" pitchFamily="34" charset="-122"/>
+                <a:ea typeface="微软雅黑" pitchFamily="34" charset="-122"/>
+              </a:rPr>
+              <a:t>第三方模块</a:t>
+            </a:r>
+            <a:r>
+              <a:rPr lang="en-US" altLang="zh-CN" dirty="0" err="1" smtClean="0">
+                <a:latin typeface="微软雅黑" pitchFamily="34" charset="-122"/>
+                <a:ea typeface="微软雅黑" pitchFamily="34" charset="-122"/>
+              </a:rPr>
+              <a:t>line_profiler</a:t>
+            </a:r>
+            <a:endParaRPr lang="en-US" altLang="zh-CN" dirty="0" smtClean="0">
+              <a:latin typeface="微软雅黑" pitchFamily="34" charset="-122"/>
+              <a:ea typeface="微软雅黑" pitchFamily="34" charset="-122"/>
+            </a:endParaRPr>
+          </a:p>
+        </p:txBody>
+      </p:sp>
+      <p:sp>
+        <p:nvSpPr>
+          <p:cNvPr id="11" name="内容占位符 6"/>
+          <p:cNvSpPr>
+            <a:spLocks noGrp="1"/>
+          </p:cNvSpPr>
+          <p:nvPr>
+            <p:ph idx="1"/>
+          </p:nvPr>
+        </p:nvSpPr>
+        <p:spPr>
+          <a:xfrm>
+            <a:off x="838200" y="1825625"/>
+            <a:ext cx="10515600" cy="4351338"/>
+          </a:xfrm>
+        </p:spPr>
+        <p:txBody>
+          <a:bodyPr>
+            <a:normAutofit/>
+          </a:bodyPr>
+          <a:lstStyle/>
+          <a:p>
+            <a:pPr marL="514350" indent="-514350">
+              <a:lnSpc>
+                <a:spcPct val="150000"/>
+              </a:lnSpc>
+              <a:buNone/>
+            </a:pPr>
+            <a:r>
+              <a:rPr lang="en-US" altLang="zh-CN" sz="3200" dirty="0" smtClean="0">
+                <a:latin typeface="微软雅黑" pitchFamily="34" charset="-122"/>
+                <a:ea typeface="微软雅黑" pitchFamily="34" charset="-122"/>
+              </a:rPr>
+              <a:t>1.	</a:t>
+            </a:r>
+            <a:r>
+              <a:rPr lang="zh-CN" altLang="en-US" sz="3200" dirty="0" smtClean="0">
+                <a:latin typeface="微软雅黑" pitchFamily="34" charset="-122"/>
+                <a:ea typeface="微软雅黑" pitchFamily="34" charset="-122"/>
+              </a:rPr>
+              <a:t>修改源代码</a:t>
+            </a:r>
+            <a:r>
+              <a:rPr lang="en-US" altLang="zh-CN" sz="3200" dirty="0" smtClean="0">
+                <a:latin typeface="微软雅黑" pitchFamily="34" charset="-122"/>
+                <a:ea typeface="微软雅黑" pitchFamily="34" charset="-122"/>
+              </a:rPr>
+              <a:t>, </a:t>
+            </a:r>
+            <a:r>
+              <a:rPr lang="zh-CN" altLang="en-US" sz="3200" dirty="0" smtClean="0">
+                <a:latin typeface="微软雅黑" pitchFamily="34" charset="-122"/>
+                <a:ea typeface="微软雅黑" pitchFamily="34" charset="-122"/>
+              </a:rPr>
+              <a:t>待测试函数上增加</a:t>
+            </a:r>
+            <a:r>
+              <a:rPr lang="en-US" altLang="zh-CN" sz="3200" dirty="0" smtClean="0">
+                <a:latin typeface="微软雅黑" pitchFamily="34" charset="-122"/>
+                <a:ea typeface="微软雅黑" pitchFamily="34" charset="-122"/>
+              </a:rPr>
+              <a:t>@profile</a:t>
+            </a:r>
+          </a:p>
+          <a:p>
+            <a:pPr marL="514350" indent="-514350">
+              <a:lnSpc>
+                <a:spcPct val="150000"/>
+              </a:lnSpc>
+              <a:buNone/>
+            </a:pPr>
+            <a:endParaRPr lang="en-US" altLang="zh-CN" sz="3200" dirty="0" smtClean="0">
+              <a:latin typeface="微软雅黑" pitchFamily="34" charset="-122"/>
+              <a:ea typeface="微软雅黑" pitchFamily="34" charset="-122"/>
+            </a:endParaRPr>
+          </a:p>
+          <a:p>
+            <a:pPr marL="514350" indent="-514350">
+              <a:lnSpc>
+                <a:spcPct val="150000"/>
+              </a:lnSpc>
+              <a:buAutoNum type="arabicPeriod" startAt="2"/>
+            </a:pPr>
+            <a:r>
+              <a:rPr lang="zh-CN" altLang="en-US" sz="3200" dirty="0" smtClean="0">
+                <a:latin typeface="微软雅黑" pitchFamily="34" charset="-122"/>
+                <a:ea typeface="微软雅黑" pitchFamily="34" charset="-122"/>
+              </a:rPr>
+              <a:t>命令行调用   </a:t>
+            </a:r>
+            <a:r>
+              <a:rPr lang="en-US" altLang="zh-CN" sz="3200" dirty="0" smtClean="0">
+                <a:latin typeface="微软雅黑" pitchFamily="34" charset="-122"/>
+                <a:ea typeface="微软雅黑" pitchFamily="34" charset="-122"/>
+              </a:rPr>
+              <a:t>python   kernprof.py   -l  -v   xxx.py</a:t>
+            </a:r>
+          </a:p>
+          <a:p>
+            <a:pPr marL="971550" lvl="1" indent="-514350">
+              <a:lnSpc>
+                <a:spcPct val="150000"/>
+              </a:lnSpc>
+              <a:buFont typeface="Wingdings" pitchFamily="2" charset="2"/>
+              <a:buChar char="l"/>
+            </a:pPr>
+            <a:r>
+              <a:rPr lang="en-US" sz="2800" dirty="0" smtClean="0"/>
+              <a:t>-l</a:t>
+            </a:r>
+            <a:r>
+              <a:rPr lang="zh-CN" altLang="en-US" sz="2800" dirty="0" smtClean="0"/>
+              <a:t>选项通知</a:t>
+            </a:r>
+            <a:r>
+              <a:rPr lang="en-US" sz="2800" dirty="0" err="1" smtClean="0"/>
+              <a:t>kernprof</a:t>
+            </a:r>
+            <a:r>
+              <a:rPr lang="zh-CN" altLang="en-US" sz="2800" dirty="0" smtClean="0"/>
+              <a:t>注入</a:t>
+            </a:r>
+            <a:r>
+              <a:rPr lang="en-US" altLang="zh-CN" sz="2800" dirty="0" smtClean="0"/>
+              <a:t>@</a:t>
+            </a:r>
+            <a:r>
+              <a:rPr lang="en-US" sz="2800" dirty="0" smtClean="0"/>
+              <a:t>profile</a:t>
+            </a:r>
+            <a:r>
+              <a:rPr lang="zh-CN" altLang="en-US" sz="2800" dirty="0" smtClean="0"/>
+              <a:t>装饰器</a:t>
+            </a:r>
+            <a:endParaRPr lang="en-US" altLang="zh-CN" sz="2800" dirty="0" smtClean="0"/>
+          </a:p>
+          <a:p>
+            <a:pPr marL="971550" lvl="1" indent="-514350">
+              <a:lnSpc>
+                <a:spcPct val="150000"/>
+              </a:lnSpc>
+              <a:buFont typeface="Wingdings" pitchFamily="2" charset="2"/>
+              <a:buChar char="l"/>
+            </a:pPr>
+            <a:r>
+              <a:rPr lang="en-US" altLang="zh-CN" sz="2800" dirty="0" smtClean="0"/>
+              <a:t>-v</a:t>
+            </a:r>
+            <a:r>
+              <a:rPr lang="zh-CN" altLang="en-US" sz="2800" dirty="0" smtClean="0"/>
+              <a:t>选项通知</a:t>
+            </a:r>
+            <a:r>
+              <a:rPr lang="en-US" altLang="zh-CN" sz="2800" dirty="0" err="1" smtClean="0"/>
+              <a:t>kernprof</a:t>
+            </a:r>
+            <a:r>
+              <a:rPr lang="zh-CN" altLang="en-US" sz="2800" dirty="0" smtClean="0"/>
+              <a:t>在脚本执行完毕的时候显示计时信息</a:t>
+            </a:r>
+            <a:endParaRPr lang="zh-CN" altLang="en-US" sz="2800" dirty="0" smtClean="0">
+              <a:latin typeface="微软雅黑" pitchFamily="34" charset="-122"/>
+              <a:ea typeface="微软雅黑" pitchFamily="34" charset="-122"/>
+            </a:endParaRPr>
+          </a:p>
+          <a:p>
+            <a:pPr marL="514350" indent="-514350">
+              <a:lnSpc>
+                <a:spcPct val="150000"/>
+              </a:lnSpc>
+              <a:buNone/>
+            </a:pPr>
+            <a:endParaRPr lang="en-US" altLang="zh-CN" sz="3200" dirty="0" smtClean="0">
+              <a:latin typeface="微软雅黑" pitchFamily="34" charset="-122"/>
+              <a:ea typeface="微软雅黑" pitchFamily="34" charset="-122"/>
+            </a:endParaRPr>
+          </a:p>
+        </p:txBody>
+      </p:sp>
+    </p:spTree>
+    <p:extLst>
+      <p:ext uri="{BB962C8B-B14F-4D97-AF65-F5344CB8AC3E}">
+        <p14:creationId xmlns:p14="http://schemas.microsoft.com/office/powerpoint/2010/main" val="2177919496"/>
+      </p:ext>
+    </p:extLst>
+  </p:cSld>
+  <p:clrMapOvr>
+    <a:masterClrMapping/>
+  </p:clrMapOvr>
+  <p:timing>
+    <p:tnLst>
+      <p:par>
+        <p:cTn id="1" dur="indefinite" restart="never" nodeType="tmRoot"/>
+      </p:par>
+    </p:tnLst>
+  </p:timing>
+</p:sld>
+</file>
+
+<file path=ppt/slides/slide13.xml><?xml version="1.0" encoding="utf-8"?>
+<p:sld xmlns:a="http://schemas.openxmlformats.org/drawingml/2006/main" xmlns:r="http://schemas.openxmlformats.org/officeDocument/2006/relationships" xmlns:p="http://schemas.openxmlformats.org/presentationml/2006/main">
+  <p:cSld>
+    <p:spTree>
+      <p:nvGrpSpPr>
+        <p:cNvPr id="1" name=""/>
+        <p:cNvGrpSpPr/>
+        <p:nvPr/>
+      </p:nvGrpSpPr>
+      <p:grpSpPr>
+        <a:xfrm>
+          <a:off x="0" y="0"/>
+          <a:ext cx="0" cy="0"/>
+          <a:chOff x="0" y="0"/>
+          <a:chExt cx="0" cy="0"/>
+        </a:xfrm>
+      </p:grpSpPr>
+      <p:sp>
+        <p:nvSpPr>
           <p:cNvPr id="7" name="内容占位符 6"/>
           <p:cNvSpPr>
             <a:spLocks noGrp="1"/>
@@ -4400,11 +5662,18 @@
               <a:buAutoNum type="arabicPeriod"/>
             </a:pPr>
             <a:r>
+              <a:rPr lang="zh-CN" altLang="en-US" dirty="0" smtClean="0">
+                <a:latin typeface="微软雅黑" pitchFamily="34" charset="-122"/>
+                <a:ea typeface="微软雅黑" pitchFamily="34" charset="-122"/>
+              </a:rPr>
+              <a:t>内存占用</a:t>
+            </a:r>
+            <a:r>
               <a:rPr lang="en-US" altLang="zh-CN" dirty="0" err="1" smtClean="0">
                 <a:latin typeface="微软雅黑" pitchFamily="34" charset="-122"/>
                 <a:ea typeface="微软雅黑" pitchFamily="34" charset="-122"/>
               </a:rPr>
-              <a:t>Runsnakerun</a:t>
+              <a:t>memory_profiler</a:t>
             </a:r>
             <a:endParaRPr lang="en-US" altLang="zh-CN" dirty="0" smtClean="0">
               <a:latin typeface="微软雅黑" pitchFamily="34" charset="-122"/>
@@ -4417,13 +5686,20 @@
               <a:buAutoNum type="arabicPeriod"/>
             </a:pPr>
             <a:r>
+              <a:rPr lang="zh-CN" altLang="en-US" dirty="0" smtClean="0">
+                <a:latin typeface="微软雅黑" pitchFamily="34" charset="-122"/>
+                <a:ea typeface="微软雅黑" pitchFamily="34" charset="-122"/>
+              </a:rPr>
+              <a:t>内存泄露</a:t>
+            </a:r>
+            <a:r>
               <a:rPr lang="en-US" altLang="zh-CN" dirty="0" err="1" smtClean="0">
                 <a:latin typeface="微软雅黑" pitchFamily="34" charset="-122"/>
                 <a:ea typeface="微软雅黑" pitchFamily="34" charset="-122"/>
               </a:rPr>
-              <a:t>pycallgraph</a:t>
-            </a:r>
-            <a:endParaRPr lang="zh-CN" altLang="en-US" dirty="0">
+              <a:t>objgraph</a:t>
+            </a:r>
+            <a:endParaRPr lang="en-US" altLang="zh-CN" dirty="0" smtClean="0">
               <a:latin typeface="微软雅黑" pitchFamily="34" charset="-122"/>
               <a:ea typeface="微软雅黑" pitchFamily="34" charset="-122"/>
             </a:endParaRPr>
@@ -4452,11 +5728,11 @@
           <a:p>
             <a:pPr marL="857250" indent="-857250">
               <a:buFont typeface="+mj-ea"/>
-              <a:buAutoNum type="ea1JpnChsDbPeriod" startAt="3"/>
+              <a:buAutoNum type="ea1JpnChsDbPeriod" startAt="2"/>
             </a:pPr>
             <a:r>
               <a:rPr lang="zh-CN" altLang="en-US" dirty="0" smtClean="0"/>
-              <a:t>可视化工具</a:t>
+              <a:t>内存占用</a:t>
             </a:r>
             <a:endParaRPr lang="zh-CN" altLang="en-US" dirty="0"/>
           </a:p>
@@ -4465,7 +5741,503 @@
     </p:spTree>
     <p:extLst>
       <p:ext uri="{BB962C8B-B14F-4D97-AF65-F5344CB8AC3E}">
-        <p14:creationId xmlns="" xmlns:p14="http://schemas.microsoft.com/office/powerpoint/2010/main" val="3670801828"/>
+        <p14:creationId xmlns:p14="http://schemas.microsoft.com/office/powerpoint/2010/main" val="3670801828"/>
+      </p:ext>
+    </p:extLst>
+  </p:cSld>
+  <p:clrMapOvr>
+    <a:masterClrMapping/>
+  </p:clrMapOvr>
+  <p:timing>
+    <p:tnLst>
+      <p:par>
+        <p:cTn id="1" dur="indefinite" restart="never" nodeType="tmRoot"/>
+      </p:par>
+    </p:tnLst>
+  </p:timing>
+</p:sld>
+</file>
+
+<file path=ppt/slides/slide14.xml><?xml version="1.0" encoding="utf-8"?>
+<p:sld xmlns:a="http://schemas.openxmlformats.org/drawingml/2006/main" xmlns:r="http://schemas.openxmlformats.org/officeDocument/2006/relationships" xmlns:p="http://schemas.openxmlformats.org/presentationml/2006/main">
+  <p:cSld>
+    <p:spTree>
+      <p:nvGrpSpPr>
+        <p:cNvPr id="1" name=""/>
+        <p:cNvGrpSpPr/>
+        <p:nvPr/>
+      </p:nvGrpSpPr>
+      <p:grpSpPr>
+        <a:xfrm>
+          <a:off x="0" y="0"/>
+          <a:ext cx="0" cy="0"/>
+          <a:chOff x="0" y="0"/>
+          <a:chExt cx="0" cy="0"/>
+        </a:xfrm>
+      </p:grpSpPr>
+      <p:sp>
+        <p:nvSpPr>
+          <p:cNvPr id="2" name="标题 1"/>
+          <p:cNvSpPr>
+            <a:spLocks noGrp="1"/>
+          </p:cNvSpPr>
+          <p:nvPr>
+            <p:ph type="title"/>
+          </p:nvPr>
+        </p:nvSpPr>
+        <p:spPr/>
+        <p:txBody>
+          <a:bodyPr/>
+          <a:lstStyle/>
+          <a:p>
+            <a:pPr marL="742950" indent="-742950">
+              <a:buFont typeface="+mj-lt"/>
+              <a:buAutoNum type="arabicPeriod"/>
+            </a:pPr>
+            <a:r>
+              <a:rPr lang="zh-CN" altLang="en-US" b="1" dirty="0" smtClean="0">
+                <a:latin typeface="微软雅黑" panose="020B0503020204020204" pitchFamily="34" charset="-122"/>
+                <a:ea typeface="微软雅黑" panose="020B0503020204020204" pitchFamily="34" charset="-122"/>
+              </a:rPr>
+              <a:t>内存</a:t>
+            </a:r>
+            <a:r>
+              <a:rPr lang="zh-CN" altLang="en-US" b="1" dirty="0">
+                <a:latin typeface="微软雅黑" panose="020B0503020204020204" pitchFamily="34" charset="-122"/>
+                <a:ea typeface="微软雅黑" panose="020B0503020204020204" pitchFamily="34" charset="-122"/>
+              </a:rPr>
+              <a:t>占用</a:t>
+            </a:r>
+            <a:r>
+              <a:rPr lang="en-US" altLang="zh-CN" b="1" dirty="0" err="1" smtClean="0">
+                <a:latin typeface="微软雅黑" panose="020B0503020204020204" pitchFamily="34" charset="-122"/>
+                <a:ea typeface="微软雅黑" panose="020B0503020204020204" pitchFamily="34" charset="-122"/>
+              </a:rPr>
+              <a:t>memory_profiler</a:t>
+            </a:r>
+            <a:endParaRPr lang="zh-CN" altLang="en-US" dirty="0">
+              <a:latin typeface="微软雅黑" panose="020B0503020204020204" pitchFamily="34" charset="-122"/>
+              <a:ea typeface="微软雅黑" panose="020B0503020204020204" pitchFamily="34" charset="-122"/>
+            </a:endParaRPr>
+          </a:p>
+        </p:txBody>
+      </p:sp>
+      <p:sp>
+        <p:nvSpPr>
+          <p:cNvPr id="4" name="矩形 3"/>
+          <p:cNvSpPr/>
+          <p:nvPr/>
+        </p:nvSpPr>
+        <p:spPr>
+          <a:xfrm>
+            <a:off x="1038578" y="1875347"/>
+            <a:ext cx="8737600" cy="830997"/>
+          </a:xfrm>
+          <a:prstGeom prst="rect">
+            <a:avLst/>
+          </a:prstGeom>
+        </p:spPr>
+        <p:txBody>
+          <a:bodyPr wrap="square">
+            <a:spAutoFit/>
+          </a:bodyPr>
+          <a:lstStyle/>
+          <a:p>
+            <a:r>
+              <a:rPr lang="zh-CN" altLang="en-US" sz="2400" dirty="0">
+                <a:solidFill>
+                  <a:srgbClr val="333333"/>
+                </a:solidFill>
+                <a:latin typeface="微软雅黑" panose="020B0503020204020204" pitchFamily="34" charset="-122"/>
+                <a:ea typeface="微软雅黑" panose="020B0503020204020204" pitchFamily="34" charset="-122"/>
+              </a:rPr>
+              <a:t>现在机器学习和深度学习很火热，很多学习任务比较吃内存，</a:t>
+            </a:r>
+            <a:r>
+              <a:rPr lang="en-US" altLang="zh-CN" sz="2400" dirty="0" err="1">
+                <a:solidFill>
+                  <a:srgbClr val="333333"/>
+                </a:solidFill>
+                <a:latin typeface="微软雅黑" panose="020B0503020204020204" pitchFamily="34" charset="-122"/>
+                <a:ea typeface="微软雅黑" panose="020B0503020204020204" pitchFamily="34" charset="-122"/>
+              </a:rPr>
+              <a:t>memory_profiler</a:t>
+            </a:r>
+            <a:r>
+              <a:rPr lang="zh-CN" altLang="en-US" sz="2400" dirty="0">
+                <a:solidFill>
+                  <a:srgbClr val="333333"/>
+                </a:solidFill>
+                <a:latin typeface="微软雅黑" panose="020B0503020204020204" pitchFamily="34" charset="-122"/>
+                <a:ea typeface="微软雅黑" panose="020B0503020204020204" pitchFamily="34" charset="-122"/>
+              </a:rPr>
+              <a:t>这种场景下可以起到一定作用</a:t>
+            </a:r>
+            <a:endParaRPr lang="zh-CN" altLang="en-US" sz="2400" dirty="0">
+              <a:latin typeface="微软雅黑" panose="020B0503020204020204" pitchFamily="34" charset="-122"/>
+              <a:ea typeface="微软雅黑" panose="020B0503020204020204" pitchFamily="34" charset="-122"/>
+            </a:endParaRPr>
+          </a:p>
+        </p:txBody>
+      </p:sp>
+      <p:pic>
+        <p:nvPicPr>
+          <p:cNvPr id="5" name="图片 4"/>
+          <p:cNvPicPr>
+            <a:picLocks noChangeAspect="1"/>
+          </p:cNvPicPr>
+          <p:nvPr/>
+        </p:nvPicPr>
+        <p:blipFill>
+          <a:blip r:embed="rId3"/>
+          <a:stretch>
+            <a:fillRect/>
+          </a:stretch>
+        </p:blipFill>
+        <p:spPr>
+          <a:xfrm>
+            <a:off x="838200" y="2891003"/>
+            <a:ext cx="10855988" cy="2584108"/>
+          </a:xfrm>
+          <a:prstGeom prst="rect">
+            <a:avLst/>
+          </a:prstGeom>
+        </p:spPr>
+      </p:pic>
+    </p:spTree>
+    <p:extLst>
+      <p:ext uri="{BB962C8B-B14F-4D97-AF65-F5344CB8AC3E}">
+        <p14:creationId xmlns:p14="http://schemas.microsoft.com/office/powerpoint/2010/main" val="2560116214"/>
+      </p:ext>
+    </p:extLst>
+  </p:cSld>
+  <p:clrMapOvr>
+    <a:masterClrMapping/>
+  </p:clrMapOvr>
+  <p:timing>
+    <p:tnLst>
+      <p:par>
+        <p:cTn id="1" dur="indefinite" restart="never" nodeType="tmRoot"/>
+      </p:par>
+    </p:tnLst>
+  </p:timing>
+</p:sld>
+</file>
+
+<file path=ppt/slides/slide15.xml><?xml version="1.0" encoding="utf-8"?>
+<p:sld xmlns:a="http://schemas.openxmlformats.org/drawingml/2006/main" xmlns:r="http://schemas.openxmlformats.org/officeDocument/2006/relationships" xmlns:p="http://schemas.openxmlformats.org/presentationml/2006/main">
+  <p:cSld>
+    <p:spTree>
+      <p:nvGrpSpPr>
+        <p:cNvPr id="1" name=""/>
+        <p:cNvGrpSpPr/>
+        <p:nvPr/>
+      </p:nvGrpSpPr>
+      <p:grpSpPr>
+        <a:xfrm>
+          <a:off x="0" y="0"/>
+          <a:ext cx="0" cy="0"/>
+          <a:chOff x="0" y="0"/>
+          <a:chExt cx="0" cy="0"/>
+        </a:xfrm>
+      </p:grpSpPr>
+      <p:sp>
+        <p:nvSpPr>
+          <p:cNvPr id="2" name="标题 1"/>
+          <p:cNvSpPr>
+            <a:spLocks noGrp="1"/>
+          </p:cNvSpPr>
+          <p:nvPr>
+            <p:ph type="title"/>
+          </p:nvPr>
+        </p:nvSpPr>
+        <p:spPr/>
+        <p:txBody>
+          <a:bodyPr/>
+          <a:lstStyle/>
+          <a:p>
+            <a:pPr marL="742950" indent="-742950">
+              <a:buFont typeface="+mj-lt"/>
+              <a:buAutoNum type="arabicPeriod"/>
+            </a:pPr>
+            <a:r>
+              <a:rPr lang="zh-CN" altLang="en-US" b="1" dirty="0" smtClean="0">
+                <a:latin typeface="微软雅黑" panose="020B0503020204020204" pitchFamily="34" charset="-122"/>
+                <a:ea typeface="微软雅黑" panose="020B0503020204020204" pitchFamily="34" charset="-122"/>
+              </a:rPr>
+              <a:t>内存</a:t>
+            </a:r>
+            <a:r>
+              <a:rPr lang="zh-CN" altLang="en-US" b="1" dirty="0">
+                <a:latin typeface="微软雅黑" panose="020B0503020204020204" pitchFamily="34" charset="-122"/>
+                <a:ea typeface="微软雅黑" panose="020B0503020204020204" pitchFamily="34" charset="-122"/>
+              </a:rPr>
+              <a:t>占用</a:t>
+            </a:r>
+            <a:r>
+              <a:rPr lang="en-US" altLang="zh-CN" b="1" dirty="0" err="1" smtClean="0">
+                <a:latin typeface="微软雅黑" panose="020B0503020204020204" pitchFamily="34" charset="-122"/>
+                <a:ea typeface="微软雅黑" panose="020B0503020204020204" pitchFamily="34" charset="-122"/>
+              </a:rPr>
+              <a:t>memory_profiler</a:t>
+            </a:r>
+            <a:endParaRPr lang="zh-CN" altLang="en-US" dirty="0">
+              <a:latin typeface="微软雅黑" panose="020B0503020204020204" pitchFamily="34" charset="-122"/>
+              <a:ea typeface="微软雅黑" panose="020B0503020204020204" pitchFamily="34" charset="-122"/>
+            </a:endParaRPr>
+          </a:p>
+        </p:txBody>
+      </p:sp>
+      <p:pic>
+        <p:nvPicPr>
+          <p:cNvPr id="6" name="图片 5"/>
+          <p:cNvPicPr>
+            <a:picLocks noChangeAspect="1"/>
+          </p:cNvPicPr>
+          <p:nvPr/>
+        </p:nvPicPr>
+        <p:blipFill>
+          <a:blip r:embed="rId3"/>
+          <a:stretch>
+            <a:fillRect/>
+          </a:stretch>
+        </p:blipFill>
+        <p:spPr>
+          <a:xfrm>
+            <a:off x="1092039" y="2051869"/>
+            <a:ext cx="10456574" cy="3253909"/>
+          </a:xfrm>
+          <a:prstGeom prst="rect">
+            <a:avLst/>
+          </a:prstGeom>
+        </p:spPr>
+      </p:pic>
+    </p:spTree>
+    <p:extLst>
+      <p:ext uri="{BB962C8B-B14F-4D97-AF65-F5344CB8AC3E}">
+        <p14:creationId xmlns:p14="http://schemas.microsoft.com/office/powerpoint/2010/main" val="3517311816"/>
+      </p:ext>
+    </p:extLst>
+  </p:cSld>
+  <p:clrMapOvr>
+    <a:masterClrMapping/>
+  </p:clrMapOvr>
+  <p:timing>
+    <p:tnLst>
+      <p:par>
+        <p:cTn id="1" dur="indefinite" restart="never" nodeType="tmRoot"/>
+      </p:par>
+    </p:tnLst>
+  </p:timing>
+</p:sld>
+</file>
+
+<file path=ppt/slides/slide16.xml><?xml version="1.0" encoding="utf-8"?>
+<p:sld xmlns:a="http://schemas.openxmlformats.org/drawingml/2006/main" xmlns:r="http://schemas.openxmlformats.org/officeDocument/2006/relationships" xmlns:p="http://schemas.openxmlformats.org/presentationml/2006/main">
+  <p:cSld>
+    <p:spTree>
+      <p:nvGrpSpPr>
+        <p:cNvPr id="1" name=""/>
+        <p:cNvGrpSpPr/>
+        <p:nvPr/>
+      </p:nvGrpSpPr>
+      <p:grpSpPr>
+        <a:xfrm>
+          <a:off x="0" y="0"/>
+          <a:ext cx="0" cy="0"/>
+          <a:chOff x="0" y="0"/>
+          <a:chExt cx="0" cy="0"/>
+        </a:xfrm>
+      </p:grpSpPr>
+      <p:sp>
+        <p:nvSpPr>
+          <p:cNvPr id="2" name="标题 1"/>
+          <p:cNvSpPr>
+            <a:spLocks noGrp="1"/>
+          </p:cNvSpPr>
+          <p:nvPr>
+            <p:ph type="title"/>
+          </p:nvPr>
+        </p:nvSpPr>
+        <p:spPr/>
+        <p:txBody>
+          <a:bodyPr/>
+          <a:lstStyle/>
+          <a:p>
+            <a:pPr marL="742950" indent="-742950">
+              <a:buFont typeface="+mj-lt"/>
+              <a:buAutoNum type="arabicPeriod" startAt="2"/>
+            </a:pPr>
+            <a:r>
+              <a:rPr lang="zh-CN" altLang="en-US" b="1" dirty="0">
+                <a:latin typeface="微软雅黑" panose="020B0503020204020204" pitchFamily="34" charset="-122"/>
+                <a:ea typeface="微软雅黑" panose="020B0503020204020204" pitchFamily="34" charset="-122"/>
+              </a:rPr>
+              <a:t>“内存泄漏”</a:t>
+            </a:r>
+            <a:r>
+              <a:rPr lang="en-US" altLang="zh-CN" b="1" dirty="0" err="1" smtClean="0">
+                <a:latin typeface="微软雅黑" panose="020B0503020204020204" pitchFamily="34" charset="-122"/>
+                <a:ea typeface="微软雅黑" panose="020B0503020204020204" pitchFamily="34" charset="-122"/>
+              </a:rPr>
+              <a:t>objgraph</a:t>
+            </a:r>
+            <a:endParaRPr lang="en-US" altLang="zh-CN" dirty="0" smtClean="0">
+              <a:latin typeface="微软雅黑" pitchFamily="34" charset="-122"/>
+              <a:ea typeface="微软雅黑" pitchFamily="34" charset="-122"/>
+            </a:endParaRPr>
+          </a:p>
+        </p:txBody>
+      </p:sp>
+      <p:pic>
+        <p:nvPicPr>
+          <p:cNvPr id="4" name="图片 3"/>
+          <p:cNvPicPr>
+            <a:picLocks noChangeAspect="1"/>
+          </p:cNvPicPr>
+          <p:nvPr/>
+        </p:nvPicPr>
+        <p:blipFill>
+          <a:blip r:embed="rId3"/>
+          <a:stretch>
+            <a:fillRect/>
+          </a:stretch>
+        </p:blipFill>
+        <p:spPr>
+          <a:xfrm>
+            <a:off x="1072368" y="1833685"/>
+            <a:ext cx="10232951" cy="2783471"/>
+          </a:xfrm>
+          <a:prstGeom prst="rect">
+            <a:avLst/>
+          </a:prstGeom>
+        </p:spPr>
+      </p:pic>
+    </p:spTree>
+    <p:extLst>
+      <p:ext uri="{BB962C8B-B14F-4D97-AF65-F5344CB8AC3E}">
+        <p14:creationId xmlns:p14="http://schemas.microsoft.com/office/powerpoint/2010/main" val="1087230300"/>
+      </p:ext>
+    </p:extLst>
+  </p:cSld>
+  <p:clrMapOvr>
+    <a:masterClrMapping/>
+  </p:clrMapOvr>
+  <p:timing>
+    <p:tnLst>
+      <p:par>
+        <p:cTn id="1" dur="indefinite" restart="never" nodeType="tmRoot"/>
+      </p:par>
+    </p:tnLst>
+  </p:timing>
+</p:sld>
+</file>
+
+<file path=ppt/slides/slide17.xml><?xml version="1.0" encoding="utf-8"?>
+<p:sld xmlns:a="http://schemas.openxmlformats.org/drawingml/2006/main" xmlns:r="http://schemas.openxmlformats.org/officeDocument/2006/relationships" xmlns:p="http://schemas.openxmlformats.org/presentationml/2006/main">
+  <p:cSld>
+    <p:spTree>
+      <p:nvGrpSpPr>
+        <p:cNvPr id="1" name=""/>
+        <p:cNvGrpSpPr/>
+        <p:nvPr/>
+      </p:nvGrpSpPr>
+      <p:grpSpPr>
+        <a:xfrm>
+          <a:off x="0" y="0"/>
+          <a:ext cx="0" cy="0"/>
+          <a:chOff x="0" y="0"/>
+          <a:chExt cx="0" cy="0"/>
+        </a:xfrm>
+      </p:grpSpPr>
+      <p:sp>
+        <p:nvSpPr>
+          <p:cNvPr id="7" name="内容占位符 6"/>
+          <p:cNvSpPr>
+            <a:spLocks noGrp="1"/>
+          </p:cNvSpPr>
+          <p:nvPr>
+            <p:ph idx="1"/>
+          </p:nvPr>
+        </p:nvSpPr>
+        <p:spPr/>
+        <p:txBody>
+          <a:bodyPr>
+            <a:normAutofit/>
+          </a:bodyPr>
+          <a:lstStyle/>
+          <a:p>
+            <a:pPr marL="514350" indent="-514350">
+              <a:buFont typeface="+mj-lt"/>
+              <a:buAutoNum type="arabicPeriod"/>
+            </a:pPr>
+            <a:r>
+              <a:rPr lang="en-US" altLang="zh-CN" dirty="0" err="1" smtClean="0">
+                <a:latin typeface="微软雅黑" pitchFamily="34" charset="-122"/>
+                <a:ea typeface="微软雅黑" pitchFamily="34" charset="-122"/>
+              </a:rPr>
+              <a:t>Runsnakerun</a:t>
+            </a:r>
+            <a:endParaRPr lang="en-US" altLang="zh-CN" dirty="0" smtClean="0">
+              <a:latin typeface="微软雅黑" pitchFamily="34" charset="-122"/>
+              <a:ea typeface="微软雅黑" pitchFamily="34" charset="-122"/>
+            </a:endParaRPr>
+          </a:p>
+          <a:p>
+            <a:pPr marL="514350" indent="-514350">
+              <a:buFont typeface="+mj-lt"/>
+              <a:buAutoNum type="arabicPeriod"/>
+            </a:pPr>
+            <a:r>
+              <a:rPr lang="en-US" altLang="zh-CN" dirty="0" err="1" smtClean="0">
+                <a:latin typeface="微软雅黑" pitchFamily="34" charset="-122"/>
+                <a:ea typeface="微软雅黑" pitchFamily="34" charset="-122"/>
+              </a:rPr>
+              <a:t>pycallgraph</a:t>
+            </a:r>
+            <a:endParaRPr lang="zh-CN" altLang="en-US" dirty="0">
+              <a:latin typeface="微软雅黑" pitchFamily="34" charset="-122"/>
+              <a:ea typeface="微软雅黑" pitchFamily="34" charset="-122"/>
+            </a:endParaRPr>
+          </a:p>
+        </p:txBody>
+      </p:sp>
+      <p:sp>
+        <p:nvSpPr>
+          <p:cNvPr id="3" name="标题 1"/>
+          <p:cNvSpPr>
+            <a:spLocks noGrp="1"/>
+          </p:cNvSpPr>
+          <p:nvPr>
+            <p:ph type="title"/>
+          </p:nvPr>
+        </p:nvSpPr>
+        <p:spPr>
+          <a:xfrm>
+            <a:off x="838200" y="365125"/>
+            <a:ext cx="10515600" cy="1325563"/>
+          </a:xfrm>
+        </p:spPr>
+        <p:txBody>
+          <a:bodyPr/>
+          <a:lstStyle/>
+          <a:p>
+            <a:pPr marL="857250" indent="-857250">
+              <a:buFont typeface="+mj-ea"/>
+              <a:buAutoNum type="ea1JpnChsDbPeriod" startAt="3"/>
+            </a:pPr>
+            <a:r>
+              <a:rPr lang="zh-CN" altLang="en-US" dirty="0" smtClean="0"/>
+              <a:t>可视化工具</a:t>
+            </a:r>
+            <a:endParaRPr lang="zh-CN" altLang="en-US" dirty="0"/>
+          </a:p>
+        </p:txBody>
+      </p:sp>
+    </p:spTree>
+    <p:extLst>
+      <p:ext uri="{BB962C8B-B14F-4D97-AF65-F5344CB8AC3E}">
+        <p14:creationId xmlns:p14="http://schemas.microsoft.com/office/powerpoint/2010/main" val="3670801828"/>
       </p:ext>
     </p:extLst>
   </p:cSld>
@@ -4494,152 +6266,6 @@
       </p:grpSpPr>
       <p:sp>
         <p:nvSpPr>
-          <p:cNvPr id="7" name="内容占位符 6"/>
-          <p:cNvSpPr>
-            <a:spLocks noGrp="1"/>
-          </p:cNvSpPr>
-          <p:nvPr>
-            <p:ph idx="1"/>
-          </p:nvPr>
-        </p:nvSpPr>
-        <p:spPr/>
-        <p:txBody>
-          <a:bodyPr>
-            <a:normAutofit/>
-          </a:bodyPr>
-          <a:lstStyle/>
-          <a:p>
-            <a:pPr marL="514350" indent="-514350">
-              <a:lnSpc>
-                <a:spcPct val="150000"/>
-              </a:lnSpc>
-              <a:buFont typeface="+mj-lt"/>
-              <a:buAutoNum type="arabicPeriod"/>
-            </a:pPr>
-            <a:r>
-              <a:rPr lang="en-US" altLang="zh-CN" dirty="0" smtClean="0">
-                <a:latin typeface="微软雅黑" pitchFamily="34" charset="-122"/>
-                <a:ea typeface="微软雅黑" pitchFamily="34" charset="-122"/>
-              </a:rPr>
-              <a:t>Shell </a:t>
-            </a:r>
-            <a:r>
-              <a:rPr lang="zh-CN" altLang="en-US" dirty="0" smtClean="0">
-                <a:latin typeface="微软雅黑" pitchFamily="34" charset="-122"/>
-                <a:ea typeface="微软雅黑" pitchFamily="34" charset="-122"/>
-              </a:rPr>
-              <a:t>命令</a:t>
-            </a:r>
-            <a:r>
-              <a:rPr lang="en-US" altLang="zh-CN" dirty="0" smtClean="0">
-                <a:latin typeface="微软雅黑" pitchFamily="34" charset="-122"/>
-                <a:ea typeface="微软雅黑" pitchFamily="34" charset="-122"/>
-              </a:rPr>
-              <a:t>time</a:t>
-            </a:r>
-          </a:p>
-          <a:p>
-            <a:pPr marL="514350" indent="-514350">
-              <a:lnSpc>
-                <a:spcPct val="150000"/>
-              </a:lnSpc>
-              <a:buFont typeface="+mj-lt"/>
-              <a:buAutoNum type="arabicPeriod"/>
-            </a:pPr>
-            <a:r>
-              <a:rPr lang="en-US" altLang="zh-CN" dirty="0" smtClean="0">
-                <a:latin typeface="微软雅黑" pitchFamily="34" charset="-122"/>
-                <a:ea typeface="微软雅黑" pitchFamily="34" charset="-122"/>
-              </a:rPr>
-              <a:t>Python</a:t>
-            </a:r>
-            <a:r>
-              <a:rPr lang="zh-CN" altLang="en-US" dirty="0" smtClean="0">
-                <a:latin typeface="微软雅黑" pitchFamily="34" charset="-122"/>
-                <a:ea typeface="微软雅黑" pitchFamily="34" charset="-122"/>
-              </a:rPr>
-              <a:t>模块</a:t>
-            </a:r>
-            <a:r>
-              <a:rPr lang="en-US" altLang="zh-CN" dirty="0" smtClean="0">
-                <a:latin typeface="微软雅黑" pitchFamily="34" charset="-122"/>
-                <a:ea typeface="微软雅黑" pitchFamily="34" charset="-122"/>
-              </a:rPr>
-              <a:t>time</a:t>
-            </a:r>
-          </a:p>
-          <a:p>
-            <a:pPr marL="514350" indent="-514350">
-              <a:lnSpc>
-                <a:spcPct val="150000"/>
-              </a:lnSpc>
-              <a:buFont typeface="+mj-lt"/>
-              <a:buAutoNum type="arabicPeriod"/>
-            </a:pPr>
-            <a:r>
-              <a:rPr lang="en-US" altLang="zh-CN" dirty="0" smtClean="0">
-                <a:latin typeface="微软雅黑" pitchFamily="34" charset="-122"/>
-                <a:ea typeface="微软雅黑" pitchFamily="34" charset="-122"/>
-              </a:rPr>
-              <a:t>Python</a:t>
-            </a:r>
-            <a:r>
-              <a:rPr lang="zh-CN" altLang="en-US" dirty="0" smtClean="0">
-                <a:latin typeface="微软雅黑" pitchFamily="34" charset="-122"/>
-                <a:ea typeface="微软雅黑" pitchFamily="34" charset="-122"/>
-              </a:rPr>
-              <a:t>模块</a:t>
-            </a:r>
-            <a:r>
-              <a:rPr lang="en-US" altLang="zh-CN" dirty="0" err="1" smtClean="0">
-                <a:latin typeface="微软雅黑" pitchFamily="34" charset="-122"/>
-                <a:ea typeface="微软雅黑" pitchFamily="34" charset="-122"/>
-              </a:rPr>
-              <a:t>cProfile</a:t>
-            </a:r>
-            <a:endParaRPr lang="en-US" altLang="zh-CN" dirty="0" smtClean="0">
-              <a:latin typeface="微软雅黑" pitchFamily="34" charset="-122"/>
-              <a:ea typeface="微软雅黑" pitchFamily="34" charset="-122"/>
-            </a:endParaRPr>
-          </a:p>
-          <a:p>
-            <a:pPr marL="514350" indent="-514350">
-              <a:lnSpc>
-                <a:spcPct val="150000"/>
-              </a:lnSpc>
-              <a:buFont typeface="+mj-lt"/>
-              <a:buAutoNum type="arabicPeriod"/>
-            </a:pPr>
-            <a:r>
-              <a:rPr lang="en-US" altLang="zh-CN" dirty="0" smtClean="0">
-                <a:latin typeface="微软雅黑" pitchFamily="34" charset="-122"/>
-                <a:ea typeface="微软雅黑" pitchFamily="34" charset="-122"/>
-              </a:rPr>
-              <a:t>Python</a:t>
-            </a:r>
-            <a:r>
-              <a:rPr lang="zh-CN" altLang="en-US" dirty="0" smtClean="0">
-                <a:latin typeface="微软雅黑" pitchFamily="34" charset="-122"/>
-                <a:ea typeface="微软雅黑" pitchFamily="34" charset="-122"/>
-              </a:rPr>
-              <a:t>模块</a:t>
-            </a:r>
-            <a:r>
-              <a:rPr lang="en-US" altLang="zh-CN" dirty="0" err="1" smtClean="0">
-                <a:latin typeface="微软雅黑" pitchFamily="34" charset="-122"/>
-                <a:ea typeface="微软雅黑" pitchFamily="34" charset="-122"/>
-              </a:rPr>
-              <a:t>line_profiler</a:t>
-            </a:r>
-            <a:endParaRPr lang="en-US" altLang="zh-CN" dirty="0" smtClean="0">
-              <a:latin typeface="微软雅黑" pitchFamily="34" charset="-122"/>
-              <a:ea typeface="微软雅黑" pitchFamily="34" charset="-122"/>
-            </a:endParaRPr>
-          </a:p>
-        </p:txBody>
-      </p:sp>
-      <p:sp>
-        <p:nvSpPr>
           <p:cNvPr id="3" name="标题 1"/>
           <p:cNvSpPr>
             <a:spLocks noGrp="1"/>
@@ -4658,26 +6284,249 @@
           <a:bodyPr/>
           <a:lstStyle/>
           <a:p>
-            <a:pPr marL="857250" indent="-857250">
-              <a:buFont typeface="+mj-ea"/>
-              <a:buAutoNum type="ea1JpnChsDbPeriod"/>
+            <a:r>
+              <a:rPr lang="zh-CN" altLang="en-US" dirty="0" smtClean="0">
+                <a:latin typeface="微软雅黑" panose="020B0503020204020204" pitchFamily="34" charset="-122"/>
+                <a:ea typeface="微软雅黑" panose="020B0503020204020204" pitchFamily="34" charset="-122"/>
+              </a:rPr>
+              <a:t>个人简介</a:t>
+            </a:r>
+            <a:endParaRPr lang="zh-CN" altLang="en-US" dirty="0">
+              <a:latin typeface="微软雅黑" panose="020B0503020204020204" pitchFamily="34" charset="-122"/>
+              <a:ea typeface="微软雅黑" panose="020B0503020204020204" pitchFamily="34" charset="-122"/>
+            </a:endParaRPr>
+          </a:p>
+        </p:txBody>
+      </p:sp>
+      <p:sp>
+        <p:nvSpPr>
+          <p:cNvPr id="5" name="矩形 4"/>
+          <p:cNvSpPr/>
+          <p:nvPr/>
+        </p:nvSpPr>
+        <p:spPr>
+          <a:xfrm>
+            <a:off x="1241778" y="1885792"/>
+            <a:ext cx="7439378" cy="3970318"/>
+          </a:xfrm>
+          <a:prstGeom prst="rect">
+            <a:avLst/>
+          </a:prstGeom>
+        </p:spPr>
+        <p:txBody>
+          <a:bodyPr wrap="square">
+            <a:spAutoFit/>
+          </a:bodyPr>
+          <a:lstStyle/>
+          <a:p>
+            <a:pPr marL="457200" indent="-457200">
+              <a:lnSpc>
+                <a:spcPct val="150000"/>
+              </a:lnSpc>
+              <a:buFont typeface="Wingdings" panose="05000000000000000000" pitchFamily="2" charset="2"/>
+              <a:buChar char="u"/>
             </a:pPr>
             <a:r>
-              <a:rPr lang="en-US" altLang="zh-CN" dirty="0" smtClean="0"/>
-              <a:t>Cpu</a:t>
-            </a:r>
-            <a:r>
-              <a:rPr lang="zh-CN" altLang="en-US" dirty="0" smtClean="0"/>
-              <a:t>时钟</a:t>
-            </a:r>
-            <a:endParaRPr lang="zh-CN" altLang="en-US" dirty="0"/>
+              <a:rPr lang="zh-CN" altLang="en-US" sz="2800" dirty="0" smtClean="0">
+                <a:solidFill>
+                  <a:srgbClr val="333333"/>
+                </a:solidFill>
+                <a:latin typeface="微软雅黑" panose="020B0503020204020204" pitchFamily="34" charset="-122"/>
+                <a:ea typeface="微软雅黑" panose="020B0503020204020204" pitchFamily="34" charset="-122"/>
+              </a:rPr>
+              <a:t>来自腾讯反病毒实验室</a:t>
+            </a:r>
+            <a:endParaRPr lang="en-US" altLang="zh-CN" sz="2800" dirty="0" smtClean="0">
+              <a:solidFill>
+                <a:srgbClr val="333333"/>
+              </a:solidFill>
+              <a:latin typeface="微软雅黑" panose="020B0503020204020204" pitchFamily="34" charset="-122"/>
+              <a:ea typeface="微软雅黑" panose="020B0503020204020204" pitchFamily="34" charset="-122"/>
+            </a:endParaRPr>
+          </a:p>
+          <a:p>
+            <a:pPr marL="457200" indent="-457200">
+              <a:lnSpc>
+                <a:spcPct val="150000"/>
+              </a:lnSpc>
+              <a:buFont typeface="Wingdings" panose="05000000000000000000" pitchFamily="2" charset="2"/>
+              <a:buChar char="u"/>
+            </a:pPr>
+            <a:r>
+              <a:rPr lang="en-US" altLang="zh-CN" sz="2800" dirty="0">
+                <a:solidFill>
+                  <a:srgbClr val="333333"/>
+                </a:solidFill>
+                <a:latin typeface="微软雅黑" panose="020B0503020204020204" pitchFamily="34" charset="-122"/>
+                <a:ea typeface="微软雅黑" panose="020B0503020204020204" pitchFamily="34" charset="-122"/>
+              </a:rPr>
+              <a:t>12</a:t>
+            </a:r>
+            <a:r>
+              <a:rPr lang="zh-CN" altLang="en-US" sz="2800" dirty="0">
+                <a:solidFill>
+                  <a:srgbClr val="333333"/>
+                </a:solidFill>
+                <a:latin typeface="微软雅黑" panose="020B0503020204020204" pitchFamily="34" charset="-122"/>
+                <a:ea typeface="微软雅黑" panose="020B0503020204020204" pitchFamily="34" charset="-122"/>
+              </a:rPr>
+              <a:t>毕业加入腾讯</a:t>
+            </a:r>
+            <a:endParaRPr lang="en-US" altLang="zh-CN" sz="2800" dirty="0">
+              <a:solidFill>
+                <a:srgbClr val="333333"/>
+              </a:solidFill>
+              <a:latin typeface="微软雅黑" panose="020B0503020204020204" pitchFamily="34" charset="-122"/>
+              <a:ea typeface="微软雅黑" panose="020B0503020204020204" pitchFamily="34" charset="-122"/>
+            </a:endParaRPr>
+          </a:p>
+          <a:p>
+            <a:pPr marL="457200" indent="-457200">
+              <a:lnSpc>
+                <a:spcPct val="150000"/>
+              </a:lnSpc>
+              <a:buFont typeface="Wingdings" panose="05000000000000000000" pitchFamily="2" charset="2"/>
+              <a:buChar char="u"/>
+            </a:pPr>
+            <a:r>
+              <a:rPr lang="zh-CN" altLang="en-US" sz="2800" dirty="0">
+                <a:solidFill>
+                  <a:srgbClr val="333333"/>
+                </a:solidFill>
+                <a:latin typeface="微软雅黑" panose="020B0503020204020204" pitchFamily="34" charset="-122"/>
+                <a:ea typeface="微软雅黑" panose="020B0503020204020204" pitchFamily="34" charset="-122"/>
+              </a:rPr>
+              <a:t>工作五年</a:t>
+            </a:r>
+            <a:endParaRPr lang="en-US" altLang="zh-CN" sz="2800" dirty="0">
+              <a:solidFill>
+                <a:srgbClr val="333333"/>
+              </a:solidFill>
+              <a:latin typeface="微软雅黑" panose="020B0503020204020204" pitchFamily="34" charset="-122"/>
+              <a:ea typeface="微软雅黑" panose="020B0503020204020204" pitchFamily="34" charset="-122"/>
+            </a:endParaRPr>
+          </a:p>
+          <a:p>
+            <a:pPr marL="457200" indent="-457200">
+              <a:lnSpc>
+                <a:spcPct val="150000"/>
+              </a:lnSpc>
+              <a:buFont typeface="Wingdings" panose="05000000000000000000" pitchFamily="2" charset="2"/>
+              <a:buChar char="u"/>
+            </a:pPr>
+            <a:r>
+              <a:rPr lang="zh-CN" altLang="en-US" sz="2800" dirty="0">
+                <a:solidFill>
+                  <a:srgbClr val="333333"/>
+                </a:solidFill>
+                <a:latin typeface="微软雅黑" panose="020B0503020204020204" pitchFamily="34" charset="-122"/>
+                <a:ea typeface="微软雅黑" panose="020B0503020204020204" pitchFamily="34" charset="-122"/>
+              </a:rPr>
+              <a:t>现参与项目：</a:t>
+            </a:r>
+            <a:endParaRPr lang="en-US" altLang="zh-CN" sz="2800" dirty="0">
+              <a:solidFill>
+                <a:srgbClr val="333333"/>
+              </a:solidFill>
+              <a:latin typeface="微软雅黑" panose="020B0503020204020204" pitchFamily="34" charset="-122"/>
+              <a:ea typeface="微软雅黑" panose="020B0503020204020204" pitchFamily="34" charset="-122"/>
+            </a:endParaRPr>
+          </a:p>
+          <a:p>
+            <a:pPr marL="457200" indent="-457200" algn="ctr">
+              <a:lnSpc>
+                <a:spcPct val="150000"/>
+              </a:lnSpc>
+              <a:buFont typeface="Arial" panose="020B0604020202020204" pitchFamily="34" charset="0"/>
+              <a:buChar char="•"/>
+            </a:pPr>
+            <a:endParaRPr lang="zh-CN" altLang="en-US" sz="2800" dirty="0">
+              <a:latin typeface="微软雅黑" panose="020B0503020204020204" pitchFamily="34" charset="-122"/>
+              <a:ea typeface="微软雅黑" panose="020B0503020204020204" pitchFamily="34" charset="-122"/>
+            </a:endParaRPr>
+          </a:p>
+          <a:p>
+            <a:pPr>
+              <a:lnSpc>
+                <a:spcPct val="150000"/>
+              </a:lnSpc>
+            </a:pPr>
+            <a:endParaRPr lang="zh-CN" altLang="en-US" sz="2800" dirty="0">
+              <a:solidFill>
+                <a:srgbClr val="333333"/>
+              </a:solidFill>
+              <a:latin typeface="微软雅黑" panose="020B0503020204020204" pitchFamily="34" charset="-122"/>
+              <a:ea typeface="微软雅黑" panose="020B0503020204020204" pitchFamily="34" charset="-122"/>
+            </a:endParaRPr>
+          </a:p>
+        </p:txBody>
+      </p:sp>
+      <p:sp>
+        <p:nvSpPr>
+          <p:cNvPr id="2" name="矩形 1"/>
+          <p:cNvSpPr/>
+          <p:nvPr/>
+        </p:nvSpPr>
+        <p:spPr>
+          <a:xfrm>
+            <a:off x="1913467" y="4626802"/>
+            <a:ext cx="6096000" cy="1384995"/>
+          </a:xfrm>
+          <a:prstGeom prst="rect">
+            <a:avLst/>
+          </a:prstGeom>
+        </p:spPr>
+        <p:txBody>
+          <a:bodyPr>
+            <a:spAutoFit/>
+          </a:bodyPr>
+          <a:lstStyle/>
+          <a:p>
+            <a:pPr marL="457200" indent="-457200">
+              <a:lnSpc>
+                <a:spcPct val="150000"/>
+              </a:lnSpc>
+              <a:buFont typeface="Arial" panose="020B0604020202020204" pitchFamily="34" charset="0"/>
+              <a:buChar char="•"/>
+            </a:pPr>
+            <a:r>
+              <a:rPr lang="zh-CN" altLang="en-US" sz="2800" dirty="0">
+                <a:latin typeface="微软雅黑" panose="020B0503020204020204" pitchFamily="34" charset="-122"/>
+                <a:ea typeface="微软雅黑" panose="020B0503020204020204" pitchFamily="34" charset="-122"/>
+              </a:rPr>
+              <a:t>哈勃样本自动分析平台</a:t>
+            </a:r>
+            <a:endParaRPr lang="en-US" altLang="zh-CN" sz="2800" dirty="0">
+              <a:latin typeface="微软雅黑" panose="020B0503020204020204" pitchFamily="34" charset="-122"/>
+              <a:ea typeface="微软雅黑" panose="020B0503020204020204" pitchFamily="34" charset="-122"/>
+            </a:endParaRPr>
+          </a:p>
+          <a:p>
+            <a:pPr marL="457200" indent="-457200">
+              <a:lnSpc>
+                <a:spcPct val="150000"/>
+              </a:lnSpc>
+              <a:buFont typeface="Arial" panose="020B0604020202020204" pitchFamily="34" charset="0"/>
+              <a:buChar char="•"/>
+            </a:pPr>
+            <a:r>
+              <a:rPr lang="zh-CN" altLang="en-US" sz="2800" dirty="0">
+                <a:latin typeface="微软雅黑" panose="020B0503020204020204" pitchFamily="34" charset="-122"/>
+                <a:ea typeface="微软雅黑" panose="020B0503020204020204" pitchFamily="34" charset="-122"/>
+              </a:rPr>
+              <a:t>哈勃流量安全检测项目</a:t>
+            </a:r>
+            <a:endParaRPr lang="zh-CN" altLang="en-US" sz="2800" dirty="0">
+              <a:latin typeface="微软雅黑" panose="020B0503020204020204" pitchFamily="34" charset="-122"/>
+              <a:ea typeface="微软雅黑" panose="020B0503020204020204" pitchFamily="34" charset="-122"/>
+            </a:endParaRPr>
           </a:p>
         </p:txBody>
       </p:sp>
     </p:spTree>
     <p:extLst>
       <p:ext uri="{BB962C8B-B14F-4D97-AF65-F5344CB8AC3E}">
-        <p14:creationId xmlns="" xmlns:p14="http://schemas.microsoft.com/office/powerpoint/2010/main" val="3670801828"/>
+        <p14:creationId xmlns:p14="http://schemas.microsoft.com/office/powerpoint/2010/main" val="2720951060"/>
       </p:ext>
     </p:extLst>
   </p:cSld>
@@ -4706,6 +6555,940 @@
       </p:grpSpPr>
       <p:sp>
         <p:nvSpPr>
+          <p:cNvPr id="3" name="标题 1"/>
+          <p:cNvSpPr>
+            <a:spLocks noGrp="1"/>
+          </p:cNvSpPr>
+          <p:nvPr>
+            <p:ph type="title"/>
+          </p:nvPr>
+        </p:nvSpPr>
+        <p:spPr/>
+        <p:txBody>
+          <a:bodyPr/>
+          <a:lstStyle/>
+          <a:p>
+            <a:r>
+              <a:rPr lang="zh-CN" altLang="en-US" dirty="0" smtClean="0">
+                <a:latin typeface="微软雅黑" panose="020B0503020204020204" pitchFamily="34" charset="-122"/>
+                <a:ea typeface="微软雅黑" panose="020B0503020204020204" pitchFamily="34" charset="-122"/>
+              </a:rPr>
+              <a:t>背景知识依赖</a:t>
+            </a:r>
+            <a:endParaRPr lang="zh-CN" altLang="en-US" dirty="0">
+              <a:latin typeface="微软雅黑" panose="020B0503020204020204" pitchFamily="34" charset="-122"/>
+              <a:ea typeface="微软雅黑" panose="020B0503020204020204" pitchFamily="34" charset="-122"/>
+            </a:endParaRPr>
+          </a:p>
+        </p:txBody>
+      </p:sp>
+      <p:sp>
+        <p:nvSpPr>
+          <p:cNvPr id="2" name="文本占位符 1"/>
+          <p:cNvSpPr>
+            <a:spLocks noGrp="1"/>
+          </p:cNvSpPr>
+          <p:nvPr>
+            <p:ph type="body" idx="1"/>
+          </p:nvPr>
+        </p:nvSpPr>
+        <p:spPr/>
+        <p:txBody>
+          <a:bodyPr>
+            <a:normAutofit/>
+          </a:bodyPr>
+          <a:lstStyle/>
+          <a:p>
+            <a:pPr marL="457200" indent="-457200">
+              <a:buFont typeface="Wingdings" panose="05000000000000000000" pitchFamily="2" charset="2"/>
+              <a:buChar char="n"/>
+            </a:pPr>
+            <a:r>
+              <a:rPr lang="zh-CN" altLang="en-US" sz="3200" dirty="0">
+                <a:latin typeface="微软雅黑" panose="020B0503020204020204" pitchFamily="34" charset="-122"/>
+                <a:ea typeface="微软雅黑" panose="020B0503020204020204" pitchFamily="34" charset="-122"/>
+              </a:rPr>
+              <a:t>适合</a:t>
+            </a:r>
+            <a:r>
+              <a:rPr lang="zh-CN" altLang="en-US" sz="3200" dirty="0" smtClean="0">
+                <a:latin typeface="微软雅黑" panose="020B0503020204020204" pitchFamily="34" charset="-122"/>
+                <a:ea typeface="微软雅黑" panose="020B0503020204020204" pitchFamily="34" charset="-122"/>
+              </a:rPr>
+              <a:t>：</a:t>
+            </a:r>
+            <a:endParaRPr lang="zh-CN" altLang="en-US" sz="3200" dirty="0">
+              <a:latin typeface="微软雅黑" panose="020B0503020204020204" pitchFamily="34" charset="-122"/>
+              <a:ea typeface="微软雅黑" panose="020B0503020204020204" pitchFamily="34" charset="-122"/>
+            </a:endParaRPr>
+          </a:p>
+        </p:txBody>
+      </p:sp>
+      <p:sp>
+        <p:nvSpPr>
+          <p:cNvPr id="7" name="内容占位符 6"/>
+          <p:cNvSpPr>
+            <a:spLocks noGrp="1"/>
+          </p:cNvSpPr>
+          <p:nvPr>
+            <p:ph sz="half" idx="2"/>
+          </p:nvPr>
+        </p:nvSpPr>
+        <p:spPr/>
+        <p:txBody>
+          <a:bodyPr>
+            <a:normAutofit/>
+          </a:bodyPr>
+          <a:lstStyle/>
+          <a:p>
+            <a:pPr>
+              <a:lnSpc>
+                <a:spcPct val="150000"/>
+              </a:lnSpc>
+            </a:pPr>
+            <a:r>
+              <a:rPr lang="zh-CN" altLang="en-US" sz="2400" dirty="0" smtClean="0">
+                <a:latin typeface="微软雅黑" panose="020B0503020204020204" pitchFamily="34" charset="-122"/>
+                <a:ea typeface="微软雅黑" panose="020B0503020204020204" pitchFamily="34" charset="-122"/>
+              </a:rPr>
+              <a:t>写</a:t>
+            </a:r>
+            <a:r>
+              <a:rPr lang="zh-CN" altLang="en-US" sz="2400" dirty="0">
+                <a:latin typeface="微软雅黑" panose="020B0503020204020204" pitchFamily="34" charset="-122"/>
+                <a:ea typeface="微软雅黑" panose="020B0503020204020204" pitchFamily="34" charset="-122"/>
+              </a:rPr>
+              <a:t>过一点</a:t>
+            </a:r>
+            <a:r>
+              <a:rPr lang="en-US" altLang="zh-CN" sz="2400" dirty="0" smtClean="0">
+                <a:latin typeface="微软雅黑" panose="020B0503020204020204" pitchFamily="34" charset="-122"/>
+                <a:ea typeface="微软雅黑" panose="020B0503020204020204" pitchFamily="34" charset="-122"/>
+              </a:rPr>
+              <a:t>python</a:t>
+            </a:r>
+            <a:endParaRPr lang="en-US" altLang="zh-CN" sz="2400" dirty="0">
+              <a:latin typeface="微软雅黑" panose="020B0503020204020204" pitchFamily="34" charset="-122"/>
+              <a:ea typeface="微软雅黑" panose="020B0503020204020204" pitchFamily="34" charset="-122"/>
+            </a:endParaRPr>
+          </a:p>
+          <a:p>
+            <a:pPr>
+              <a:lnSpc>
+                <a:spcPct val="150000"/>
+              </a:lnSpc>
+            </a:pPr>
+            <a:r>
+              <a:rPr lang="zh-CN" altLang="en-US" sz="2400" dirty="0">
+                <a:latin typeface="微软雅黑" panose="020B0503020204020204" pitchFamily="34" charset="-122"/>
+                <a:ea typeface="微软雅黑" panose="020B0503020204020204" pitchFamily="34" charset="-122"/>
+              </a:rPr>
+              <a:t>思考</a:t>
+            </a:r>
+            <a:r>
+              <a:rPr lang="en-US" altLang="zh-CN" sz="2400" dirty="0">
+                <a:latin typeface="微软雅黑" panose="020B0503020204020204" pitchFamily="34" charset="-122"/>
+                <a:ea typeface="微软雅黑" panose="020B0503020204020204" pitchFamily="34" charset="-122"/>
+              </a:rPr>
+              <a:t>python</a:t>
+            </a:r>
+            <a:r>
+              <a:rPr lang="zh-CN" altLang="en-US" sz="2400" dirty="0">
+                <a:latin typeface="微软雅黑" panose="020B0503020204020204" pitchFamily="34" charset="-122"/>
+                <a:ea typeface="微软雅黑" panose="020B0503020204020204" pitchFamily="34" charset="-122"/>
+              </a:rPr>
+              <a:t>的性能</a:t>
+            </a:r>
+            <a:r>
+              <a:rPr lang="zh-CN" altLang="en-US" sz="2400" dirty="0" smtClean="0">
+                <a:latin typeface="微软雅黑" panose="020B0503020204020204" pitchFamily="34" charset="-122"/>
+                <a:ea typeface="微软雅黑" panose="020B0503020204020204" pitchFamily="34" charset="-122"/>
+              </a:rPr>
+              <a:t>问题</a:t>
+            </a:r>
+            <a:endParaRPr lang="zh-CN" altLang="en-US" sz="2400" dirty="0">
+              <a:latin typeface="微软雅黑" panose="020B0503020204020204" pitchFamily="34" charset="-122"/>
+              <a:ea typeface="微软雅黑" panose="020B0503020204020204" pitchFamily="34" charset="-122"/>
+            </a:endParaRPr>
+          </a:p>
+          <a:p>
+            <a:pPr>
+              <a:lnSpc>
+                <a:spcPct val="150000"/>
+              </a:lnSpc>
+            </a:pPr>
+            <a:r>
+              <a:rPr lang="zh-CN" altLang="en-US" sz="2400" dirty="0">
+                <a:latin typeface="微软雅黑" panose="020B0503020204020204" pitchFamily="34" charset="-122"/>
+                <a:ea typeface="微软雅黑" panose="020B0503020204020204" pitchFamily="34" charset="-122"/>
+              </a:rPr>
+              <a:t>有</a:t>
+            </a:r>
+            <a:r>
+              <a:rPr lang="en-US" altLang="zh-CN" sz="2400" dirty="0">
+                <a:latin typeface="微软雅黑" panose="020B0503020204020204" pitchFamily="34" charset="-122"/>
+                <a:ea typeface="微软雅黑" panose="020B0503020204020204" pitchFamily="34" charset="-122"/>
+              </a:rPr>
+              <a:t>python</a:t>
+            </a:r>
+            <a:r>
+              <a:rPr lang="zh-CN" altLang="en-US" sz="2400" dirty="0">
+                <a:latin typeface="微软雅黑" panose="020B0503020204020204" pitchFamily="34" charset="-122"/>
+                <a:ea typeface="微软雅黑" panose="020B0503020204020204" pitchFamily="34" charset="-122"/>
+              </a:rPr>
+              <a:t>性能优化需求</a:t>
+            </a:r>
+          </a:p>
+          <a:p>
+            <a:pPr>
+              <a:lnSpc>
+                <a:spcPct val="150000"/>
+              </a:lnSpc>
+            </a:pPr>
+            <a:r>
+              <a:rPr lang="zh-CN" altLang="en-US" sz="2400" dirty="0">
+                <a:latin typeface="微软雅黑" panose="020B0503020204020204" pitchFamily="34" charset="-122"/>
+                <a:ea typeface="微软雅黑" panose="020B0503020204020204" pitchFamily="34" charset="-122"/>
+              </a:rPr>
+              <a:t>想写出性能更好的</a:t>
+            </a:r>
+            <a:r>
+              <a:rPr lang="en-US" altLang="zh-CN" sz="2400" dirty="0">
+                <a:latin typeface="微软雅黑" panose="020B0503020204020204" pitchFamily="34" charset="-122"/>
+                <a:ea typeface="微软雅黑" panose="020B0503020204020204" pitchFamily="34" charset="-122"/>
+              </a:rPr>
+              <a:t>python</a:t>
+            </a:r>
+            <a:r>
+              <a:rPr lang="zh-CN" altLang="en-US" sz="2400" dirty="0">
+                <a:latin typeface="微软雅黑" panose="020B0503020204020204" pitchFamily="34" charset="-122"/>
+                <a:ea typeface="微软雅黑" panose="020B0503020204020204" pitchFamily="34" charset="-122"/>
+              </a:rPr>
+              <a:t>代码</a:t>
+            </a:r>
+          </a:p>
+          <a:p>
+            <a:pPr marL="0" indent="0">
+              <a:lnSpc>
+                <a:spcPct val="150000"/>
+              </a:lnSpc>
+              <a:buNone/>
+            </a:pPr>
+            <a:endParaRPr lang="en-US" altLang="zh-CN" sz="2400" dirty="0" smtClean="0">
+              <a:latin typeface="微软雅黑" pitchFamily="34" charset="-122"/>
+              <a:ea typeface="微软雅黑" pitchFamily="34" charset="-122"/>
+            </a:endParaRPr>
+          </a:p>
+        </p:txBody>
+      </p:sp>
+      <p:sp>
+        <p:nvSpPr>
+          <p:cNvPr id="4" name="文本占位符 3"/>
+          <p:cNvSpPr>
+            <a:spLocks noGrp="1"/>
+          </p:cNvSpPr>
+          <p:nvPr>
+            <p:ph type="body" sz="quarter" idx="3"/>
+          </p:nvPr>
+        </p:nvSpPr>
+        <p:spPr/>
+        <p:txBody>
+          <a:bodyPr>
+            <a:normAutofit/>
+          </a:bodyPr>
+          <a:lstStyle/>
+          <a:p>
+            <a:pPr marL="457200" indent="-457200">
+              <a:buFont typeface="Wingdings" panose="05000000000000000000" pitchFamily="2" charset="2"/>
+              <a:buChar char="n"/>
+            </a:pPr>
+            <a:r>
+              <a:rPr lang="zh-CN" altLang="en-US" sz="3200" dirty="0">
+                <a:latin typeface="微软雅黑" panose="020B0503020204020204" pitchFamily="34" charset="-122"/>
+                <a:ea typeface="微软雅黑" panose="020B0503020204020204" pitchFamily="34" charset="-122"/>
+              </a:rPr>
+              <a:t>不适合</a:t>
+            </a:r>
+            <a:r>
+              <a:rPr lang="zh-CN" altLang="en-US" sz="3200" dirty="0" smtClean="0">
+                <a:latin typeface="微软雅黑" panose="020B0503020204020204" pitchFamily="34" charset="-122"/>
+                <a:ea typeface="微软雅黑" panose="020B0503020204020204" pitchFamily="34" charset="-122"/>
+              </a:rPr>
+              <a:t>：</a:t>
+            </a:r>
+            <a:endParaRPr lang="zh-CN" altLang="en-US" sz="3200" dirty="0">
+              <a:latin typeface="微软雅黑" panose="020B0503020204020204" pitchFamily="34" charset="-122"/>
+              <a:ea typeface="微软雅黑" panose="020B0503020204020204" pitchFamily="34" charset="-122"/>
+            </a:endParaRPr>
+          </a:p>
+        </p:txBody>
+      </p:sp>
+      <p:sp>
+        <p:nvSpPr>
+          <p:cNvPr id="5" name="内容占位符 4"/>
+          <p:cNvSpPr>
+            <a:spLocks noGrp="1"/>
+          </p:cNvSpPr>
+          <p:nvPr>
+            <p:ph sz="quarter" idx="4"/>
+          </p:nvPr>
+        </p:nvSpPr>
+        <p:spPr/>
+        <p:txBody>
+          <a:bodyPr>
+            <a:normAutofit fontScale="85000" lnSpcReduction="20000"/>
+          </a:bodyPr>
+          <a:lstStyle/>
+          <a:p>
+            <a:pPr>
+              <a:lnSpc>
+                <a:spcPct val="150000"/>
+              </a:lnSpc>
+            </a:pPr>
+            <a:r>
+              <a:rPr lang="zh-CN" altLang="en-US" dirty="0" smtClean="0">
+                <a:latin typeface="微软雅黑" panose="020B0503020204020204" pitchFamily="34" charset="-122"/>
+                <a:ea typeface="微软雅黑" panose="020B0503020204020204" pitchFamily="34" charset="-122"/>
+              </a:rPr>
+              <a:t>不是</a:t>
+            </a:r>
+            <a:r>
+              <a:rPr lang="zh-CN" altLang="en-US" dirty="0">
+                <a:latin typeface="微软雅黑" panose="020B0503020204020204" pitchFamily="34" charset="-122"/>
+                <a:ea typeface="微软雅黑" panose="020B0503020204020204" pitchFamily="34" charset="-122"/>
+              </a:rPr>
+              <a:t>一门</a:t>
+            </a:r>
+            <a:r>
+              <a:rPr lang="en-US" altLang="zh-CN" dirty="0">
+                <a:latin typeface="微软雅黑" panose="020B0503020204020204" pitchFamily="34" charset="-122"/>
+                <a:ea typeface="微软雅黑" panose="020B0503020204020204" pitchFamily="34" charset="-122"/>
+              </a:rPr>
+              <a:t>python</a:t>
+            </a:r>
+            <a:r>
+              <a:rPr lang="zh-CN" altLang="en-US" dirty="0">
+                <a:latin typeface="微软雅黑" panose="020B0503020204020204" pitchFamily="34" charset="-122"/>
+                <a:ea typeface="微软雅黑" panose="020B0503020204020204" pitchFamily="34" charset="-122"/>
+              </a:rPr>
+              <a:t>编程入门，从来没写过</a:t>
+            </a:r>
+            <a:r>
+              <a:rPr lang="en-US" altLang="zh-CN" dirty="0">
+                <a:latin typeface="微软雅黑" panose="020B0503020204020204" pitchFamily="34" charset="-122"/>
+                <a:ea typeface="微软雅黑" panose="020B0503020204020204" pitchFamily="34" charset="-122"/>
+              </a:rPr>
+              <a:t>python</a:t>
+            </a:r>
+            <a:r>
+              <a:rPr lang="zh-CN" altLang="en-US" dirty="0">
+                <a:latin typeface="微软雅黑" panose="020B0503020204020204" pitchFamily="34" charset="-122"/>
+                <a:ea typeface="微软雅黑" panose="020B0503020204020204" pitchFamily="34" charset="-122"/>
+              </a:rPr>
+              <a:t>的人不适合</a:t>
+            </a:r>
+          </a:p>
+          <a:p>
+            <a:pPr>
+              <a:lnSpc>
+                <a:spcPct val="150000"/>
+              </a:lnSpc>
+            </a:pPr>
+            <a:r>
+              <a:rPr lang="en-US" altLang="zh-CN" dirty="0">
+                <a:latin typeface="微软雅黑" panose="020B0503020204020204" pitchFamily="34" charset="-122"/>
+                <a:ea typeface="微软雅黑" panose="020B0503020204020204" pitchFamily="34" charset="-122"/>
+              </a:rPr>
+              <a:t>python</a:t>
+            </a:r>
+            <a:r>
+              <a:rPr lang="zh-CN" altLang="en-US" dirty="0">
+                <a:latin typeface="微软雅黑" panose="020B0503020204020204" pitchFamily="34" charset="-122"/>
+                <a:ea typeface="微软雅黑" panose="020B0503020204020204" pitchFamily="34" charset="-122"/>
+              </a:rPr>
+              <a:t>初级偏中级一点的课程，</a:t>
+            </a:r>
+            <a:r>
+              <a:rPr lang="en-US" altLang="zh-CN" dirty="0">
+                <a:latin typeface="微软雅黑" panose="020B0503020204020204" pitchFamily="34" charset="-122"/>
+                <a:ea typeface="微软雅黑" panose="020B0503020204020204" pitchFamily="34" charset="-122"/>
+              </a:rPr>
+              <a:t>python</a:t>
+            </a:r>
+            <a:r>
+              <a:rPr lang="zh-CN" altLang="en-US" dirty="0">
+                <a:latin typeface="微软雅黑" panose="020B0503020204020204" pitchFamily="34" charset="-122"/>
+                <a:ea typeface="微软雅黑" panose="020B0503020204020204" pitchFamily="34" charset="-122"/>
+              </a:rPr>
+              <a:t>老鸟不适合</a:t>
+            </a:r>
+          </a:p>
+          <a:p>
+            <a:pPr>
+              <a:lnSpc>
+                <a:spcPct val="150000"/>
+              </a:lnSpc>
+            </a:pPr>
+            <a:r>
+              <a:rPr lang="zh-CN" altLang="en-US" dirty="0">
+                <a:latin typeface="微软雅黑" panose="020B0503020204020204" pitchFamily="34" charset="-122"/>
+                <a:ea typeface="微软雅黑" panose="020B0503020204020204" pitchFamily="34" charset="-122"/>
+              </a:rPr>
+              <a:t>对比课程的章节目，如果对涉及</a:t>
+            </a:r>
+            <a:r>
+              <a:rPr lang="zh-CN" altLang="en-US" dirty="0" smtClean="0">
+                <a:latin typeface="微软雅黑" panose="020B0503020204020204" pitchFamily="34" charset="-122"/>
+                <a:ea typeface="微软雅黑" panose="020B0503020204020204" pitchFamily="34" charset="-122"/>
+              </a:rPr>
+              <a:t>到</a:t>
+            </a:r>
+            <a:r>
+              <a:rPr lang="zh-CN" altLang="en-US" dirty="0">
+                <a:latin typeface="微软雅黑" panose="020B0503020204020204" pitchFamily="34" charset="-122"/>
+                <a:ea typeface="微软雅黑" panose="020B0503020204020204" pitchFamily="34" charset="-122"/>
+              </a:rPr>
+              <a:t>的技术点都了解，也不适合这个课程</a:t>
+            </a:r>
+          </a:p>
+          <a:p>
+            <a:pPr>
+              <a:lnSpc>
+                <a:spcPct val="150000"/>
+              </a:lnSpc>
+            </a:pPr>
+            <a:endParaRPr lang="zh-CN" altLang="en-US" dirty="0">
+              <a:latin typeface="微软雅黑" panose="020B0503020204020204" pitchFamily="34" charset="-122"/>
+              <a:ea typeface="微软雅黑" panose="020B0503020204020204" pitchFamily="34" charset="-122"/>
+            </a:endParaRPr>
+          </a:p>
+        </p:txBody>
+      </p:sp>
+    </p:spTree>
+    <p:extLst>
+      <p:ext uri="{BB962C8B-B14F-4D97-AF65-F5344CB8AC3E}">
+        <p14:creationId xmlns:p14="http://schemas.microsoft.com/office/powerpoint/2010/main" val="4070886037"/>
+      </p:ext>
+    </p:extLst>
+  </p:cSld>
+  <p:clrMapOvr>
+    <a:masterClrMapping/>
+  </p:clrMapOvr>
+</p:sld>
+</file>
+
+<file path=ppt/slides/slide4.xml><?xml version="1.0" encoding="utf-8"?>
+<p:sld xmlns:a="http://schemas.openxmlformats.org/drawingml/2006/main" xmlns:r="http://schemas.openxmlformats.org/officeDocument/2006/relationships" xmlns:p="http://schemas.openxmlformats.org/presentationml/2006/main">
+  <p:cSld>
+    <p:spTree>
+      <p:nvGrpSpPr>
+        <p:cNvPr id="1" name=""/>
+        <p:cNvGrpSpPr/>
+        <p:nvPr/>
+      </p:nvGrpSpPr>
+      <p:grpSpPr>
+        <a:xfrm>
+          <a:off x="0" y="0"/>
+          <a:ext cx="0" cy="0"/>
+          <a:chOff x="0" y="0"/>
+          <a:chExt cx="0" cy="0"/>
+        </a:xfrm>
+      </p:grpSpPr>
+      <p:sp>
+        <p:nvSpPr>
+          <p:cNvPr id="3" name="标题 1"/>
+          <p:cNvSpPr>
+            <a:spLocks noGrp="1"/>
+          </p:cNvSpPr>
+          <p:nvPr>
+            <p:ph type="title"/>
+          </p:nvPr>
+        </p:nvSpPr>
+        <p:spPr>
+          <a:xfrm>
+            <a:off x="838200" y="365125"/>
+            <a:ext cx="10515600" cy="1325563"/>
+          </a:xfrm>
+        </p:spPr>
+        <p:txBody>
+          <a:bodyPr/>
+          <a:lstStyle/>
+          <a:p>
+            <a:r>
+              <a:rPr lang="zh-CN" altLang="en-US" dirty="0">
+                <a:latin typeface="微软雅黑" panose="020B0503020204020204" pitchFamily="34" charset="-122"/>
+                <a:ea typeface="微软雅黑" panose="020B0503020204020204" pitchFamily="34" charset="-122"/>
+              </a:rPr>
+              <a:t>概述</a:t>
+            </a:r>
+            <a:endParaRPr lang="zh-CN" altLang="en-US" dirty="0">
+              <a:latin typeface="微软雅黑" panose="020B0503020204020204" pitchFamily="34" charset="-122"/>
+              <a:ea typeface="微软雅黑" panose="020B0503020204020204" pitchFamily="34" charset="-122"/>
+            </a:endParaRPr>
+          </a:p>
+        </p:txBody>
+      </p:sp>
+      <p:sp>
+        <p:nvSpPr>
+          <p:cNvPr id="5" name="矩形 4"/>
+          <p:cNvSpPr/>
+          <p:nvPr/>
+        </p:nvSpPr>
+        <p:spPr>
+          <a:xfrm>
+            <a:off x="1241778" y="1885792"/>
+            <a:ext cx="7439378" cy="3970318"/>
+          </a:xfrm>
+          <a:prstGeom prst="rect">
+            <a:avLst/>
+          </a:prstGeom>
+        </p:spPr>
+        <p:txBody>
+          <a:bodyPr wrap="square">
+            <a:spAutoFit/>
+          </a:bodyPr>
+          <a:lstStyle/>
+          <a:p>
+            <a:pPr marL="457200" indent="-457200">
+              <a:lnSpc>
+                <a:spcPct val="150000"/>
+              </a:lnSpc>
+              <a:buFont typeface="Wingdings" panose="05000000000000000000" pitchFamily="2" charset="2"/>
+              <a:buChar char="n"/>
+            </a:pPr>
+            <a:r>
+              <a:rPr lang="zh-CN" altLang="en-US" sz="2800" dirty="0">
+                <a:solidFill>
+                  <a:srgbClr val="333333"/>
+                </a:solidFill>
+                <a:latin typeface="微软雅黑" panose="020B0503020204020204" pitchFamily="34" charset="-122"/>
+                <a:ea typeface="微软雅黑" panose="020B0503020204020204" pitchFamily="34" charset="-122"/>
+              </a:rPr>
+              <a:t>什么是性能分析</a:t>
+            </a:r>
+          </a:p>
+          <a:p>
+            <a:pPr marL="457200" indent="-457200">
+              <a:lnSpc>
+                <a:spcPct val="150000"/>
+              </a:lnSpc>
+              <a:buFont typeface="Wingdings" panose="05000000000000000000" pitchFamily="2" charset="2"/>
+              <a:buChar char="n"/>
+            </a:pPr>
+            <a:r>
+              <a:rPr lang="en-US" altLang="zh-CN" sz="2800" dirty="0">
+                <a:solidFill>
+                  <a:srgbClr val="333333"/>
+                </a:solidFill>
+                <a:latin typeface="微软雅黑" panose="020B0503020204020204" pitchFamily="34" charset="-122"/>
+                <a:ea typeface="微软雅黑" panose="020B0503020204020204" pitchFamily="34" charset="-122"/>
+              </a:rPr>
+              <a:t>python</a:t>
+            </a:r>
+            <a:r>
+              <a:rPr lang="zh-CN" altLang="en-US" sz="2800" dirty="0">
+                <a:solidFill>
+                  <a:srgbClr val="333333"/>
+                </a:solidFill>
+                <a:latin typeface="微软雅黑" panose="020B0503020204020204" pitchFamily="34" charset="-122"/>
+                <a:ea typeface="微软雅黑" panose="020B0503020204020204" pitchFamily="34" charset="-122"/>
+              </a:rPr>
+              <a:t>性能分析的重不重要</a:t>
+            </a:r>
+          </a:p>
+          <a:p>
+            <a:pPr marL="457200" indent="-457200">
+              <a:lnSpc>
+                <a:spcPct val="150000"/>
+              </a:lnSpc>
+              <a:buFont typeface="Wingdings" panose="05000000000000000000" pitchFamily="2" charset="2"/>
+              <a:buChar char="n"/>
+            </a:pPr>
+            <a:r>
+              <a:rPr lang="zh-CN" altLang="en-US" sz="2800" dirty="0">
+                <a:solidFill>
+                  <a:srgbClr val="333333"/>
+                </a:solidFill>
+                <a:latin typeface="微软雅黑" panose="020B0503020204020204" pitchFamily="34" charset="-122"/>
+                <a:ea typeface="微软雅黑" panose="020B0503020204020204" pitchFamily="34" charset="-122"/>
+              </a:rPr>
+              <a:t>性能分析的一般过程</a:t>
+            </a:r>
+          </a:p>
+          <a:p>
+            <a:pPr marL="742950" lvl="1" indent="-285750">
+              <a:lnSpc>
+                <a:spcPct val="150000"/>
+              </a:lnSpc>
+              <a:buFont typeface="Arial" panose="020B0604020202020204" pitchFamily="34" charset="0"/>
+              <a:buChar char="•"/>
+            </a:pPr>
+            <a:r>
+              <a:rPr lang="zh-CN" altLang="en-US" sz="2800" dirty="0">
+                <a:solidFill>
+                  <a:srgbClr val="333333"/>
+                </a:solidFill>
+                <a:latin typeface="微软雅黑" panose="020B0503020204020204" pitchFamily="34" charset="-122"/>
+                <a:ea typeface="微软雅黑" panose="020B0503020204020204" pitchFamily="34" charset="-122"/>
+              </a:rPr>
+              <a:t>程序运行的速度如何</a:t>
+            </a:r>
+          </a:p>
+          <a:p>
+            <a:pPr marL="742950" lvl="1" indent="-285750">
+              <a:lnSpc>
+                <a:spcPct val="150000"/>
+              </a:lnSpc>
+              <a:buFont typeface="Arial" panose="020B0604020202020204" pitchFamily="34" charset="0"/>
+              <a:buChar char="•"/>
+            </a:pPr>
+            <a:r>
+              <a:rPr lang="zh-CN" altLang="en-US" sz="2800" dirty="0">
+                <a:solidFill>
+                  <a:srgbClr val="333333"/>
+                </a:solidFill>
+                <a:latin typeface="微软雅黑" panose="020B0503020204020204" pitchFamily="34" charset="-122"/>
+                <a:ea typeface="微软雅黑" panose="020B0503020204020204" pitchFamily="34" charset="-122"/>
+              </a:rPr>
+              <a:t>时间瓶颈在哪里</a:t>
+            </a:r>
+            <a:r>
+              <a:rPr lang="en-US" altLang="zh-CN" sz="2800" dirty="0">
+                <a:solidFill>
+                  <a:srgbClr val="333333"/>
+                </a:solidFill>
+                <a:latin typeface="微软雅黑" panose="020B0503020204020204" pitchFamily="34" charset="-122"/>
+                <a:ea typeface="微软雅黑" panose="020B0503020204020204" pitchFamily="34" charset="-122"/>
+              </a:rPr>
+              <a:t>/</a:t>
+            </a:r>
+            <a:r>
+              <a:rPr lang="zh-CN" altLang="en-US" sz="2800" dirty="0">
+                <a:solidFill>
+                  <a:srgbClr val="333333"/>
+                </a:solidFill>
+                <a:latin typeface="微软雅黑" panose="020B0503020204020204" pitchFamily="34" charset="-122"/>
+                <a:ea typeface="微软雅黑" panose="020B0503020204020204" pitchFamily="34" charset="-122"/>
+              </a:rPr>
+              <a:t>内存瓶颈在哪里</a:t>
+            </a:r>
+          </a:p>
+          <a:p>
+            <a:pPr marL="742950" lvl="1" indent="-285750">
+              <a:lnSpc>
+                <a:spcPct val="150000"/>
+              </a:lnSpc>
+              <a:buFont typeface="Arial" panose="020B0604020202020204" pitchFamily="34" charset="0"/>
+              <a:buChar char="•"/>
+            </a:pPr>
+            <a:r>
+              <a:rPr lang="zh-CN" altLang="en-US" sz="2800" dirty="0">
+                <a:solidFill>
+                  <a:srgbClr val="333333"/>
+                </a:solidFill>
+                <a:latin typeface="微软雅黑" panose="020B0503020204020204" pitchFamily="34" charset="-122"/>
+                <a:ea typeface="微软雅黑" panose="020B0503020204020204" pitchFamily="34" charset="-122"/>
+              </a:rPr>
+              <a:t>改进性能瓶颈</a:t>
+            </a:r>
+            <a:endParaRPr lang="zh-CN" altLang="en-US" sz="2800" b="0" i="0" dirty="0">
+              <a:solidFill>
+                <a:srgbClr val="333333"/>
+              </a:solidFill>
+              <a:effectLst/>
+              <a:latin typeface="微软雅黑" panose="020B0503020204020204" pitchFamily="34" charset="-122"/>
+              <a:ea typeface="微软雅黑" panose="020B0503020204020204" pitchFamily="34" charset="-122"/>
+            </a:endParaRPr>
+          </a:p>
+        </p:txBody>
+      </p:sp>
+    </p:spTree>
+    <p:extLst>
+      <p:ext uri="{BB962C8B-B14F-4D97-AF65-F5344CB8AC3E}">
+        <p14:creationId xmlns:p14="http://schemas.microsoft.com/office/powerpoint/2010/main" val="1711469184"/>
+      </p:ext>
+    </p:extLst>
+  </p:cSld>
+  <p:clrMapOvr>
+    <a:masterClrMapping/>
+  </p:clrMapOvr>
+</p:sld>
+</file>
+
+<file path=ppt/slides/slide5.xml><?xml version="1.0" encoding="utf-8"?>
+<p:sld xmlns:a="http://schemas.openxmlformats.org/drawingml/2006/main" xmlns:r="http://schemas.openxmlformats.org/officeDocument/2006/relationships" xmlns:p="http://schemas.openxmlformats.org/presentationml/2006/main">
+  <p:cSld>
+    <p:spTree>
+      <p:nvGrpSpPr>
+        <p:cNvPr id="1" name=""/>
+        <p:cNvGrpSpPr/>
+        <p:nvPr/>
+      </p:nvGrpSpPr>
+      <p:grpSpPr>
+        <a:xfrm>
+          <a:off x="0" y="0"/>
+          <a:ext cx="0" cy="0"/>
+          <a:chOff x="0" y="0"/>
+          <a:chExt cx="0" cy="0"/>
+        </a:xfrm>
+      </p:grpSpPr>
+      <p:sp>
+        <p:nvSpPr>
+          <p:cNvPr id="7" name="内容占位符 6"/>
+          <p:cNvSpPr>
+            <a:spLocks noGrp="1"/>
+          </p:cNvSpPr>
+          <p:nvPr>
+            <p:ph idx="1"/>
+          </p:nvPr>
+        </p:nvSpPr>
+        <p:spPr/>
+        <p:txBody>
+          <a:bodyPr>
+            <a:normAutofit/>
+          </a:bodyPr>
+          <a:lstStyle/>
+          <a:p>
+            <a:pPr marL="514350" indent="-514350">
+              <a:lnSpc>
+                <a:spcPct val="150000"/>
+              </a:lnSpc>
+              <a:buFont typeface="+mj-lt"/>
+              <a:buAutoNum type="arabicPeriod"/>
+            </a:pPr>
+            <a:r>
+              <a:rPr lang="en-US" altLang="zh-CN" dirty="0" smtClean="0">
+                <a:latin typeface="微软雅黑" pitchFamily="34" charset="-122"/>
+                <a:ea typeface="微软雅黑" pitchFamily="34" charset="-122"/>
+              </a:rPr>
+              <a:t>Shell </a:t>
+            </a:r>
+            <a:r>
+              <a:rPr lang="zh-CN" altLang="en-US" dirty="0" smtClean="0">
+                <a:latin typeface="微软雅黑" pitchFamily="34" charset="-122"/>
+                <a:ea typeface="微软雅黑" pitchFamily="34" charset="-122"/>
+              </a:rPr>
+              <a:t>命令</a:t>
+            </a:r>
+            <a:r>
+              <a:rPr lang="en-US" altLang="zh-CN" dirty="0" smtClean="0">
+                <a:latin typeface="微软雅黑" pitchFamily="34" charset="-122"/>
+                <a:ea typeface="微软雅黑" pitchFamily="34" charset="-122"/>
+              </a:rPr>
+              <a:t>time</a:t>
+            </a:r>
+          </a:p>
+          <a:p>
+            <a:pPr marL="514350" indent="-514350">
+              <a:lnSpc>
+                <a:spcPct val="150000"/>
+              </a:lnSpc>
+              <a:buFont typeface="+mj-lt"/>
+              <a:buAutoNum type="arabicPeriod"/>
+            </a:pPr>
+            <a:r>
+              <a:rPr lang="en-US" altLang="zh-CN" dirty="0" smtClean="0">
+                <a:latin typeface="微软雅黑" pitchFamily="34" charset="-122"/>
+                <a:ea typeface="微软雅黑" pitchFamily="34" charset="-122"/>
+              </a:rPr>
+              <a:t>Python</a:t>
+            </a:r>
+            <a:r>
+              <a:rPr lang="zh-CN" altLang="en-US" dirty="0" smtClean="0">
+                <a:latin typeface="微软雅黑" pitchFamily="34" charset="-122"/>
+                <a:ea typeface="微软雅黑" pitchFamily="34" charset="-122"/>
+              </a:rPr>
+              <a:t>模块</a:t>
+            </a:r>
+            <a:r>
+              <a:rPr lang="en-US" altLang="zh-CN" dirty="0" smtClean="0">
+                <a:latin typeface="微软雅黑" pitchFamily="34" charset="-122"/>
+                <a:ea typeface="微软雅黑" pitchFamily="34" charset="-122"/>
+              </a:rPr>
+              <a:t>time</a:t>
+            </a:r>
+          </a:p>
+          <a:p>
+            <a:pPr marL="514350" indent="-514350">
+              <a:lnSpc>
+                <a:spcPct val="150000"/>
+              </a:lnSpc>
+              <a:buFont typeface="+mj-lt"/>
+              <a:buAutoNum type="arabicPeriod"/>
+            </a:pPr>
+            <a:r>
+              <a:rPr lang="en-US" altLang="zh-CN" dirty="0" smtClean="0">
+                <a:latin typeface="微软雅黑" pitchFamily="34" charset="-122"/>
+                <a:ea typeface="微软雅黑" pitchFamily="34" charset="-122"/>
+              </a:rPr>
+              <a:t>Python</a:t>
+            </a:r>
+            <a:r>
+              <a:rPr lang="zh-CN" altLang="en-US" dirty="0" smtClean="0">
+                <a:latin typeface="微软雅黑" pitchFamily="34" charset="-122"/>
+                <a:ea typeface="微软雅黑" pitchFamily="34" charset="-122"/>
+              </a:rPr>
+              <a:t>模块</a:t>
+            </a:r>
+            <a:r>
+              <a:rPr lang="en-US" altLang="zh-CN" dirty="0" err="1" smtClean="0">
+                <a:latin typeface="微软雅黑" pitchFamily="34" charset="-122"/>
+                <a:ea typeface="微软雅黑" pitchFamily="34" charset="-122"/>
+              </a:rPr>
+              <a:t>timeit</a:t>
+            </a:r>
+            <a:endParaRPr lang="en-US" altLang="zh-CN" dirty="0" smtClean="0">
+              <a:latin typeface="微软雅黑" pitchFamily="34" charset="-122"/>
+              <a:ea typeface="微软雅黑" pitchFamily="34" charset="-122"/>
+            </a:endParaRPr>
+          </a:p>
+          <a:p>
+            <a:pPr marL="514350" indent="-514350">
+              <a:lnSpc>
+                <a:spcPct val="150000"/>
+              </a:lnSpc>
+              <a:buFont typeface="+mj-lt"/>
+              <a:buAutoNum type="arabicPeriod"/>
+            </a:pPr>
+            <a:r>
+              <a:rPr lang="en-US" altLang="zh-CN" dirty="0" smtClean="0">
+                <a:latin typeface="微软雅黑" pitchFamily="34" charset="-122"/>
+                <a:ea typeface="微软雅黑" pitchFamily="34" charset="-122"/>
+              </a:rPr>
+              <a:t>Python</a:t>
+            </a:r>
+            <a:r>
+              <a:rPr lang="zh-CN" altLang="en-US" dirty="0" smtClean="0">
+                <a:latin typeface="微软雅黑" pitchFamily="34" charset="-122"/>
+                <a:ea typeface="微软雅黑" pitchFamily="34" charset="-122"/>
+              </a:rPr>
+              <a:t>默认性能分析器</a:t>
+            </a:r>
+            <a:r>
+              <a:rPr lang="en-US" altLang="zh-CN" dirty="0" err="1" smtClean="0">
+                <a:latin typeface="微软雅黑" pitchFamily="34" charset="-122"/>
+                <a:ea typeface="微软雅黑" pitchFamily="34" charset="-122"/>
+              </a:rPr>
+              <a:t>cProfile</a:t>
+            </a:r>
+            <a:endParaRPr lang="en-US" altLang="zh-CN" dirty="0" smtClean="0">
+              <a:latin typeface="微软雅黑" pitchFamily="34" charset="-122"/>
+              <a:ea typeface="微软雅黑" pitchFamily="34" charset="-122"/>
+            </a:endParaRPr>
+          </a:p>
+          <a:p>
+            <a:pPr marL="514350" indent="-514350">
+              <a:lnSpc>
+                <a:spcPct val="150000"/>
+              </a:lnSpc>
+              <a:buFont typeface="+mj-lt"/>
+              <a:buAutoNum type="arabicPeriod"/>
+            </a:pPr>
+            <a:r>
+              <a:rPr lang="en-US" altLang="zh-CN" dirty="0" smtClean="0">
+                <a:latin typeface="微软雅黑" pitchFamily="34" charset="-122"/>
+                <a:ea typeface="微软雅黑" pitchFamily="34" charset="-122"/>
+              </a:rPr>
+              <a:t>Python</a:t>
+            </a:r>
+            <a:r>
+              <a:rPr lang="zh-CN" altLang="en-US" dirty="0">
+                <a:latin typeface="微软雅黑" pitchFamily="34" charset="-122"/>
+                <a:ea typeface="微软雅黑" pitchFamily="34" charset="-122"/>
+              </a:rPr>
+              <a:t>第三</a:t>
+            </a:r>
+            <a:r>
+              <a:rPr lang="zh-CN" altLang="en-US" dirty="0" smtClean="0">
+                <a:latin typeface="微软雅黑" pitchFamily="34" charset="-122"/>
+                <a:ea typeface="微软雅黑" pitchFamily="34" charset="-122"/>
+              </a:rPr>
+              <a:t>方性能分析器</a:t>
+            </a:r>
+            <a:r>
+              <a:rPr lang="en-US" altLang="zh-CN" dirty="0" err="1" smtClean="0">
+                <a:latin typeface="微软雅黑" pitchFamily="34" charset="-122"/>
+                <a:ea typeface="微软雅黑" pitchFamily="34" charset="-122"/>
+              </a:rPr>
+              <a:t>line_profiler</a:t>
+            </a:r>
+            <a:endParaRPr lang="en-US" altLang="zh-CN" dirty="0" smtClean="0">
+              <a:latin typeface="微软雅黑" pitchFamily="34" charset="-122"/>
+              <a:ea typeface="微软雅黑" pitchFamily="34" charset="-122"/>
+            </a:endParaRPr>
+          </a:p>
+        </p:txBody>
+      </p:sp>
+      <p:sp>
+        <p:nvSpPr>
+          <p:cNvPr id="3" name="标题 1"/>
+          <p:cNvSpPr>
+            <a:spLocks noGrp="1"/>
+          </p:cNvSpPr>
+          <p:nvPr>
+            <p:ph type="title"/>
+          </p:nvPr>
+        </p:nvSpPr>
+        <p:spPr>
+          <a:xfrm>
+            <a:off x="838200" y="365125"/>
+            <a:ext cx="10515600" cy="1325563"/>
+          </a:xfrm>
+        </p:spPr>
+        <p:txBody>
+          <a:bodyPr/>
+          <a:lstStyle/>
+          <a:p>
+            <a:pPr marL="857250" indent="-857250">
+              <a:buFont typeface="+mj-ea"/>
+              <a:buAutoNum type="ea1JpnChsDbPeriod"/>
+            </a:pPr>
+            <a:r>
+              <a:rPr lang="zh-CN" altLang="en-US" dirty="0">
+                <a:latin typeface="微软雅黑" panose="020B0503020204020204" pitchFamily="34" charset="-122"/>
+                <a:ea typeface="微软雅黑" panose="020B0503020204020204" pitchFamily="34" charset="-122"/>
+              </a:rPr>
+              <a:t>运行时间</a:t>
+            </a:r>
+            <a:endParaRPr lang="zh-CN" altLang="en-US" dirty="0">
+              <a:latin typeface="微软雅黑" panose="020B0503020204020204" pitchFamily="34" charset="-122"/>
+              <a:ea typeface="微软雅黑" panose="020B0503020204020204" pitchFamily="34" charset="-122"/>
+            </a:endParaRPr>
+          </a:p>
+        </p:txBody>
+      </p:sp>
+    </p:spTree>
+    <p:extLst>
+      <p:ext uri="{BB962C8B-B14F-4D97-AF65-F5344CB8AC3E}">
+        <p14:creationId xmlns:p14="http://schemas.microsoft.com/office/powerpoint/2010/main" val="3670801828"/>
+      </p:ext>
+    </p:extLst>
+  </p:cSld>
+  <p:clrMapOvr>
+    <a:masterClrMapping/>
+  </p:clrMapOvr>
+</p:sld>
+</file>
+
+<file path=ppt/slides/slide6.xml><?xml version="1.0" encoding="utf-8"?>
+<p:sld xmlns:a="http://schemas.openxmlformats.org/drawingml/2006/main" xmlns:r="http://schemas.openxmlformats.org/officeDocument/2006/relationships" xmlns:p="http://schemas.openxmlformats.org/presentationml/2006/main">
+  <p:cSld>
+    <p:spTree>
+      <p:nvGrpSpPr>
+        <p:cNvPr id="1" name=""/>
+        <p:cNvGrpSpPr/>
+        <p:nvPr/>
+      </p:nvGrpSpPr>
+      <p:grpSpPr>
+        <a:xfrm>
+          <a:off x="0" y="0"/>
+          <a:ext cx="0" cy="0"/>
+          <a:chOff x="0" y="0"/>
+          <a:chExt cx="0" cy="0"/>
+        </a:xfrm>
+      </p:grpSpPr>
+      <p:sp>
+        <p:nvSpPr>
           <p:cNvPr id="2" name="标题 1"/>
           <p:cNvSpPr>
             <a:spLocks noGrp="1"/>
@@ -4724,14 +7507,23 @@
               <a:buAutoNum type="arabicPeriod"/>
             </a:pPr>
             <a:r>
-              <a:rPr lang="en-US" altLang="zh-CN" dirty="0" smtClean="0"/>
+              <a:rPr lang="en-US" altLang="zh-CN" dirty="0" smtClean="0">
+                <a:latin typeface="微软雅黑" panose="020B0503020204020204" pitchFamily="34" charset="-122"/>
+                <a:ea typeface="微软雅黑" panose="020B0503020204020204" pitchFamily="34" charset="-122"/>
+              </a:rPr>
               <a:t>Shell time </a:t>
             </a:r>
             <a:r>
-              <a:rPr lang="zh-CN" altLang="en-US" dirty="0" smtClean="0"/>
+              <a:rPr lang="zh-CN" altLang="en-US" dirty="0" smtClean="0">
+                <a:latin typeface="微软雅黑" panose="020B0503020204020204" pitchFamily="34" charset="-122"/>
+                <a:ea typeface="微软雅黑" panose="020B0503020204020204" pitchFamily="34" charset="-122"/>
+              </a:rPr>
               <a:t>命令</a:t>
             </a:r>
-            <a:endParaRPr lang="zh-CN" altLang="en-US" dirty="0"/>
+            <a:endParaRPr lang="zh-CN" altLang="en-US" dirty="0">
+              <a:latin typeface="微软雅黑" panose="020B0503020204020204" pitchFamily="34" charset="-122"/>
+              <a:ea typeface="微软雅黑" panose="020B0503020204020204" pitchFamily="34" charset="-122"/>
+            </a:endParaRPr>
           </a:p>
         </p:txBody>
       </p:sp>
@@ -4771,7 +7563,7 @@
     </p:spTree>
     <p:extLst>
       <p:ext uri="{BB962C8B-B14F-4D97-AF65-F5344CB8AC3E}">
-        <p14:creationId xmlns="" xmlns:p14="http://schemas.microsoft.com/office/powerpoint/2010/main" val="2177919496"/>
+        <p14:creationId xmlns:p14="http://schemas.microsoft.com/office/powerpoint/2010/main" val="2177919496"/>
       </p:ext>
     </p:extLst>
   </p:cSld>
@@ -4788,7 +7580,7 @@
 </p:sld>
 </file>
 
-<file path=ppt/slides/slide4.xml><?xml version="1.0" encoding="utf-8"?>
+<file path=ppt/slides/slide7.xml><?xml version="1.0" encoding="utf-8"?>
 <p:sld xmlns:a="http://schemas.openxmlformats.org/drawingml/2006/main" xmlns:r="http://schemas.openxmlformats.org/officeDocument/2006/relationships" xmlns:p="http://schemas.openxmlformats.org/presentationml/2006/main">
   <p:cSld>
     <p:spTree>
@@ -5004,7 +7796,7 @@
     </p:spTree>
     <p:extLst>
       <p:ext uri="{BB962C8B-B14F-4D97-AF65-F5344CB8AC3E}">
-        <p14:creationId xmlns="" xmlns:p14="http://schemas.microsoft.com/office/powerpoint/2010/main" val="2177919496"/>
+        <p14:creationId xmlns:p14="http://schemas.microsoft.com/office/powerpoint/2010/main" val="2177919496"/>
       </p:ext>
     </p:extLst>
   </p:cSld>
@@ -5021,7 +7813,7 @@
 </p:sld>
 </file>
 
-<file path=ppt/slides/slide5.xml><?xml version="1.0" encoding="utf-8"?>
+<file path=ppt/slides/slide8.xml><?xml version="1.0" encoding="utf-8"?>
 <p:sld xmlns:a="http://schemas.openxmlformats.org/drawingml/2006/main" xmlns:r="http://schemas.openxmlformats.org/officeDocument/2006/relationships" xmlns:p="http://schemas.openxmlformats.org/presentationml/2006/main">
   <p:cSld>
     <p:spTree>
@@ -5056,6 +7848,284 @@
             <a:pPr marL="742950" indent="-742950">
               <a:buFont typeface="+mj-lt"/>
               <a:buAutoNum type="arabicPeriod" startAt="3"/>
+            </a:pPr>
+            <a:r>
+              <a:rPr lang="en-US" altLang="zh-CN" dirty="0" smtClean="0">
+                <a:latin typeface="微软雅黑" pitchFamily="34" charset="-122"/>
+                <a:ea typeface="微软雅黑" pitchFamily="34" charset="-122"/>
+              </a:rPr>
+              <a:t>Python</a:t>
+            </a:r>
+            <a:r>
+              <a:rPr lang="zh-CN" altLang="en-US" dirty="0" smtClean="0">
+                <a:latin typeface="微软雅黑" pitchFamily="34" charset="-122"/>
+                <a:ea typeface="微软雅黑" pitchFamily="34" charset="-122"/>
+              </a:rPr>
+              <a:t>模块</a:t>
+            </a:r>
+            <a:r>
+              <a:rPr lang="en-US" altLang="zh-CN" dirty="0" err="1" smtClean="0">
+                <a:latin typeface="微软雅黑" pitchFamily="34" charset="-122"/>
+                <a:ea typeface="微软雅黑" pitchFamily="34" charset="-122"/>
+              </a:rPr>
+              <a:t>timeit</a:t>
+            </a:r>
+            <a:endParaRPr lang="en-US" altLang="zh-CN" dirty="0" smtClean="0">
+              <a:latin typeface="微软雅黑" pitchFamily="34" charset="-122"/>
+              <a:ea typeface="微软雅黑" pitchFamily="34" charset="-122"/>
+            </a:endParaRPr>
+          </a:p>
+        </p:txBody>
+      </p:sp>
+      <p:sp>
+        <p:nvSpPr>
+          <p:cNvPr id="3" name="矩形 2"/>
+          <p:cNvSpPr/>
+          <p:nvPr/>
+        </p:nvSpPr>
+        <p:spPr>
+          <a:xfrm>
+            <a:off x="838199" y="1690688"/>
+            <a:ext cx="8723489" cy="461665"/>
+          </a:xfrm>
+          <a:prstGeom prst="rect">
+            <a:avLst/>
+          </a:prstGeom>
+        </p:spPr>
+        <p:txBody>
+          <a:bodyPr wrap="square">
+            <a:spAutoFit/>
+          </a:bodyPr>
+          <a:lstStyle/>
+          <a:p>
+            <a:r>
+              <a:rPr lang="zh-CN" altLang="en-US" sz="2400" dirty="0">
+                <a:solidFill>
+                  <a:srgbClr val="333333"/>
+                </a:solidFill>
+                <a:latin typeface="微软雅黑" panose="020B0503020204020204" pitchFamily="34" charset="-122"/>
+                <a:ea typeface="微软雅黑" panose="020B0503020204020204" pitchFamily="34" charset="-122"/>
+              </a:rPr>
+              <a:t>测量一段代码的运行时间，在</a:t>
+            </a:r>
+            <a:r>
+              <a:rPr lang="en-US" altLang="zh-CN" sz="2400" dirty="0">
+                <a:solidFill>
+                  <a:srgbClr val="333333"/>
+                </a:solidFill>
+                <a:latin typeface="微软雅黑" panose="020B0503020204020204" pitchFamily="34" charset="-122"/>
+                <a:ea typeface="微软雅黑" panose="020B0503020204020204" pitchFamily="34" charset="-122"/>
+              </a:rPr>
+              <a:t>python</a:t>
+            </a:r>
+            <a:r>
+              <a:rPr lang="zh-CN" altLang="en-US" sz="2400" dirty="0">
+                <a:solidFill>
+                  <a:srgbClr val="333333"/>
+                </a:solidFill>
+                <a:latin typeface="微软雅黑" panose="020B0503020204020204" pitchFamily="34" charset="-122"/>
+                <a:ea typeface="微软雅黑" panose="020B0503020204020204" pitchFamily="34" charset="-122"/>
+              </a:rPr>
+              <a:t>内可以直接使用</a:t>
+            </a:r>
+            <a:r>
+              <a:rPr lang="en-US" altLang="zh-CN" sz="2400" dirty="0" err="1" smtClean="0">
+                <a:solidFill>
+                  <a:srgbClr val="333333"/>
+                </a:solidFill>
+                <a:latin typeface="微软雅黑" panose="020B0503020204020204" pitchFamily="34" charset="-122"/>
+                <a:ea typeface="微软雅黑" panose="020B0503020204020204" pitchFamily="34" charset="-122"/>
+              </a:rPr>
+              <a:t>timeit</a:t>
+            </a:r>
+            <a:endParaRPr lang="zh-CN" altLang="en-US" sz="2400" dirty="0">
+              <a:latin typeface="微软雅黑" panose="020B0503020204020204" pitchFamily="34" charset="-122"/>
+              <a:ea typeface="微软雅黑" panose="020B0503020204020204" pitchFamily="34" charset="-122"/>
+            </a:endParaRPr>
+          </a:p>
+        </p:txBody>
+      </p:sp>
+      <p:pic>
+        <p:nvPicPr>
+          <p:cNvPr id="4" name="图片 3"/>
+          <p:cNvPicPr>
+            <a:picLocks noChangeAspect="1"/>
+          </p:cNvPicPr>
+          <p:nvPr/>
+        </p:nvPicPr>
+        <p:blipFill>
+          <a:blip r:embed="rId3"/>
+          <a:stretch>
+            <a:fillRect/>
+          </a:stretch>
+        </p:blipFill>
+        <p:spPr>
+          <a:xfrm>
+            <a:off x="838200" y="2213241"/>
+            <a:ext cx="9567050" cy="1918492"/>
+          </a:xfrm>
+          <a:prstGeom prst="rect">
+            <a:avLst/>
+          </a:prstGeom>
+        </p:spPr>
+      </p:pic>
+      <p:sp>
+        <p:nvSpPr>
+          <p:cNvPr id="5" name="矩形 4"/>
+          <p:cNvSpPr/>
+          <p:nvPr/>
+        </p:nvSpPr>
+        <p:spPr>
+          <a:xfrm>
+            <a:off x="1017410" y="4331120"/>
+            <a:ext cx="8871657" cy="461665"/>
+          </a:xfrm>
+          <a:prstGeom prst="rect">
+            <a:avLst/>
+          </a:prstGeom>
+        </p:spPr>
+        <p:txBody>
+          <a:bodyPr wrap="square">
+            <a:spAutoFit/>
+          </a:bodyPr>
+          <a:lstStyle/>
+          <a:p>
+            <a:r>
+              <a:rPr lang="zh-CN" altLang="en-US" sz="2400" dirty="0">
+                <a:solidFill>
+                  <a:srgbClr val="333333"/>
+                </a:solidFill>
+                <a:latin typeface="微软雅黑" panose="020B0503020204020204" pitchFamily="34" charset="-122"/>
+                <a:ea typeface="微软雅黑" panose="020B0503020204020204" pitchFamily="34" charset="-122"/>
+              </a:rPr>
+              <a:t>为什么</a:t>
+            </a:r>
+            <a:r>
+              <a:rPr lang="en-US" altLang="zh-CN" sz="2400" dirty="0">
+                <a:solidFill>
+                  <a:srgbClr val="333333"/>
+                </a:solidFill>
+                <a:latin typeface="微软雅黑" panose="020B0503020204020204" pitchFamily="34" charset="-122"/>
+                <a:ea typeface="微软雅黑" panose="020B0503020204020204" pitchFamily="34" charset="-122"/>
+              </a:rPr>
+              <a:t>x = range(100)</a:t>
+            </a:r>
+            <a:r>
+              <a:rPr lang="zh-CN" altLang="en-US" sz="2400" dirty="0">
+                <a:solidFill>
+                  <a:srgbClr val="333333"/>
+                </a:solidFill>
+                <a:latin typeface="微软雅黑" panose="020B0503020204020204" pitchFamily="34" charset="-122"/>
+                <a:ea typeface="微软雅黑" panose="020B0503020204020204" pitchFamily="34" charset="-122"/>
+              </a:rPr>
+              <a:t>的耗时会这么高，默认循环</a:t>
+            </a:r>
+            <a:r>
+              <a:rPr lang="en-US" altLang="zh-CN" sz="2400" dirty="0">
+                <a:solidFill>
+                  <a:srgbClr val="333333"/>
+                </a:solidFill>
+                <a:latin typeface="微软雅黑" panose="020B0503020204020204" pitchFamily="34" charset="-122"/>
+                <a:ea typeface="微软雅黑" panose="020B0503020204020204" pitchFamily="34" charset="-122"/>
+              </a:rPr>
+              <a:t>1000000</a:t>
+            </a:r>
+            <a:r>
+              <a:rPr lang="zh-CN" altLang="en-US" sz="2400" dirty="0" smtClean="0">
+                <a:solidFill>
+                  <a:srgbClr val="333333"/>
+                </a:solidFill>
+                <a:latin typeface="微软雅黑" panose="020B0503020204020204" pitchFamily="34" charset="-122"/>
+                <a:ea typeface="微软雅黑" panose="020B0503020204020204" pitchFamily="34" charset="-122"/>
+              </a:rPr>
+              <a:t>次</a:t>
+            </a:r>
+            <a:endParaRPr lang="zh-CN" altLang="en-US" sz="2400" dirty="0">
+              <a:latin typeface="微软雅黑" panose="020B0503020204020204" pitchFamily="34" charset="-122"/>
+              <a:ea typeface="微软雅黑" panose="020B0503020204020204" pitchFamily="34" charset="-122"/>
+            </a:endParaRPr>
+          </a:p>
+        </p:txBody>
+      </p:sp>
+      <p:pic>
+        <p:nvPicPr>
+          <p:cNvPr id="6" name="图片 5"/>
+          <p:cNvPicPr>
+            <a:picLocks noChangeAspect="1"/>
+          </p:cNvPicPr>
+          <p:nvPr/>
+        </p:nvPicPr>
+        <p:blipFill>
+          <a:blip r:embed="rId4"/>
+          <a:stretch>
+            <a:fillRect/>
+          </a:stretch>
+        </p:blipFill>
+        <p:spPr>
+          <a:xfrm>
+            <a:off x="1017410" y="4899839"/>
+            <a:ext cx="9537702" cy="653845"/>
+          </a:xfrm>
+          <a:prstGeom prst="rect">
+            <a:avLst/>
+          </a:prstGeom>
+        </p:spPr>
+      </p:pic>
+    </p:spTree>
+    <p:extLst>
+      <p:ext uri="{BB962C8B-B14F-4D97-AF65-F5344CB8AC3E}">
+        <p14:creationId xmlns:p14="http://schemas.microsoft.com/office/powerpoint/2010/main" val="2990020341"/>
+      </p:ext>
+    </p:extLst>
+  </p:cSld>
+  <p:clrMapOvr>
+    <a:masterClrMapping/>
+  </p:clrMapOvr>
+  <p:timing>
+    <p:tnLst>
+      <p:par>
+        <p:cTn id="1" dur="indefinite" restart="never" nodeType="tmRoot"/>
+      </p:par>
+    </p:tnLst>
+  </p:timing>
+</p:sld>
+</file>
+
+<file path=ppt/slides/slide9.xml><?xml version="1.0" encoding="utf-8"?>
+<p:sld xmlns:a="http://schemas.openxmlformats.org/drawingml/2006/main" xmlns:r="http://schemas.openxmlformats.org/officeDocument/2006/relationships" xmlns:p="http://schemas.openxmlformats.org/presentationml/2006/main">
+  <p:cSld>
+    <p:spTree>
+      <p:nvGrpSpPr>
+        <p:cNvPr id="1" name=""/>
+        <p:cNvGrpSpPr/>
+        <p:nvPr/>
+      </p:nvGrpSpPr>
+      <p:grpSpPr>
+        <a:xfrm>
+          <a:off x="0" y="0"/>
+          <a:ext cx="0" cy="0"/>
+          <a:chOff x="0" y="0"/>
+          <a:chExt cx="0" cy="0"/>
+        </a:xfrm>
+      </p:grpSpPr>
+      <p:sp>
+        <p:nvSpPr>
+          <p:cNvPr id="2" name="标题 1"/>
+          <p:cNvSpPr>
+            <a:spLocks noGrp="1"/>
+          </p:cNvSpPr>
+          <p:nvPr>
+            <p:ph type="title"/>
+          </p:nvPr>
+        </p:nvSpPr>
+        <p:spPr/>
+        <p:txBody>
+          <a:bodyPr/>
+          <a:lstStyle/>
+          <a:p>
+            <a:pPr marL="742950" indent="-742950">
+              <a:buFont typeface="+mj-lt"/>
+              <a:buAutoNum type="arabicPeriod" startAt="4"/>
             </a:pPr>
             <a:r>
               <a:rPr lang="en-US" altLang="zh-CN" dirty="0" smtClean="0">
@@ -5121,771 +8191,7 @@
     </p:spTree>
     <p:extLst>
       <p:ext uri="{BB962C8B-B14F-4D97-AF65-F5344CB8AC3E}">
-        <p14:creationId xmlns="" xmlns:p14="http://schemas.microsoft.com/office/powerpoint/2010/main" val="2177919496"/>
-      </p:ext>
-    </p:extLst>
-  </p:cSld>
-  <p:clrMapOvr>
-    <a:masterClrMapping/>
-  </p:clrMapOvr>
-  <p:timing>
-    <p:tnLst>
-      <p:par>
-        <p:cTn id="1" dur="indefinite" restart="never" nodeType="tmRoot"/>
-      </p:par>
-    </p:tnLst>
-  </p:timing>
-</p:sld>
-</file>
-
-<file path=ppt/slides/slide6.xml><?xml version="1.0" encoding="utf-8"?>
-<p:sld xmlns:a="http://schemas.openxmlformats.org/drawingml/2006/main" xmlns:r="http://schemas.openxmlformats.org/officeDocument/2006/relationships" xmlns:p="http://schemas.openxmlformats.org/presentationml/2006/main">
-  <p:cSld>
-    <p:spTree>
-      <p:nvGrpSpPr>
-        <p:cNvPr id="1" name=""/>
-        <p:cNvGrpSpPr/>
-        <p:nvPr/>
-      </p:nvGrpSpPr>
-      <p:grpSpPr>
-        <a:xfrm>
-          <a:off x="0" y="0"/>
-          <a:ext cx="0" cy="0"/>
-          <a:chOff x="0" y="0"/>
-          <a:chExt cx="0" cy="0"/>
-        </a:xfrm>
-      </p:grpSpPr>
-      <p:sp>
-        <p:nvSpPr>
-          <p:cNvPr id="2" name="标题 1"/>
-          <p:cNvSpPr>
-            <a:spLocks noGrp="1"/>
-          </p:cNvSpPr>
-          <p:nvPr>
-            <p:ph type="title"/>
-          </p:nvPr>
-        </p:nvSpPr>
-        <p:spPr/>
-        <p:txBody>
-          <a:bodyPr/>
-          <a:lstStyle/>
-          <a:p>
-            <a:pPr marL="742950" indent="-742950">
-              <a:buFont typeface="+mj-lt"/>
-              <a:buAutoNum type="arabicPeriod" startAt="3"/>
-            </a:pPr>
-            <a:r>
-              <a:rPr lang="en-US" altLang="zh-CN" dirty="0" smtClean="0">
-                <a:latin typeface="微软雅黑" pitchFamily="34" charset="-122"/>
-                <a:ea typeface="微软雅黑" pitchFamily="34" charset="-122"/>
-              </a:rPr>
-              <a:t>Python</a:t>
-            </a:r>
-            <a:r>
-              <a:rPr lang="zh-CN" altLang="en-US" dirty="0" smtClean="0">
-                <a:latin typeface="微软雅黑" pitchFamily="34" charset="-122"/>
-                <a:ea typeface="微软雅黑" pitchFamily="34" charset="-122"/>
-              </a:rPr>
-              <a:t>模块</a:t>
-            </a:r>
-            <a:r>
-              <a:rPr lang="en-US" altLang="zh-CN" dirty="0" err="1" smtClean="0">
-                <a:latin typeface="微软雅黑" pitchFamily="34" charset="-122"/>
-                <a:ea typeface="微软雅黑" pitchFamily="34" charset="-122"/>
-              </a:rPr>
-              <a:t>cProfile</a:t>
-            </a:r>
-            <a:endParaRPr lang="en-US" altLang="zh-CN" dirty="0" smtClean="0">
-              <a:latin typeface="微软雅黑" pitchFamily="34" charset="-122"/>
-              <a:ea typeface="微软雅黑" pitchFamily="34" charset="-122"/>
-            </a:endParaRPr>
-          </a:p>
-        </p:txBody>
-      </p:sp>
-      <p:pic>
-        <p:nvPicPr>
-          <p:cNvPr id="2050" name="Picture 2" descr="F:\Codes\python性能优化\pics\cProfile.png"/>
-          <p:cNvPicPr>
-            <a:picLocks noChangeAspect="1" noChangeArrowheads="1"/>
-          </p:cNvPicPr>
-          <p:nvPr/>
-        </p:nvPicPr>
-        <p:blipFill>
-          <a:blip r:embed="rId3"/>
-          <a:srcRect/>
-          <a:stretch>
-            <a:fillRect/>
-          </a:stretch>
-        </p:blipFill>
-        <p:spPr bwMode="auto">
-          <a:xfrm>
-            <a:off x="719137" y="1662112"/>
-            <a:ext cx="10982518" cy="4761548"/>
-          </a:xfrm>
-          <a:prstGeom prst="rect">
-            <a:avLst/>
-          </a:prstGeom>
-          <a:noFill/>
-        </p:spPr>
-      </p:pic>
-    </p:spTree>
-    <p:extLst>
-      <p:ext uri="{BB962C8B-B14F-4D97-AF65-F5344CB8AC3E}">
-        <p14:creationId xmlns="" xmlns:p14="http://schemas.microsoft.com/office/powerpoint/2010/main" val="2177919496"/>
-      </p:ext>
-    </p:extLst>
-  </p:cSld>
-  <p:clrMapOvr>
-    <a:masterClrMapping/>
-  </p:clrMapOvr>
-  <p:timing>
-    <p:tnLst>
-      <p:par>
-        <p:cTn id="1" dur="indefinite" restart="never" nodeType="tmRoot"/>
-      </p:par>
-    </p:tnLst>
-  </p:timing>
-</p:sld>
-</file>
-
-<file path=ppt/slides/slide7.xml><?xml version="1.0" encoding="utf-8"?>
-<p:sld xmlns:a="http://schemas.openxmlformats.org/drawingml/2006/main" xmlns:r="http://schemas.openxmlformats.org/officeDocument/2006/relationships" xmlns:p="http://schemas.openxmlformats.org/presentationml/2006/main">
-  <p:cSld>
-    <p:spTree>
-      <p:nvGrpSpPr>
-        <p:cNvPr id="1" name=""/>
-        <p:cNvGrpSpPr/>
-        <p:nvPr/>
-      </p:nvGrpSpPr>
-      <p:grpSpPr>
-        <a:xfrm>
-          <a:off x="0" y="0"/>
-          <a:ext cx="0" cy="0"/>
-          <a:chOff x="0" y="0"/>
-          <a:chExt cx="0" cy="0"/>
-        </a:xfrm>
-      </p:grpSpPr>
-      <p:sp>
-        <p:nvSpPr>
-          <p:cNvPr id="2" name="标题 1"/>
-          <p:cNvSpPr>
-            <a:spLocks noGrp="1"/>
-          </p:cNvSpPr>
-          <p:nvPr>
-            <p:ph type="title"/>
-          </p:nvPr>
-        </p:nvSpPr>
-        <p:spPr/>
-        <p:txBody>
-          <a:bodyPr/>
-          <a:lstStyle/>
-          <a:p>
-            <a:pPr marL="742950" indent="-742950">
-              <a:buFont typeface="+mj-lt"/>
-              <a:buAutoNum type="arabicPeriod" startAt="4"/>
-            </a:pPr>
-            <a:r>
-              <a:rPr lang="en-US" altLang="zh-CN" dirty="0" smtClean="0">
-                <a:latin typeface="微软雅黑" pitchFamily="34" charset="-122"/>
-                <a:ea typeface="微软雅黑" pitchFamily="34" charset="-122"/>
-              </a:rPr>
-              <a:t>Python</a:t>
-            </a:r>
-            <a:r>
-              <a:rPr lang="zh-CN" altLang="en-US" dirty="0" smtClean="0">
-                <a:latin typeface="微软雅黑" pitchFamily="34" charset="-122"/>
-                <a:ea typeface="微软雅黑" pitchFamily="34" charset="-122"/>
-              </a:rPr>
-              <a:t>第三方模块</a:t>
-            </a:r>
-            <a:r>
-              <a:rPr lang="en-US" altLang="zh-CN" dirty="0" err="1" smtClean="0">
-                <a:latin typeface="微软雅黑" pitchFamily="34" charset="-122"/>
-                <a:ea typeface="微软雅黑" pitchFamily="34" charset="-122"/>
-              </a:rPr>
-              <a:t>line_profiler</a:t>
-            </a:r>
-            <a:endParaRPr lang="en-US" altLang="zh-CN" dirty="0" smtClean="0">
-              <a:latin typeface="微软雅黑" pitchFamily="34" charset="-122"/>
-              <a:ea typeface="微软雅黑" pitchFamily="34" charset="-122"/>
-            </a:endParaRPr>
-          </a:p>
-        </p:txBody>
-      </p:sp>
-      <p:sp>
-        <p:nvSpPr>
-          <p:cNvPr id="11" name="内容占位符 6"/>
-          <p:cNvSpPr>
-            <a:spLocks noGrp="1"/>
-          </p:cNvSpPr>
-          <p:nvPr>
-            <p:ph idx="1"/>
-          </p:nvPr>
-        </p:nvSpPr>
-        <p:spPr>
-          <a:xfrm>
-            <a:off x="838200" y="1825625"/>
-            <a:ext cx="10515600" cy="4351338"/>
-          </a:xfrm>
-        </p:spPr>
-        <p:txBody>
-          <a:bodyPr>
-            <a:normAutofit fontScale="92500" lnSpcReduction="10000"/>
-          </a:bodyPr>
-          <a:lstStyle/>
-          <a:p>
-            <a:pPr marL="514350" indent="-514350">
-              <a:lnSpc>
-                <a:spcPct val="150000"/>
-              </a:lnSpc>
-              <a:buNone/>
-            </a:pPr>
-            <a:r>
-              <a:rPr lang="zh-CN" altLang="en-US" sz="3200" dirty="0" smtClean="0">
-                <a:latin typeface="微软雅黑" pitchFamily="34" charset="-122"/>
-                <a:ea typeface="微软雅黑" pitchFamily="34" charset="-122"/>
-              </a:rPr>
-              <a:t>使用</a:t>
-            </a:r>
-            <a:r>
-              <a:rPr lang="en-US" altLang="zh-CN" sz="3200" dirty="0" smtClean="0">
-                <a:latin typeface="微软雅黑" pitchFamily="34" charset="-122"/>
-                <a:ea typeface="微软雅黑" pitchFamily="34" charset="-122"/>
-              </a:rPr>
-              <a:t>pip</a:t>
-            </a:r>
-            <a:r>
-              <a:rPr lang="zh-CN" altLang="en-US" sz="3200" dirty="0" smtClean="0">
-                <a:latin typeface="微软雅黑" pitchFamily="34" charset="-122"/>
-                <a:ea typeface="微软雅黑" pitchFamily="34" charset="-122"/>
-              </a:rPr>
-              <a:t>安装，</a:t>
-            </a:r>
-            <a:r>
-              <a:rPr lang="en-US" altLang="zh-CN" sz="3200" dirty="0" err="1" smtClean="0">
-                <a:latin typeface="微软雅黑" pitchFamily="34" charset="-122"/>
-                <a:ea typeface="微软雅黑" pitchFamily="34" charset="-122"/>
-              </a:rPr>
-              <a:t>linux</a:t>
-            </a:r>
-            <a:r>
-              <a:rPr lang="zh-CN" altLang="en-US" sz="3200" dirty="0" smtClean="0">
-                <a:latin typeface="微软雅黑" pitchFamily="34" charset="-122"/>
-                <a:ea typeface="微软雅黑" pitchFamily="34" charset="-122"/>
-              </a:rPr>
-              <a:t>直接</a:t>
-            </a:r>
-            <a:r>
-              <a:rPr lang="en-US" altLang="zh-CN" sz="3200" dirty="0" smtClean="0">
-                <a:latin typeface="微软雅黑" pitchFamily="34" charset="-122"/>
-                <a:ea typeface="微软雅黑" pitchFamily="34" charset="-122"/>
-              </a:rPr>
-              <a:t>pip  install  </a:t>
-            </a:r>
-            <a:r>
-              <a:rPr lang="en-US" altLang="zh-CN" sz="3200" dirty="0" err="1" smtClean="0">
-                <a:latin typeface="微软雅黑" pitchFamily="34" charset="-122"/>
-                <a:ea typeface="微软雅黑" pitchFamily="34" charset="-122"/>
-              </a:rPr>
-              <a:t>line_profiler</a:t>
-            </a:r>
-            <a:endParaRPr lang="en-US" altLang="zh-CN" sz="3200" dirty="0" smtClean="0">
-              <a:latin typeface="微软雅黑" pitchFamily="34" charset="-122"/>
-              <a:ea typeface="微软雅黑" pitchFamily="34" charset="-122"/>
-            </a:endParaRPr>
-          </a:p>
-          <a:p>
-            <a:pPr marL="514350" indent="-514350">
-              <a:lnSpc>
-                <a:spcPct val="150000"/>
-              </a:lnSpc>
-              <a:buNone/>
-            </a:pPr>
-            <a:r>
-              <a:rPr lang="en-US" altLang="zh-CN" sz="3200" dirty="0" smtClean="0">
-                <a:latin typeface="微软雅黑" pitchFamily="34" charset="-122"/>
-                <a:ea typeface="微软雅黑" pitchFamily="34" charset="-122"/>
-              </a:rPr>
-              <a:t>Windows</a:t>
-            </a:r>
-            <a:r>
-              <a:rPr lang="zh-CN" altLang="en-US" sz="3200" dirty="0" smtClean="0">
-                <a:latin typeface="微软雅黑" pitchFamily="34" charset="-122"/>
-                <a:ea typeface="微软雅黑" pitchFamily="34" charset="-122"/>
-              </a:rPr>
-              <a:t>下依赖</a:t>
-            </a:r>
-            <a:r>
-              <a:rPr lang="en-US" altLang="zh-CN" sz="3200" dirty="0" err="1" smtClean="0">
-                <a:latin typeface="微软雅黑" pitchFamily="34" charset="-122"/>
-                <a:ea typeface="微软雅黑" pitchFamily="34" charset="-122"/>
-              </a:rPr>
-              <a:t>IPython</a:t>
-            </a:r>
-            <a:r>
-              <a:rPr lang="zh-CN" altLang="en-US" sz="3200" dirty="0" smtClean="0">
-                <a:latin typeface="微软雅黑" pitchFamily="34" charset="-122"/>
-                <a:ea typeface="微软雅黑" pitchFamily="34" charset="-122"/>
-              </a:rPr>
-              <a:t>，依赖</a:t>
-            </a:r>
-            <a:r>
-              <a:rPr lang="en-US" altLang="zh-CN" sz="3200" dirty="0" smtClean="0">
-                <a:latin typeface="微软雅黑" pitchFamily="34" charset="-122"/>
-                <a:ea typeface="微软雅黑" pitchFamily="34" charset="-122"/>
-              </a:rPr>
-              <a:t>VS</a:t>
-            </a:r>
-            <a:r>
-              <a:rPr lang="zh-CN" altLang="en-US" sz="3200" dirty="0" smtClean="0">
-                <a:latin typeface="微软雅黑" pitchFamily="34" charset="-122"/>
-                <a:ea typeface="微软雅黑" pitchFamily="34" charset="-122"/>
-              </a:rPr>
-              <a:t>编译，可能需要调整环境变量</a:t>
-            </a:r>
-            <a:endParaRPr lang="en-US" altLang="zh-CN" sz="3200" dirty="0" smtClean="0">
-              <a:latin typeface="微软雅黑" pitchFamily="34" charset="-122"/>
-              <a:ea typeface="微软雅黑" pitchFamily="34" charset="-122"/>
-            </a:endParaRPr>
-          </a:p>
-          <a:p>
-            <a:pPr marL="514350" indent="-514350">
-              <a:lnSpc>
-                <a:spcPct val="150000"/>
-              </a:lnSpc>
-              <a:buNone/>
-            </a:pPr>
-            <a:r>
-              <a:rPr lang="en-US" altLang="zh-CN" sz="3200" dirty="0" smtClean="0">
-                <a:latin typeface="微软雅黑" pitchFamily="34" charset="-122"/>
-                <a:ea typeface="微软雅黑" pitchFamily="34" charset="-122"/>
-              </a:rPr>
-              <a:t>VS90COMNTOOLS</a:t>
-            </a:r>
-          </a:p>
-          <a:p>
-            <a:pPr marL="514350" indent="-514350">
-              <a:lnSpc>
-                <a:spcPct val="150000"/>
-              </a:lnSpc>
-              <a:buNone/>
-            </a:pPr>
-            <a:r>
-              <a:rPr lang="en-US" altLang="zh-CN" sz="3200" dirty="0" smtClean="0">
-                <a:latin typeface="微软雅黑" pitchFamily="34" charset="-122"/>
-                <a:ea typeface="微软雅黑" pitchFamily="34" charset="-122"/>
-              </a:rPr>
-              <a:t>C:\Program Files (x86)\Microsoft Visual Studio 11.0\Common7\Tools </a:t>
-            </a:r>
-            <a:endParaRPr lang="zh-CN" altLang="en-US" sz="3200" dirty="0">
-              <a:latin typeface="微软雅黑" pitchFamily="34" charset="-122"/>
-              <a:ea typeface="微软雅黑" pitchFamily="34" charset="-122"/>
-            </a:endParaRPr>
-          </a:p>
-        </p:txBody>
-      </p:sp>
-    </p:spTree>
-    <p:extLst>
-      <p:ext uri="{BB962C8B-B14F-4D97-AF65-F5344CB8AC3E}">
-        <p14:creationId xmlns="" xmlns:p14="http://schemas.microsoft.com/office/powerpoint/2010/main" val="2177919496"/>
-      </p:ext>
-    </p:extLst>
-  </p:cSld>
-  <p:clrMapOvr>
-    <a:masterClrMapping/>
-  </p:clrMapOvr>
-  <p:timing>
-    <p:tnLst>
-      <p:par>
-        <p:cTn id="1" dur="indefinite" restart="never" nodeType="tmRoot"/>
-      </p:par>
-    </p:tnLst>
-  </p:timing>
-</p:sld>
-</file>
-
-<file path=ppt/slides/slide8.xml><?xml version="1.0" encoding="utf-8"?>
-<p:sld xmlns:a="http://schemas.openxmlformats.org/drawingml/2006/main" xmlns:r="http://schemas.openxmlformats.org/officeDocument/2006/relationships" xmlns:p="http://schemas.openxmlformats.org/presentationml/2006/main">
-  <p:cSld>
-    <p:spTree>
-      <p:nvGrpSpPr>
-        <p:cNvPr id="1" name=""/>
-        <p:cNvGrpSpPr/>
-        <p:nvPr/>
-      </p:nvGrpSpPr>
-      <p:grpSpPr>
-        <a:xfrm>
-          <a:off x="0" y="0"/>
-          <a:ext cx="0" cy="0"/>
-          <a:chOff x="0" y="0"/>
-          <a:chExt cx="0" cy="0"/>
-        </a:xfrm>
-      </p:grpSpPr>
-      <p:sp>
-        <p:nvSpPr>
-          <p:cNvPr id="2" name="标题 1"/>
-          <p:cNvSpPr>
-            <a:spLocks noGrp="1"/>
-          </p:cNvSpPr>
-          <p:nvPr>
-            <p:ph type="title"/>
-          </p:nvPr>
-        </p:nvSpPr>
-        <p:spPr/>
-        <p:txBody>
-          <a:bodyPr/>
-          <a:lstStyle/>
-          <a:p>
-            <a:pPr marL="742950" indent="-742950">
-              <a:buFont typeface="+mj-lt"/>
-              <a:buAutoNum type="arabicPeriod" startAt="4"/>
-            </a:pPr>
-            <a:r>
-              <a:rPr lang="en-US" altLang="zh-CN" dirty="0" smtClean="0">
-                <a:latin typeface="微软雅黑" pitchFamily="34" charset="-122"/>
-                <a:ea typeface="微软雅黑" pitchFamily="34" charset="-122"/>
-              </a:rPr>
-              <a:t>Python</a:t>
-            </a:r>
-            <a:r>
-              <a:rPr lang="zh-CN" altLang="en-US" dirty="0" smtClean="0">
-                <a:latin typeface="微软雅黑" pitchFamily="34" charset="-122"/>
-                <a:ea typeface="微软雅黑" pitchFamily="34" charset="-122"/>
-              </a:rPr>
-              <a:t>第三方模块</a:t>
-            </a:r>
-            <a:r>
-              <a:rPr lang="en-US" altLang="zh-CN" dirty="0" err="1" smtClean="0">
-                <a:latin typeface="微软雅黑" pitchFamily="34" charset="-122"/>
-                <a:ea typeface="微软雅黑" pitchFamily="34" charset="-122"/>
-              </a:rPr>
-              <a:t>line_profiler</a:t>
-            </a:r>
-            <a:endParaRPr lang="en-US" altLang="zh-CN" dirty="0" smtClean="0">
-              <a:latin typeface="微软雅黑" pitchFamily="34" charset="-122"/>
-              <a:ea typeface="微软雅黑" pitchFamily="34" charset="-122"/>
-            </a:endParaRPr>
-          </a:p>
-        </p:txBody>
-      </p:sp>
-      <p:sp>
-        <p:nvSpPr>
-          <p:cNvPr id="11" name="内容占位符 6"/>
-          <p:cNvSpPr>
-            <a:spLocks noGrp="1"/>
-          </p:cNvSpPr>
-          <p:nvPr>
-            <p:ph idx="1"/>
-          </p:nvPr>
-        </p:nvSpPr>
-        <p:spPr>
-          <a:xfrm>
-            <a:off x="838200" y="1825625"/>
-            <a:ext cx="10515600" cy="4351338"/>
-          </a:xfrm>
-        </p:spPr>
-        <p:txBody>
-          <a:bodyPr>
-            <a:normAutofit/>
-          </a:bodyPr>
-          <a:lstStyle/>
-          <a:p>
-            <a:pPr marL="514350" indent="-514350">
-              <a:lnSpc>
-                <a:spcPct val="150000"/>
-              </a:lnSpc>
-              <a:buNone/>
-            </a:pPr>
-            <a:r>
-              <a:rPr lang="en-US" altLang="zh-CN" sz="3200" dirty="0" smtClean="0">
-                <a:latin typeface="微软雅黑" pitchFamily="34" charset="-122"/>
-                <a:ea typeface="微软雅黑" pitchFamily="34" charset="-122"/>
-              </a:rPr>
-              <a:t>1.	</a:t>
-            </a:r>
-            <a:r>
-              <a:rPr lang="zh-CN" altLang="en-US" sz="3200" dirty="0" smtClean="0">
-                <a:latin typeface="微软雅黑" pitchFamily="34" charset="-122"/>
-                <a:ea typeface="微软雅黑" pitchFamily="34" charset="-122"/>
-              </a:rPr>
-              <a:t>修改源代码</a:t>
-            </a:r>
-            <a:r>
-              <a:rPr lang="en-US" altLang="zh-CN" sz="3200" dirty="0" smtClean="0">
-                <a:latin typeface="微软雅黑" pitchFamily="34" charset="-122"/>
-                <a:ea typeface="微软雅黑" pitchFamily="34" charset="-122"/>
-              </a:rPr>
-              <a:t>, </a:t>
-            </a:r>
-            <a:r>
-              <a:rPr lang="zh-CN" altLang="en-US" sz="3200" dirty="0" smtClean="0">
-                <a:latin typeface="微软雅黑" pitchFamily="34" charset="-122"/>
-                <a:ea typeface="微软雅黑" pitchFamily="34" charset="-122"/>
-              </a:rPr>
-              <a:t>待测试函数上增加</a:t>
-            </a:r>
-            <a:r>
-              <a:rPr lang="en-US" altLang="zh-CN" sz="3200" dirty="0" smtClean="0">
-                <a:latin typeface="微软雅黑" pitchFamily="34" charset="-122"/>
-                <a:ea typeface="微软雅黑" pitchFamily="34" charset="-122"/>
-              </a:rPr>
-              <a:t>@profile</a:t>
-            </a:r>
-          </a:p>
-          <a:p>
-            <a:pPr marL="514350" indent="-514350">
-              <a:lnSpc>
-                <a:spcPct val="150000"/>
-              </a:lnSpc>
-              <a:buNone/>
-            </a:pPr>
-            <a:endParaRPr lang="en-US" altLang="zh-CN" sz="3200" dirty="0" smtClean="0">
-              <a:latin typeface="微软雅黑" pitchFamily="34" charset="-122"/>
-              <a:ea typeface="微软雅黑" pitchFamily="34" charset="-122"/>
-            </a:endParaRPr>
-          </a:p>
-          <a:p>
-            <a:pPr marL="514350" indent="-514350">
-              <a:lnSpc>
-                <a:spcPct val="150000"/>
-              </a:lnSpc>
-              <a:buAutoNum type="arabicPeriod" startAt="2"/>
-            </a:pPr>
-            <a:r>
-              <a:rPr lang="zh-CN" altLang="en-US" sz="3200" dirty="0" smtClean="0">
-                <a:latin typeface="微软雅黑" pitchFamily="34" charset="-122"/>
-                <a:ea typeface="微软雅黑" pitchFamily="34" charset="-122"/>
-              </a:rPr>
-              <a:t>命令行调用   </a:t>
-            </a:r>
-            <a:r>
-              <a:rPr lang="en-US" altLang="zh-CN" sz="3200" dirty="0" smtClean="0">
-                <a:latin typeface="微软雅黑" pitchFamily="34" charset="-122"/>
-                <a:ea typeface="微软雅黑" pitchFamily="34" charset="-122"/>
-              </a:rPr>
-              <a:t>python   kernprof.py   -l  -v   xxx.py</a:t>
-            </a:r>
-          </a:p>
-          <a:p>
-            <a:pPr marL="971550" lvl="1" indent="-514350">
-              <a:lnSpc>
-                <a:spcPct val="150000"/>
-              </a:lnSpc>
-              <a:buFont typeface="Wingdings" pitchFamily="2" charset="2"/>
-              <a:buChar char="l"/>
-            </a:pPr>
-            <a:r>
-              <a:rPr lang="en-US" sz="2800" dirty="0" smtClean="0"/>
-              <a:t>-l</a:t>
-            </a:r>
-            <a:r>
-              <a:rPr lang="zh-CN" altLang="en-US" sz="2800" dirty="0" smtClean="0"/>
-              <a:t>选项通知</a:t>
-            </a:r>
-            <a:r>
-              <a:rPr lang="en-US" sz="2800" dirty="0" err="1" smtClean="0"/>
-              <a:t>kernprof</a:t>
-            </a:r>
-            <a:r>
-              <a:rPr lang="zh-CN" altLang="en-US" sz="2800" dirty="0" smtClean="0"/>
-              <a:t>注入</a:t>
-            </a:r>
-            <a:r>
-              <a:rPr lang="en-US" altLang="zh-CN" sz="2800" dirty="0" smtClean="0"/>
-              <a:t>@</a:t>
-            </a:r>
-            <a:r>
-              <a:rPr lang="en-US" sz="2800" dirty="0" smtClean="0"/>
-              <a:t>profile</a:t>
-            </a:r>
-            <a:r>
-              <a:rPr lang="zh-CN" altLang="en-US" sz="2800" dirty="0" smtClean="0"/>
-              <a:t>装饰器</a:t>
-            </a:r>
-            <a:endParaRPr lang="en-US" altLang="zh-CN" sz="2800" dirty="0" smtClean="0"/>
-          </a:p>
-          <a:p>
-            <a:pPr marL="971550" lvl="1" indent="-514350">
-              <a:lnSpc>
-                <a:spcPct val="150000"/>
-              </a:lnSpc>
-              <a:buFont typeface="Wingdings" pitchFamily="2" charset="2"/>
-              <a:buChar char="l"/>
-            </a:pPr>
-            <a:r>
-              <a:rPr lang="en-US" altLang="zh-CN" sz="2800" dirty="0" smtClean="0"/>
-              <a:t>-v</a:t>
-            </a:r>
-            <a:r>
-              <a:rPr lang="zh-CN" altLang="en-US" sz="2800" dirty="0" smtClean="0"/>
-              <a:t>选项通知</a:t>
-            </a:r>
-            <a:r>
-              <a:rPr lang="en-US" altLang="zh-CN" sz="2800" dirty="0" err="1" smtClean="0"/>
-              <a:t>kernprof</a:t>
-            </a:r>
-            <a:r>
-              <a:rPr lang="zh-CN" altLang="en-US" sz="2800" dirty="0" smtClean="0"/>
-              <a:t>在脚本执行完毕的时候显示计时信息</a:t>
-            </a:r>
-            <a:endParaRPr lang="zh-CN" altLang="en-US" sz="2800" dirty="0" smtClean="0">
-              <a:latin typeface="微软雅黑" pitchFamily="34" charset="-122"/>
-              <a:ea typeface="微软雅黑" pitchFamily="34" charset="-122"/>
-            </a:endParaRPr>
-          </a:p>
-          <a:p>
-            <a:pPr marL="514350" indent="-514350">
-              <a:lnSpc>
-                <a:spcPct val="150000"/>
-              </a:lnSpc>
-              <a:buNone/>
-            </a:pPr>
-            <a:endParaRPr lang="en-US" altLang="zh-CN" sz="3200" dirty="0" smtClean="0">
-              <a:latin typeface="微软雅黑" pitchFamily="34" charset="-122"/>
-              <a:ea typeface="微软雅黑" pitchFamily="34" charset="-122"/>
-            </a:endParaRPr>
-          </a:p>
-        </p:txBody>
-      </p:sp>
-    </p:spTree>
-    <p:extLst>
-      <p:ext uri="{BB962C8B-B14F-4D97-AF65-F5344CB8AC3E}">
-        <p14:creationId xmlns="" xmlns:p14="http://schemas.microsoft.com/office/powerpoint/2010/main" val="2177919496"/>
-      </p:ext>
-    </p:extLst>
-  </p:cSld>
-  <p:clrMapOvr>
-    <a:masterClrMapping/>
-  </p:clrMapOvr>
-  <p:timing>
-    <p:tnLst>
-      <p:par>
-        <p:cTn id="1" dur="indefinite" restart="never" nodeType="tmRoot"/>
-      </p:par>
-    </p:tnLst>
-  </p:timing>
-</p:sld>
-</file>
-
-<file path=ppt/slides/slide9.xml><?xml version="1.0" encoding="utf-8"?>
-<p:sld xmlns:a="http://schemas.openxmlformats.org/drawingml/2006/main" xmlns:r="http://schemas.openxmlformats.org/officeDocument/2006/relationships" xmlns:p="http://schemas.openxmlformats.org/presentationml/2006/main">
-  <p:cSld>
-    <p:spTree>
-      <p:nvGrpSpPr>
-        <p:cNvPr id="1" name=""/>
-        <p:cNvGrpSpPr/>
-        <p:nvPr/>
-      </p:nvGrpSpPr>
-      <p:grpSpPr>
-        <a:xfrm>
-          <a:off x="0" y="0"/>
-          <a:ext cx="0" cy="0"/>
-          <a:chOff x="0" y="0"/>
-          <a:chExt cx="0" cy="0"/>
-        </a:xfrm>
-      </p:grpSpPr>
-      <p:sp>
-        <p:nvSpPr>
-          <p:cNvPr id="7" name="内容占位符 6"/>
-          <p:cNvSpPr>
-            <a:spLocks noGrp="1"/>
-          </p:cNvSpPr>
-          <p:nvPr>
-            <p:ph idx="1"/>
-          </p:nvPr>
-        </p:nvSpPr>
-        <p:spPr/>
-        <p:txBody>
-          <a:bodyPr>
-            <a:normAutofit/>
-          </a:bodyPr>
-          <a:lstStyle/>
-          <a:p>
-            <a:pPr marL="514350" indent="-514350">
-              <a:buFont typeface="+mj-lt"/>
-              <a:buAutoNum type="arabicPeriod"/>
-            </a:pPr>
-            <a:r>
-              <a:rPr lang="zh-CN" altLang="en-US" dirty="0" smtClean="0">
-                <a:latin typeface="微软雅黑" pitchFamily="34" charset="-122"/>
-                <a:ea typeface="微软雅黑" pitchFamily="34" charset="-122"/>
-              </a:rPr>
-              <a:t>内存占用</a:t>
-            </a:r>
-            <a:r>
-              <a:rPr lang="en-US" altLang="zh-CN" dirty="0" err="1" smtClean="0">
-                <a:latin typeface="微软雅黑" pitchFamily="34" charset="-122"/>
-                <a:ea typeface="微软雅黑" pitchFamily="34" charset="-122"/>
-              </a:rPr>
-              <a:t>memory_profiler</a:t>
-            </a:r>
-            <a:endParaRPr lang="en-US" altLang="zh-CN" dirty="0" smtClean="0">
-              <a:latin typeface="微软雅黑" pitchFamily="34" charset="-122"/>
-              <a:ea typeface="微软雅黑" pitchFamily="34" charset="-122"/>
-            </a:endParaRPr>
-          </a:p>
-          <a:p>
-            <a:pPr marL="514350" indent="-514350">
-              <a:buFont typeface="+mj-lt"/>
-              <a:buAutoNum type="arabicPeriod"/>
-            </a:pPr>
-            <a:r>
-              <a:rPr lang="zh-CN" altLang="en-US" dirty="0" smtClean="0">
-                <a:latin typeface="微软雅黑" pitchFamily="34" charset="-122"/>
-                <a:ea typeface="微软雅黑" pitchFamily="34" charset="-122"/>
-              </a:rPr>
-              <a:t>内存泄露</a:t>
-            </a:r>
-            <a:r>
-              <a:rPr lang="en-US" altLang="zh-CN" dirty="0" err="1" smtClean="0">
-                <a:latin typeface="微软雅黑" pitchFamily="34" charset="-122"/>
-                <a:ea typeface="微软雅黑" pitchFamily="34" charset="-122"/>
-              </a:rPr>
-              <a:t>objgraph</a:t>
-            </a:r>
-            <a:endParaRPr lang="en-US" altLang="zh-CN" dirty="0" smtClean="0">
-              <a:latin typeface="微软雅黑" pitchFamily="34" charset="-122"/>
-              <a:ea typeface="微软雅黑" pitchFamily="34" charset="-122"/>
-            </a:endParaRPr>
-          </a:p>
-        </p:txBody>
-      </p:sp>
-      <p:sp>
-        <p:nvSpPr>
-          <p:cNvPr id="3" name="标题 1"/>
-          <p:cNvSpPr>
-            <a:spLocks noGrp="1"/>
-          </p:cNvSpPr>
-          <p:nvPr>
-            <p:ph type="title"/>
-          </p:nvPr>
-        </p:nvSpPr>
-        <p:spPr>
-          <a:xfrm>
-            <a:off x="838200" y="365125"/>
-            <a:ext cx="10515600" cy="1325563"/>
-          </a:xfrm>
-        </p:spPr>
-        <p:txBody>
-          <a:bodyPr/>
-          <a:lstStyle/>
-          <a:p>
-            <a:pPr marL="857250" indent="-857250">
-              <a:buFont typeface="+mj-ea"/>
-              <a:buAutoNum type="ea1JpnChsDbPeriod" startAt="2"/>
-            </a:pPr>
-            <a:r>
-              <a:rPr lang="zh-CN" altLang="en-US" dirty="0" smtClean="0"/>
-              <a:t>内存占用</a:t>
-            </a:r>
-            <a:endParaRPr lang="zh-CN" altLang="en-US" dirty="0"/>
-          </a:p>
-        </p:txBody>
-      </p:sp>
-    </p:spTree>
-    <p:extLst>
-      <p:ext uri="{BB962C8B-B14F-4D97-AF65-F5344CB8AC3E}">
-        <p14:creationId xmlns="" xmlns:p14="http://schemas.microsoft.com/office/powerpoint/2010/main" val="3670801828"/>
+        <p14:creationId xmlns:p14="http://schemas.microsoft.com/office/powerpoint/2010/main" val="2177919496"/>
       </p:ext>
     </p:extLst>
   </p:cSld>
@@ -6157,7 +8463,7 @@
   <a:extraClrSchemeLst/>
   <a:extLst>
     <a:ext uri="{05A4C25C-085E-4340-85A3-A5531E510DB2}">
-      <thm15:themeFamily xmlns="" xmlns:thm15="http://schemas.microsoft.com/office/thememl/2012/main" name="Office Theme" id="{62F939B6-93AF-4DB8-9C6B-D6C7DFDC589F}" vid="{4A3C46E8-61CC-4603-A589-7422A47A8E4A}"/>
+      <thm15:themeFamily xmlns:thm15="http://schemas.microsoft.com/office/thememl/2012/main" name="Office Theme" id="{62F939B6-93AF-4DB8-9C6B-D6C7DFDC589F}" vid="{4A3C46E8-61CC-4603-A589-7422A47A8E4A}"/>
     </a:ext>
   </a:extLst>
 </a:theme>
@@ -6418,7 +8724,7 @@
   <a:extraClrSchemeLst/>
   <a:extLst>
     <a:ext uri="{05A4C25C-085E-4340-85A3-A5531E510DB2}">
-      <thm15:themeFamily xmlns="" xmlns:thm15="http://schemas.microsoft.com/office/thememl/2012/main" name="Office Theme" id="{62F939B6-93AF-4DB8-9C6B-D6C7DFDC589F}" vid="{4A3C46E8-61CC-4603-A589-7422A47A8E4A}"/>
+      <thm15:themeFamily xmlns:thm15="http://schemas.microsoft.com/office/thememl/2012/main" name="Office Theme" id="{62F939B6-93AF-4DB8-9C6B-D6C7DFDC589F}" vid="{4A3C46E8-61CC-4603-A589-7422A47A8E4A}"/>
     </a:ext>
   </a:extLst>
 </a:theme>
